--- a/Pros_Cons_Development of Rental Property Web Portal.pptx
+++ b/Pros_Cons_Development of Rental Property Web Portal.pptx
@@ -1,112 +1,479 @@
 
 <file path=ppt/presentation.xml><?xml version="1.0" encoding="utf-8"?>
-<p:presentation xmlns:a="http://schemas.openxmlformats.org/drawingml/2006/main" xmlns:r="http://schemas.openxmlformats.org/officeDocument/2006/relationships" xmlns:p="http://schemas.openxmlformats.org/presentationml/2006/main" saveSubsetFonts="1" autoCompressPictures="0">
+<p:presentation xmlns:a="http://schemas.openxmlformats.org/drawingml/2006/main" xmlns:r="http://schemas.openxmlformats.org/officeDocument/2006/relationships" xmlns:p="http://schemas.openxmlformats.org/presentationml/2006/main">
   <p:sldMasterIdLst>
-    <p:sldMasterId id="2147483660" r:id="rId1"/>
+    <p:sldMasterId id="2147483653" r:id="rId1"/>
   </p:sldMasterIdLst>
+  <p:notesMasterIdLst>
+    <p:notesMasterId r:id="rId5"/>
+  </p:notesMasterIdLst>
   <p:sldIdLst>
     <p:sldId id="256" r:id="rId2"/>
     <p:sldId id="257" r:id="rId3"/>
     <p:sldId id="258" r:id="rId4"/>
   </p:sldIdLst>
-  <p:sldSz cx="9144000" cy="6858000" type="screen4x3"/>
+  <p:sldSz cx="12192000" cy="6858000"/>
   <p:notesSz cx="6858000" cy="9144000"/>
   <p:defaultTextStyle>
-    <a:defPPr>
-      <a:defRPr lang="en-US"/>
+    <a:defPPr marL="0" marR="0" indent="0" algn="l" defTabSz="914400" rtl="0" fontAlgn="auto" latinLnBrk="1" hangingPunct="0">
+      <a:lnSpc>
+        <a:spcPct val="100000"/>
+      </a:lnSpc>
+      <a:spcBef>
+        <a:spcPts val="0"/>
+      </a:spcBef>
+      <a:spcAft>
+        <a:spcPts val="0"/>
+      </a:spcAft>
+      <a:buClrTx/>
+      <a:buSzTx/>
+      <a:buFontTx/>
+      <a:buNone/>
+      <a:tabLst/>
+      <a:defRPr kumimoji="0" sz="1800" b="0" i="0" u="none" strike="noStrike" cap="none" spc="0" normalizeH="0" baseline="0">
+        <a:ln>
+          <a:noFill/>
+        </a:ln>
+        <a:solidFill>
+          <a:srgbClr val="000000"/>
+        </a:solidFill>
+        <a:effectLst/>
+        <a:uFillTx/>
+      </a:defRPr>
     </a:defPPr>
-    <a:lvl1pPr marL="0" algn="l" defTabSz="457200" rtl="0" eaLnBrk="1" latinLnBrk="0" hangingPunct="1">
-      <a:defRPr sz="1800" kern="1200">
+    <a:lvl1pPr marL="0" marR="0" indent="0" algn="l" defTabSz="914400" rtl="0" fontAlgn="auto" latinLnBrk="0" hangingPunct="0">
+      <a:lnSpc>
+        <a:spcPct val="100000"/>
+      </a:lnSpc>
+      <a:spcBef>
+        <a:spcPts val="0"/>
+      </a:spcBef>
+      <a:spcAft>
+        <a:spcPts val="0"/>
+      </a:spcAft>
+      <a:buClrTx/>
+      <a:buSzTx/>
+      <a:buFontTx/>
+      <a:buNone/>
+      <a:tabLst/>
+      <a:defRPr kumimoji="0" sz="1800" b="0" i="0" u="none" strike="noStrike" cap="none" spc="0" normalizeH="0" baseline="0">
+        <a:ln>
+          <a:noFill/>
+        </a:ln>
         <a:solidFill>
-          <a:schemeClr val="tx1"/>
+          <a:srgbClr val="000000"/>
         </a:solidFill>
-        <a:latin typeface="+mn-lt"/>
-        <a:ea typeface="+mn-ea"/>
-        <a:cs typeface="+mn-cs"/>
+        <a:effectLst/>
+        <a:uFillTx/>
+        <a:latin typeface="+mj-lt"/>
+        <a:ea typeface="+mj-ea"/>
+        <a:cs typeface="+mj-cs"/>
+        <a:sym typeface="Helvetica"/>
       </a:defRPr>
     </a:lvl1pPr>
-    <a:lvl2pPr marL="457200" algn="l" defTabSz="457200" rtl="0" eaLnBrk="1" latinLnBrk="0" hangingPunct="1">
-      <a:defRPr sz="1800" kern="1200">
+    <a:lvl2pPr marL="0" marR="0" indent="0" algn="l" defTabSz="914400" rtl="0" fontAlgn="auto" latinLnBrk="0" hangingPunct="0">
+      <a:lnSpc>
+        <a:spcPct val="100000"/>
+      </a:lnSpc>
+      <a:spcBef>
+        <a:spcPts val="0"/>
+      </a:spcBef>
+      <a:spcAft>
+        <a:spcPts val="0"/>
+      </a:spcAft>
+      <a:buClrTx/>
+      <a:buSzTx/>
+      <a:buFontTx/>
+      <a:buNone/>
+      <a:tabLst/>
+      <a:defRPr kumimoji="0" sz="1800" b="0" i="0" u="none" strike="noStrike" cap="none" spc="0" normalizeH="0" baseline="0">
+        <a:ln>
+          <a:noFill/>
+        </a:ln>
         <a:solidFill>
-          <a:schemeClr val="tx1"/>
+          <a:srgbClr val="000000"/>
         </a:solidFill>
-        <a:latin typeface="+mn-lt"/>
-        <a:ea typeface="+mn-ea"/>
-        <a:cs typeface="+mn-cs"/>
+        <a:effectLst/>
+        <a:uFillTx/>
+        <a:latin typeface="+mj-lt"/>
+        <a:ea typeface="+mj-ea"/>
+        <a:cs typeface="+mj-cs"/>
+        <a:sym typeface="Helvetica"/>
       </a:defRPr>
     </a:lvl2pPr>
-    <a:lvl3pPr marL="914400" algn="l" defTabSz="457200" rtl="0" eaLnBrk="1" latinLnBrk="0" hangingPunct="1">
-      <a:defRPr sz="1800" kern="1200">
+    <a:lvl3pPr marL="0" marR="0" indent="0" algn="l" defTabSz="914400" rtl="0" fontAlgn="auto" latinLnBrk="0" hangingPunct="0">
+      <a:lnSpc>
+        <a:spcPct val="100000"/>
+      </a:lnSpc>
+      <a:spcBef>
+        <a:spcPts val="0"/>
+      </a:spcBef>
+      <a:spcAft>
+        <a:spcPts val="0"/>
+      </a:spcAft>
+      <a:buClrTx/>
+      <a:buSzTx/>
+      <a:buFontTx/>
+      <a:buNone/>
+      <a:tabLst/>
+      <a:defRPr kumimoji="0" sz="1800" b="0" i="0" u="none" strike="noStrike" cap="none" spc="0" normalizeH="0" baseline="0">
+        <a:ln>
+          <a:noFill/>
+        </a:ln>
         <a:solidFill>
-          <a:schemeClr val="tx1"/>
+          <a:srgbClr val="000000"/>
         </a:solidFill>
-        <a:latin typeface="+mn-lt"/>
-        <a:ea typeface="+mn-ea"/>
-        <a:cs typeface="+mn-cs"/>
+        <a:effectLst/>
+        <a:uFillTx/>
+        <a:latin typeface="+mj-lt"/>
+        <a:ea typeface="+mj-ea"/>
+        <a:cs typeface="+mj-cs"/>
+        <a:sym typeface="Helvetica"/>
       </a:defRPr>
     </a:lvl3pPr>
-    <a:lvl4pPr marL="1371600" algn="l" defTabSz="457200" rtl="0" eaLnBrk="1" latinLnBrk="0" hangingPunct="1">
-      <a:defRPr sz="1800" kern="1200">
+    <a:lvl4pPr marL="0" marR="0" indent="0" algn="l" defTabSz="914400" rtl="0" fontAlgn="auto" latinLnBrk="0" hangingPunct="0">
+      <a:lnSpc>
+        <a:spcPct val="100000"/>
+      </a:lnSpc>
+      <a:spcBef>
+        <a:spcPts val="0"/>
+      </a:spcBef>
+      <a:spcAft>
+        <a:spcPts val="0"/>
+      </a:spcAft>
+      <a:buClrTx/>
+      <a:buSzTx/>
+      <a:buFontTx/>
+      <a:buNone/>
+      <a:tabLst/>
+      <a:defRPr kumimoji="0" sz="1800" b="0" i="0" u="none" strike="noStrike" cap="none" spc="0" normalizeH="0" baseline="0">
+        <a:ln>
+          <a:noFill/>
+        </a:ln>
         <a:solidFill>
-          <a:schemeClr val="tx1"/>
+          <a:srgbClr val="000000"/>
         </a:solidFill>
-        <a:latin typeface="+mn-lt"/>
-        <a:ea typeface="+mn-ea"/>
-        <a:cs typeface="+mn-cs"/>
+        <a:effectLst/>
+        <a:uFillTx/>
+        <a:latin typeface="+mj-lt"/>
+        <a:ea typeface="+mj-ea"/>
+        <a:cs typeface="+mj-cs"/>
+        <a:sym typeface="Helvetica"/>
       </a:defRPr>
     </a:lvl4pPr>
-    <a:lvl5pPr marL="1828800" algn="l" defTabSz="457200" rtl="0" eaLnBrk="1" latinLnBrk="0" hangingPunct="1">
-      <a:defRPr sz="1800" kern="1200">
+    <a:lvl5pPr marL="0" marR="0" indent="0" algn="l" defTabSz="914400" rtl="0" fontAlgn="auto" latinLnBrk="0" hangingPunct="0">
+      <a:lnSpc>
+        <a:spcPct val="100000"/>
+      </a:lnSpc>
+      <a:spcBef>
+        <a:spcPts val="0"/>
+      </a:spcBef>
+      <a:spcAft>
+        <a:spcPts val="0"/>
+      </a:spcAft>
+      <a:buClrTx/>
+      <a:buSzTx/>
+      <a:buFontTx/>
+      <a:buNone/>
+      <a:tabLst/>
+      <a:defRPr kumimoji="0" sz="1800" b="0" i="0" u="none" strike="noStrike" cap="none" spc="0" normalizeH="0" baseline="0">
+        <a:ln>
+          <a:noFill/>
+        </a:ln>
         <a:solidFill>
-          <a:schemeClr val="tx1"/>
+          <a:srgbClr val="000000"/>
         </a:solidFill>
-        <a:latin typeface="+mn-lt"/>
-        <a:ea typeface="+mn-ea"/>
-        <a:cs typeface="+mn-cs"/>
+        <a:effectLst/>
+        <a:uFillTx/>
+        <a:latin typeface="+mj-lt"/>
+        <a:ea typeface="+mj-ea"/>
+        <a:cs typeface="+mj-cs"/>
+        <a:sym typeface="Helvetica"/>
       </a:defRPr>
     </a:lvl5pPr>
-    <a:lvl6pPr marL="2286000" algn="l" defTabSz="457200" rtl="0" eaLnBrk="1" latinLnBrk="0" hangingPunct="1">
-      <a:defRPr sz="1800" kern="1200">
+    <a:lvl6pPr marL="0" marR="0" indent="0" algn="l" defTabSz="914400" rtl="0" fontAlgn="auto" latinLnBrk="0" hangingPunct="0">
+      <a:lnSpc>
+        <a:spcPct val="100000"/>
+      </a:lnSpc>
+      <a:spcBef>
+        <a:spcPts val="0"/>
+      </a:spcBef>
+      <a:spcAft>
+        <a:spcPts val="0"/>
+      </a:spcAft>
+      <a:buClrTx/>
+      <a:buSzTx/>
+      <a:buFontTx/>
+      <a:buNone/>
+      <a:tabLst/>
+      <a:defRPr kumimoji="0" sz="1800" b="0" i="0" u="none" strike="noStrike" cap="none" spc="0" normalizeH="0" baseline="0">
+        <a:ln>
+          <a:noFill/>
+        </a:ln>
         <a:solidFill>
-          <a:schemeClr val="tx1"/>
+          <a:srgbClr val="000000"/>
         </a:solidFill>
-        <a:latin typeface="+mn-lt"/>
-        <a:ea typeface="+mn-ea"/>
-        <a:cs typeface="+mn-cs"/>
+        <a:effectLst/>
+        <a:uFillTx/>
+        <a:latin typeface="+mj-lt"/>
+        <a:ea typeface="+mj-ea"/>
+        <a:cs typeface="+mj-cs"/>
+        <a:sym typeface="Helvetica"/>
       </a:defRPr>
     </a:lvl6pPr>
-    <a:lvl7pPr marL="2743200" algn="l" defTabSz="457200" rtl="0" eaLnBrk="1" latinLnBrk="0" hangingPunct="1">
-      <a:defRPr sz="1800" kern="1200">
+    <a:lvl7pPr marL="0" marR="0" indent="0" algn="l" defTabSz="914400" rtl="0" fontAlgn="auto" latinLnBrk="0" hangingPunct="0">
+      <a:lnSpc>
+        <a:spcPct val="100000"/>
+      </a:lnSpc>
+      <a:spcBef>
+        <a:spcPts val="0"/>
+      </a:spcBef>
+      <a:spcAft>
+        <a:spcPts val="0"/>
+      </a:spcAft>
+      <a:buClrTx/>
+      <a:buSzTx/>
+      <a:buFontTx/>
+      <a:buNone/>
+      <a:tabLst/>
+      <a:defRPr kumimoji="0" sz="1800" b="0" i="0" u="none" strike="noStrike" cap="none" spc="0" normalizeH="0" baseline="0">
+        <a:ln>
+          <a:noFill/>
+        </a:ln>
         <a:solidFill>
-          <a:schemeClr val="tx1"/>
+          <a:srgbClr val="000000"/>
         </a:solidFill>
-        <a:latin typeface="+mn-lt"/>
-        <a:ea typeface="+mn-ea"/>
-        <a:cs typeface="+mn-cs"/>
+        <a:effectLst/>
+        <a:uFillTx/>
+        <a:latin typeface="+mj-lt"/>
+        <a:ea typeface="+mj-ea"/>
+        <a:cs typeface="+mj-cs"/>
+        <a:sym typeface="Helvetica"/>
       </a:defRPr>
     </a:lvl7pPr>
-    <a:lvl8pPr marL="3200400" algn="l" defTabSz="457200" rtl="0" eaLnBrk="1" latinLnBrk="0" hangingPunct="1">
-      <a:defRPr sz="1800" kern="1200">
+    <a:lvl8pPr marL="0" marR="0" indent="0" algn="l" defTabSz="914400" rtl="0" fontAlgn="auto" latinLnBrk="0" hangingPunct="0">
+      <a:lnSpc>
+        <a:spcPct val="100000"/>
+      </a:lnSpc>
+      <a:spcBef>
+        <a:spcPts val="0"/>
+      </a:spcBef>
+      <a:spcAft>
+        <a:spcPts val="0"/>
+      </a:spcAft>
+      <a:buClrTx/>
+      <a:buSzTx/>
+      <a:buFontTx/>
+      <a:buNone/>
+      <a:tabLst/>
+      <a:defRPr kumimoji="0" sz="1800" b="0" i="0" u="none" strike="noStrike" cap="none" spc="0" normalizeH="0" baseline="0">
+        <a:ln>
+          <a:noFill/>
+        </a:ln>
         <a:solidFill>
-          <a:schemeClr val="tx1"/>
+          <a:srgbClr val="000000"/>
         </a:solidFill>
-        <a:latin typeface="+mn-lt"/>
-        <a:ea typeface="+mn-ea"/>
-        <a:cs typeface="+mn-cs"/>
+        <a:effectLst/>
+        <a:uFillTx/>
+        <a:latin typeface="+mj-lt"/>
+        <a:ea typeface="+mj-ea"/>
+        <a:cs typeface="+mj-cs"/>
+        <a:sym typeface="Helvetica"/>
       </a:defRPr>
     </a:lvl8pPr>
-    <a:lvl9pPr marL="3657600" algn="l" defTabSz="457200" rtl="0" eaLnBrk="1" latinLnBrk="0" hangingPunct="1">
-      <a:defRPr sz="1800" kern="1200">
+    <a:lvl9pPr marL="0" marR="0" indent="0" algn="l" defTabSz="914400" rtl="0" fontAlgn="auto" latinLnBrk="0" hangingPunct="0">
+      <a:lnSpc>
+        <a:spcPct val="100000"/>
+      </a:lnSpc>
+      <a:spcBef>
+        <a:spcPts val="0"/>
+      </a:spcBef>
+      <a:spcAft>
+        <a:spcPts val="0"/>
+      </a:spcAft>
+      <a:buClrTx/>
+      <a:buSzTx/>
+      <a:buFontTx/>
+      <a:buNone/>
+      <a:tabLst/>
+      <a:defRPr kumimoji="0" sz="1800" b="0" i="0" u="none" strike="noStrike" cap="none" spc="0" normalizeH="0" baseline="0">
+        <a:ln>
+          <a:noFill/>
+        </a:ln>
         <a:solidFill>
-          <a:schemeClr val="tx1"/>
+          <a:srgbClr val="000000"/>
         </a:solidFill>
-        <a:latin typeface="+mn-lt"/>
-        <a:ea typeface="+mn-ea"/>
-        <a:cs typeface="+mn-cs"/>
+        <a:effectLst/>
+        <a:uFillTx/>
+        <a:latin typeface="+mj-lt"/>
+        <a:ea typeface="+mj-ea"/>
+        <a:cs typeface="+mj-cs"/>
+        <a:sym typeface="Helvetica"/>
       </a:defRPr>
     </a:lvl9pPr>
   </p:defaultTextStyle>
 </p:presentation>
+</file>
+
+<file path=ppt/notesMasters/notesMaster1.xml><?xml version="1.0" encoding="utf-8"?>
+<p:notesMaster xmlns:a="http://schemas.openxmlformats.org/drawingml/2006/main" xmlns:r="http://schemas.openxmlformats.org/officeDocument/2006/relationships" xmlns:p="http://schemas.openxmlformats.org/presentationml/2006/main">
+  <p:cSld>
+    <p:bg>
+      <p:bgRef idx="1001">
+        <a:schemeClr val="bg1"/>
+      </p:bgRef>
+    </p:bg>
+    <p:spTree>
+      <p:nvGrpSpPr>
+        <p:cNvPr id="1" name=""/>
+        <p:cNvGrpSpPr/>
+        <p:nvPr/>
+      </p:nvGrpSpPr>
+      <p:grpSpPr>
+        <a:xfrm>
+          <a:off x="0" y="0"/>
+          <a:ext cx="0" cy="0"/>
+          <a:chOff x="0" y="0"/>
+          <a:chExt cx="0" cy="0"/>
+        </a:xfrm>
+      </p:grpSpPr>
+      <p:sp>
+        <p:nvSpPr>
+          <p:cNvPr id="44" name="Shape 44"/>
+          <p:cNvSpPr>
+            <a:spLocks noGrp="1" noRot="1" noChangeAspect="1"/>
+          </p:cNvSpPr>
+          <p:nvPr>
+            <p:ph type="sldImg"/>
+          </p:nvPr>
+        </p:nvSpPr>
+        <p:spPr>
+          <a:xfrm>
+            <a:off x="1143000" y="685800"/>
+            <a:ext cx="4572000" cy="3429000"/>
+          </a:xfrm>
+          <a:prstGeom prst="rect">
+            <a:avLst/>
+          </a:prstGeom>
+        </p:spPr>
+        <p:txBody>
+          <a:bodyPr/>
+          <a:lstStyle/>
+          <a:p>
+            <a:endParaRPr/>
+          </a:p>
+        </p:txBody>
+      </p:sp>
+      <p:sp>
+        <p:nvSpPr>
+          <p:cNvPr id="45" name="Shape 45"/>
+          <p:cNvSpPr>
+            <a:spLocks noGrp="1"/>
+          </p:cNvSpPr>
+          <p:nvPr>
+            <p:ph type="body" sz="quarter" idx="1"/>
+          </p:nvPr>
+        </p:nvSpPr>
+        <p:spPr>
+          <a:xfrm>
+            <a:off x="914400" y="4343400"/>
+            <a:ext cx="5029200" cy="4114800"/>
+          </a:xfrm>
+          <a:prstGeom prst="rect">
+            <a:avLst/>
+          </a:prstGeom>
+        </p:spPr>
+        <p:txBody>
+          <a:bodyPr/>
+          <a:lstStyle/>
+          <a:p>
+            <a:endParaRPr/>
+          </a:p>
+        </p:txBody>
+      </p:sp>
+    </p:spTree>
+    <p:extLst>
+      <p:ext uri="{BB962C8B-B14F-4D97-AF65-F5344CB8AC3E}">
+        <p14:creationId xmlns:p14="http://schemas.microsoft.com/office/powerpoint/2010/main" val="4211810460"/>
+      </p:ext>
+    </p:extLst>
+  </p:cSld>
+  <p:clrMap bg1="lt1" tx1="dk1" bg2="lt2" tx2="dk2" accent1="accent1" accent2="accent2" accent3="accent3" accent4="accent4" accent5="accent5" accent6="accent6" hlink="hlink" folHlink="folHlink"/>
+  <p:notesStyle>
+    <a:lvl1pPr latinLnBrk="0">
+      <a:defRPr sz="1200">
+        <a:latin typeface="+mn-lt"/>
+        <a:ea typeface="+mn-ea"/>
+        <a:cs typeface="+mn-cs"/>
+        <a:sym typeface="Calibri"/>
+      </a:defRPr>
+    </a:lvl1pPr>
+    <a:lvl2pPr indent="228600" latinLnBrk="0">
+      <a:defRPr sz="1200">
+        <a:latin typeface="+mn-lt"/>
+        <a:ea typeface="+mn-ea"/>
+        <a:cs typeface="+mn-cs"/>
+        <a:sym typeface="Calibri"/>
+      </a:defRPr>
+    </a:lvl2pPr>
+    <a:lvl3pPr indent="457200" latinLnBrk="0">
+      <a:defRPr sz="1200">
+        <a:latin typeface="+mn-lt"/>
+        <a:ea typeface="+mn-ea"/>
+        <a:cs typeface="+mn-cs"/>
+        <a:sym typeface="Calibri"/>
+      </a:defRPr>
+    </a:lvl3pPr>
+    <a:lvl4pPr indent="685800" latinLnBrk="0">
+      <a:defRPr sz="1200">
+        <a:latin typeface="+mn-lt"/>
+        <a:ea typeface="+mn-ea"/>
+        <a:cs typeface="+mn-cs"/>
+        <a:sym typeface="Calibri"/>
+      </a:defRPr>
+    </a:lvl4pPr>
+    <a:lvl5pPr indent="914400" latinLnBrk="0">
+      <a:defRPr sz="1200">
+        <a:latin typeface="+mn-lt"/>
+        <a:ea typeface="+mn-ea"/>
+        <a:cs typeface="+mn-cs"/>
+        <a:sym typeface="Calibri"/>
+      </a:defRPr>
+    </a:lvl5pPr>
+    <a:lvl6pPr indent="1143000" latinLnBrk="0">
+      <a:defRPr sz="1200">
+        <a:latin typeface="+mn-lt"/>
+        <a:ea typeface="+mn-ea"/>
+        <a:cs typeface="+mn-cs"/>
+        <a:sym typeface="Calibri"/>
+      </a:defRPr>
+    </a:lvl6pPr>
+    <a:lvl7pPr indent="1371600" latinLnBrk="0">
+      <a:defRPr sz="1200">
+        <a:latin typeface="+mn-lt"/>
+        <a:ea typeface="+mn-ea"/>
+        <a:cs typeface="+mn-cs"/>
+        <a:sym typeface="Calibri"/>
+      </a:defRPr>
+    </a:lvl7pPr>
+    <a:lvl8pPr indent="1600200" latinLnBrk="0">
+      <a:defRPr sz="1200">
+        <a:latin typeface="+mn-lt"/>
+        <a:ea typeface="+mn-ea"/>
+        <a:cs typeface="+mn-cs"/>
+        <a:sym typeface="Calibri"/>
+      </a:defRPr>
+    </a:lvl8pPr>
+    <a:lvl9pPr indent="1828800" latinLnBrk="0">
+      <a:defRPr sz="1200">
+        <a:latin typeface="+mn-lt"/>
+        <a:ea typeface="+mn-ea"/>
+        <a:cs typeface="+mn-cs"/>
+        <a:sym typeface="Calibri"/>
+      </a:defRPr>
+    </a:lvl9pPr>
+  </p:notesStyle>
+</p:notesMaster>
 </file>
 
 <file path=ppt/slideLayouts/slideLayout1.xml><?xml version="1.0" encoding="utf-8"?>
@@ -134,8 +501,8 @@
         </p:nvSpPr>
         <p:spPr>
           <a:xfrm>
-            <a:off x="228600" y="228600"/>
-            <a:ext cx="8695944" cy="6035040"/>
+            <a:off x="304800" y="228600"/>
+            <a:ext cx="11594592" cy="6035040"/>
           </a:xfrm>
           <a:prstGeom prst="roundRect">
             <a:avLst>
@@ -197,8 +564,8 @@
         </p:nvGrpSpPr>
         <p:grpSpPr bwMode="hidden">
           <a:xfrm>
-            <a:off x="211665" y="5353963"/>
-            <a:ext cx="8723376" cy="1331580"/>
+            <a:off x="282220" y="5353963"/>
+            <a:ext cx="11631168" cy="1331580"/>
             <a:chOff x="-3905250" y="4294188"/>
             <a:chExt cx="13011150" cy="1892300"/>
           </a:xfrm>
@@ -1759,8 +2126,8 @@
         </p:nvSpPr>
         <p:spPr>
           <a:xfrm>
-            <a:off x="685800" y="1600200"/>
-            <a:ext cx="7772400" cy="1780108"/>
+            <a:off x="914400" y="1600200"/>
+            <a:ext cx="10363200" cy="1780108"/>
           </a:xfrm>
         </p:spPr>
         <p:txBody>
@@ -1797,8 +2164,8 @@
         </p:nvSpPr>
         <p:spPr>
           <a:xfrm>
-            <a:off x="1371600" y="3556001"/>
-            <a:ext cx="6400800" cy="1473200"/>
+            <a:off x="1828800" y="3556001"/>
+            <a:ext cx="8534400" cy="1473200"/>
           </a:xfrm>
         </p:spPr>
         <p:txBody>
@@ -1919,9 +2286,10 @@
           <a:bodyPr/>
           <a:lstStyle/>
           <a:p>
-            <a:fld id="{5BCAD085-E8A6-8845-BD4E-CB4CCA059FC4}" type="datetimeFigureOut">
+            <a:fld id="{E30E2307-1E40-4E12-8716-25BFDA8E7013}" type="datetime1">
               <a:rPr lang="en-US" smtClean="0"/>
-              <a:t>11/1/2024</a:t>
+              <a:pPr/>
+              <a:t>11/13/2024</a:t>
             </a:fld>
             <a:endParaRPr lang="en-US"/>
           </a:p>
@@ -1961,11 +2329,11 @@
           <a:bodyPr/>
           <a:lstStyle/>
           <a:p>
-            <a:fld id="{C1FF6DA9-008F-8B48-92A6-B652298478BF}" type="slidenum">
-              <a:rPr lang="en-US" smtClean="0"/>
+            <a:fld id="{86CB4B4D-7CA3-9044-876B-883B54F8677D}" type="slidenum">
+              <a:rPr lang="en-IN" smtClean="0"/>
               <a:t>‹#›</a:t>
             </a:fld>
-            <a:endParaRPr lang="en-US"/>
+            <a:endParaRPr lang="en-IN"/>
           </a:p>
         </p:txBody>
       </p:sp>
@@ -2100,9 +2468,10 @@
           <a:bodyPr/>
           <a:lstStyle/>
           <a:p>
-            <a:fld id="{5BCAD085-E8A6-8845-BD4E-CB4CCA059FC4}" type="datetimeFigureOut">
+            <a:fld id="{E5CFCF5A-EA79-452C-A52C-1A2668C2E7DF}" type="datetime1">
               <a:rPr lang="en-US" smtClean="0"/>
-              <a:t>11/1/2024</a:t>
+              <a:pPr/>
+              <a:t>11/13/2024</a:t>
             </a:fld>
             <a:endParaRPr lang="en-US"/>
           </a:p>
@@ -2142,11 +2511,11 @@
           <a:bodyPr/>
           <a:lstStyle/>
           <a:p>
-            <a:fld id="{C1FF6DA9-008F-8B48-92A6-B652298478BF}" type="slidenum">
-              <a:rPr lang="en-US" smtClean="0"/>
+            <a:fld id="{86CB4B4D-7CA3-9044-876B-883B54F8677D}" type="slidenum">
+              <a:rPr lang="en-IN" smtClean="0"/>
               <a:t>‹#›</a:t>
             </a:fld>
-            <a:endParaRPr lang="en-US"/>
+            <a:endParaRPr lang="en-IN"/>
           </a:p>
         </p:txBody>
       </p:sp>
@@ -2183,8 +2552,8 @@
         </p:nvSpPr>
         <p:spPr bwMode="hidden">
           <a:xfrm>
-            <a:off x="228600" y="228600"/>
-            <a:ext cx="8695944" cy="1426464"/>
+            <a:off x="304800" y="228600"/>
+            <a:ext cx="11594592" cy="1426464"/>
           </a:xfrm>
           <a:prstGeom prst="roundRect">
             <a:avLst>
@@ -2251,9 +2620,10 @@
           <a:bodyPr/>
           <a:lstStyle/>
           <a:p>
-            <a:fld id="{5BCAD085-E8A6-8845-BD4E-CB4CCA059FC4}" type="datetimeFigureOut">
+            <a:fld id="{2E5C4C28-BD4B-4892-9A2D-6E19BD753A9A}" type="datetime1">
               <a:rPr lang="en-US" smtClean="0"/>
-              <a:t>11/1/2024</a:t>
+              <a:pPr/>
+              <a:t>11/13/2024</a:t>
             </a:fld>
             <a:endParaRPr lang="en-US"/>
           </a:p>
@@ -2293,11 +2663,11 @@
           <a:bodyPr/>
           <a:lstStyle/>
           <a:p>
-            <a:fld id="{C1FF6DA9-008F-8B48-92A6-B652298478BF}" type="slidenum">
-              <a:rPr lang="en-US" smtClean="0"/>
+            <a:fld id="{86CB4B4D-7CA3-9044-876B-883B54F8677D}" type="slidenum">
+              <a:rPr lang="en-IN" smtClean="0"/>
               <a:t>‹#›</a:t>
             </a:fld>
-            <a:endParaRPr lang="en-US"/>
+            <a:endParaRPr lang="en-IN"/>
           </a:p>
         </p:txBody>
       </p:sp>
@@ -2311,8 +2681,8 @@
         </p:nvGrpSpPr>
         <p:grpSpPr bwMode="hidden">
           <a:xfrm>
-            <a:off x="211665" y="714191"/>
-            <a:ext cx="8723376" cy="1331580"/>
+            <a:off x="282220" y="714191"/>
+            <a:ext cx="11631168" cy="1331580"/>
             <a:chOff x="-3905250" y="4294188"/>
             <a:chExt cx="13011150" cy="1892300"/>
           </a:xfrm>
@@ -3873,8 +4243,8 @@
         </p:nvSpPr>
         <p:spPr>
           <a:xfrm>
-            <a:off x="6629400" y="1447800"/>
-            <a:ext cx="2057400" cy="4487333"/>
+            <a:off x="8839200" y="1447801"/>
+            <a:ext cx="2743200" cy="4487333"/>
           </a:xfrm>
         </p:spPr>
         <p:txBody>
@@ -3909,8 +4279,8 @@
         </p:nvSpPr>
         <p:spPr>
           <a:xfrm>
-            <a:off x="457200" y="1447800"/>
-            <a:ext cx="6019800" cy="4487334"/>
+            <a:off x="609600" y="1447800"/>
+            <a:ext cx="8026400" cy="4487334"/>
           </a:xfrm>
         </p:spPr>
         <p:txBody>
@@ -3990,6 +4360,167 @@
   <p:clrMapOvr>
     <a:masterClrMapping/>
   </p:clrMapOvr>
+</p:sldLayout>
+</file>
+
+<file path=ppt/slideLayouts/slideLayout12.xml><?xml version="1.0" encoding="utf-8"?>
+<p:sldLayout xmlns:a="http://schemas.openxmlformats.org/drawingml/2006/main" xmlns:r="http://schemas.openxmlformats.org/officeDocument/2006/relationships" xmlns:p="http://schemas.openxmlformats.org/presentationml/2006/main" type="tx">
+  <p:cSld name="1_Blank">
+    <p:spTree>
+      <p:nvGrpSpPr>
+        <p:cNvPr id="1" name=""/>
+        <p:cNvGrpSpPr/>
+        <p:nvPr/>
+      </p:nvGrpSpPr>
+      <p:grpSpPr>
+        <a:xfrm>
+          <a:off x="0" y="0"/>
+          <a:ext cx="0" cy="0"/>
+          <a:chOff x="0" y="0"/>
+          <a:chExt cx="0" cy="0"/>
+        </a:xfrm>
+      </p:grpSpPr>
+      <p:sp>
+        <p:nvSpPr>
+          <p:cNvPr id="26" name="CLICK TO EDIT MASTER TITLE STYLE"/>
+          <p:cNvSpPr txBox="1">
+            <a:spLocks noGrp="1"/>
+          </p:cNvSpPr>
+          <p:nvPr>
+            <p:ph type="title" hasCustomPrompt="1"/>
+          </p:nvPr>
+        </p:nvSpPr>
+        <p:spPr>
+          <a:xfrm>
+            <a:off x="153598" y="158744"/>
+            <a:ext cx="11886467" cy="439200"/>
+          </a:xfrm>
+          <a:prstGeom prst="rect">
+            <a:avLst/>
+          </a:prstGeom>
+        </p:spPr>
+        <p:txBody>
+          <a:bodyPr/>
+          <a:lstStyle>
+            <a:lvl1pPr>
+              <a:defRPr sz="2600" b="1"/>
+            </a:lvl1pPr>
+          </a:lstStyle>
+          <a:p>
+            <a:r>
+              <a:t>CLICK TO EDIT MASTER TITLE STYLE</a:t>
+            </a:r>
+          </a:p>
+        </p:txBody>
+      </p:sp>
+      <p:sp>
+        <p:nvSpPr>
+          <p:cNvPr id="27" name="Body Level One…"/>
+          <p:cNvSpPr txBox="1">
+            <a:spLocks noGrp="1"/>
+          </p:cNvSpPr>
+          <p:nvPr>
+            <p:ph type="body" sz="quarter" idx="1"/>
+          </p:nvPr>
+        </p:nvSpPr>
+        <p:spPr>
+          <a:xfrm>
+            <a:off x="151936" y="583128"/>
+            <a:ext cx="11886466" cy="583202"/>
+          </a:xfrm>
+          <a:prstGeom prst="rect">
+            <a:avLst/>
+          </a:prstGeom>
+        </p:spPr>
+        <p:txBody>
+          <a:bodyPr/>
+          <a:lstStyle>
+            <a:lvl1pPr marL="0" indent="0">
+              <a:buSzTx/>
+              <a:buFontTx/>
+              <a:buNone/>
+              <a:defRPr sz="2000"/>
+            </a:lvl1pPr>
+            <a:lvl2pPr marL="647700" indent="-190500">
+              <a:buFontTx/>
+              <a:defRPr sz="2000"/>
+            </a:lvl2pPr>
+            <a:lvl3pPr marL="1143000" indent="-228600">
+              <a:buFontTx/>
+              <a:defRPr sz="2000"/>
+            </a:lvl3pPr>
+            <a:lvl4pPr marL="1625600" indent="-254000">
+              <a:buFontTx/>
+              <a:defRPr sz="2000"/>
+            </a:lvl4pPr>
+            <a:lvl5pPr marL="2082800" indent="-254000">
+              <a:buFontTx/>
+              <a:defRPr sz="2000"/>
+            </a:lvl5pPr>
+          </a:lstStyle>
+          <a:p>
+            <a:r>
+              <a:t>Body Level One</a:t>
+            </a:r>
+          </a:p>
+          <a:p>
+            <a:pPr lvl="1"/>
+            <a:r>
+              <a:t>Body Level Two</a:t>
+            </a:r>
+          </a:p>
+          <a:p>
+            <a:pPr lvl="2"/>
+            <a:r>
+              <a:t>Body Level Three</a:t>
+            </a:r>
+          </a:p>
+          <a:p>
+            <a:pPr lvl="3"/>
+            <a:r>
+              <a:t>Body Level Four</a:t>
+            </a:r>
+          </a:p>
+          <a:p>
+            <a:pPr lvl="4"/>
+            <a:r>
+              <a:t>Body Level Five</a:t>
+            </a:r>
+          </a:p>
+        </p:txBody>
+      </p:sp>
+      <p:sp>
+        <p:nvSpPr>
+          <p:cNvPr id="29" name="Slide Number"/>
+          <p:cNvSpPr txBox="1">
+            <a:spLocks noGrp="1"/>
+          </p:cNvSpPr>
+          <p:nvPr>
+            <p:ph type="sldNum" sz="quarter" idx="2"/>
+          </p:nvPr>
+        </p:nvSpPr>
+        <p:spPr>
+          <a:prstGeom prst="rect">
+            <a:avLst/>
+          </a:prstGeom>
+        </p:spPr>
+        <p:txBody>
+          <a:bodyPr/>
+          <a:lstStyle/>
+          <a:p>
+            <a:fld id="{86CB4B4D-7CA3-9044-876B-883B54F8677D}" type="slidenum">
+              <a:t>‹#›</a:t>
+            </a:fld>
+            <a:endParaRPr/>
+          </a:p>
+        </p:txBody>
+      </p:sp>
+    </p:spTree>
+  </p:cSld>
+  <p:clrMapOvr>
+    <a:masterClrMapping/>
+  </p:clrMapOvr>
+  <p:transition spd="med"/>
 </p:sldLayout>
 </file>
 
@@ -4077,9 +4608,10 @@
           <a:bodyPr/>
           <a:lstStyle/>
           <a:p>
-            <a:fld id="{5BCAD085-E8A6-8845-BD4E-CB4CCA059FC4}" type="datetimeFigureOut">
+            <a:fld id="{61FD9D02-426E-46C9-9EE9-0DE1EF8B2838}" type="datetime1">
               <a:rPr lang="en-US" smtClean="0"/>
-              <a:t>11/1/2024</a:t>
+              <a:pPr/>
+              <a:t>11/13/2024</a:t>
             </a:fld>
             <a:endParaRPr lang="en-US"/>
           </a:p>
@@ -4119,11 +4651,11 @@
           <a:bodyPr/>
           <a:lstStyle/>
           <a:p>
-            <a:fld id="{C1FF6DA9-008F-8B48-92A6-B652298478BF}" type="slidenum">
-              <a:rPr lang="en-US" smtClean="0"/>
+            <a:fld id="{86CB4B4D-7CA3-9044-876B-883B54F8677D}" type="slidenum">
+              <a:rPr lang="en-IN" smtClean="0"/>
               <a:t>‹#›</a:t>
             </a:fld>
-            <a:endParaRPr lang="en-US"/>
+            <a:endParaRPr lang="en-IN"/>
           </a:p>
         </p:txBody>
       </p:sp>
@@ -4183,8 +4715,8 @@
         </p:nvSpPr>
         <p:spPr>
           <a:xfrm>
-            <a:off x="228600" y="228600"/>
-            <a:ext cx="8695944" cy="4736592"/>
+            <a:off x="304800" y="228600"/>
+            <a:ext cx="11594592" cy="4736592"/>
           </a:xfrm>
           <a:prstGeom prst="roundRect">
             <a:avLst>
@@ -4246,8 +4778,8 @@
         </p:nvSpPr>
         <p:spPr bwMode="hidden">
           <a:xfrm>
-            <a:off x="6047438" y="4203592"/>
-            <a:ext cx="2876429" cy="714026"/>
+            <a:off x="8063251" y="4203592"/>
+            <a:ext cx="3835239" cy="714026"/>
           </a:xfrm>
           <a:custGeom>
             <a:avLst/>
@@ -4638,8 +5170,8 @@
         </p:nvSpPr>
         <p:spPr bwMode="hidden">
           <a:xfrm>
-            <a:off x="2619320" y="4075290"/>
-            <a:ext cx="5544515" cy="850138"/>
+            <a:off x="3492427" y="4075290"/>
+            <a:ext cx="7392687" cy="850138"/>
           </a:xfrm>
           <a:custGeom>
             <a:avLst/>
@@ -5015,8 +5547,8 @@
         </p:nvSpPr>
         <p:spPr bwMode="hidden">
           <a:xfrm>
-            <a:off x="2828728" y="4087562"/>
-            <a:ext cx="5467980" cy="774272"/>
+            <a:off x="3771637" y="4087562"/>
+            <a:ext cx="7290640" cy="774272"/>
           </a:xfrm>
           <a:custGeom>
             <a:avLst/>
@@ -5249,8 +5781,8 @@
         </p:nvSpPr>
         <p:spPr bwMode="hidden">
           <a:xfrm>
-            <a:off x="5609489" y="4074174"/>
-            <a:ext cx="3308000" cy="651549"/>
+            <a:off x="7479319" y="4074175"/>
+            <a:ext cx="4410667" cy="651549"/>
           </a:xfrm>
           <a:custGeom>
             <a:avLst/>
@@ -5417,8 +5949,8 @@
         </p:nvSpPr>
         <p:spPr bwMode="hidden">
           <a:xfrm>
-            <a:off x="211665" y="4058555"/>
-            <a:ext cx="8723376" cy="1329874"/>
+            <a:off x="282220" y="4058555"/>
+            <a:ext cx="11631168" cy="1329874"/>
           </a:xfrm>
           <a:custGeom>
             <a:avLst/>
@@ -5791,8 +6323,8 @@
         </p:nvSpPr>
         <p:spPr>
           <a:xfrm>
-            <a:off x="690032" y="2463560"/>
-            <a:ext cx="7772400" cy="1524000"/>
+            <a:off x="920043" y="2463560"/>
+            <a:ext cx="10363200" cy="1524000"/>
           </a:xfrm>
         </p:spPr>
         <p:txBody>
@@ -5825,8 +6357,8 @@
         </p:nvSpPr>
         <p:spPr>
           <a:xfrm>
-            <a:off x="1367365" y="1437448"/>
-            <a:ext cx="6417734" cy="939801"/>
+            <a:off x="1823153" y="1437449"/>
+            <a:ext cx="8556979" cy="939801"/>
           </a:xfrm>
         </p:spPr>
         <p:txBody>
@@ -5947,9 +6479,10 @@
           <a:bodyPr/>
           <a:lstStyle/>
           <a:p>
-            <a:fld id="{5BCAD085-E8A6-8845-BD4E-CB4CCA059FC4}" type="datetimeFigureOut">
+            <a:fld id="{7B8AEBBE-F8B2-42CF-9895-E86A608384EB}" type="datetime1">
               <a:rPr lang="en-US" smtClean="0"/>
-              <a:t>11/1/2024</a:t>
+              <a:pPr/>
+              <a:t>11/13/2024</a:t>
             </a:fld>
             <a:endParaRPr lang="en-US"/>
           </a:p>
@@ -5989,11 +6522,11 @@
           <a:bodyPr/>
           <a:lstStyle/>
           <a:p>
-            <a:fld id="{C1FF6DA9-008F-8B48-92A6-B652298478BF}" type="slidenum">
-              <a:rPr lang="en-US" smtClean="0"/>
+            <a:fld id="{86CB4B4D-7CA3-9044-876B-883B54F8677D}" type="slidenum">
+              <a:rPr lang="en-IN" smtClean="0"/>
               <a:t>‹#›</a:t>
             </a:fld>
-            <a:endParaRPr lang="en-US"/>
+            <a:endParaRPr lang="en-IN"/>
           </a:p>
         </p:txBody>
       </p:sp>
@@ -6060,9 +6593,10 @@
           <a:bodyPr/>
           <a:lstStyle/>
           <a:p>
-            <a:fld id="{5BCAD085-E8A6-8845-BD4E-CB4CCA059FC4}" type="datetimeFigureOut">
+            <a:fld id="{E1FAA6B6-10E5-4810-BC9F-DA72D8452E73}" type="datetime1">
               <a:rPr lang="en-US" smtClean="0"/>
-              <a:t>11/1/2024</a:t>
+              <a:pPr/>
+              <a:t>11/13/2024</a:t>
             </a:fld>
             <a:endParaRPr lang="en-US"/>
           </a:p>
@@ -6102,11 +6636,11 @@
           <a:bodyPr/>
           <a:lstStyle/>
           <a:p>
-            <a:fld id="{C1FF6DA9-008F-8B48-92A6-B652298478BF}" type="slidenum">
-              <a:rPr lang="en-US" smtClean="0"/>
+            <a:fld id="{86CB4B4D-7CA3-9044-876B-883B54F8677D}" type="slidenum">
+              <a:rPr lang="en-IN" smtClean="0"/>
               <a:t>‹#›</a:t>
             </a:fld>
-            <a:endParaRPr lang="en-US"/>
+            <a:endParaRPr lang="en-IN"/>
           </a:p>
         </p:txBody>
       </p:sp>
@@ -6122,8 +6656,8 @@
         </p:nvSpPr>
         <p:spPr>
           <a:xfrm>
-            <a:off x="676655" y="2679192"/>
-            <a:ext cx="3822192" cy="3447288"/>
+            <a:off x="902207" y="2679192"/>
+            <a:ext cx="5096256" cy="3447288"/>
           </a:xfrm>
         </p:spPr>
         <p:txBody>
@@ -6179,8 +6713,8 @@
         </p:nvSpPr>
         <p:spPr>
           <a:xfrm>
-            <a:off x="4645152" y="2679192"/>
-            <a:ext cx="3822192" cy="3447288"/>
+            <a:off x="6193536" y="2679192"/>
+            <a:ext cx="5096256" cy="3447288"/>
           </a:xfrm>
         </p:spPr>
         <p:txBody>
@@ -6288,8 +6822,8 @@
         </p:nvSpPr>
         <p:spPr>
           <a:xfrm>
-            <a:off x="676656" y="2678114"/>
-            <a:ext cx="3822192" cy="639762"/>
+            <a:off x="902208" y="2678114"/>
+            <a:ext cx="5096256" cy="639762"/>
           </a:xfrm>
         </p:spPr>
         <p:txBody>
@@ -6358,8 +6892,8 @@
         </p:nvSpPr>
         <p:spPr>
           <a:xfrm>
-            <a:off x="677332" y="3429000"/>
-            <a:ext cx="3820055" cy="2697163"/>
+            <a:off x="903110" y="3429001"/>
+            <a:ext cx="5093407" cy="2697163"/>
           </a:xfrm>
         </p:spPr>
         <p:txBody>
@@ -6443,8 +6977,8 @@
         </p:nvSpPr>
         <p:spPr>
           <a:xfrm>
-            <a:off x="4648200" y="2678113"/>
-            <a:ext cx="3822192" cy="639762"/>
+            <a:off x="6197600" y="2678113"/>
+            <a:ext cx="5096256" cy="639762"/>
           </a:xfrm>
         </p:spPr>
         <p:txBody>
@@ -6513,8 +7047,8 @@
         </p:nvSpPr>
         <p:spPr>
           <a:xfrm>
-            <a:off x="4645025" y="3429000"/>
-            <a:ext cx="3822192" cy="2697163"/>
+            <a:off x="6193367" y="3429001"/>
+            <a:ext cx="5096256" cy="2697163"/>
           </a:xfrm>
         </p:spPr>
         <p:txBody>
@@ -6601,9 +7135,10 @@
           <a:bodyPr/>
           <a:lstStyle/>
           <a:p>
-            <a:fld id="{5BCAD085-E8A6-8845-BD4E-CB4CCA059FC4}" type="datetimeFigureOut">
+            <a:fld id="{6D18D072-EF12-4AA2-BD71-ABC68B06D0E2}" type="datetime1">
               <a:rPr lang="en-US" smtClean="0"/>
-              <a:t>11/1/2024</a:t>
+              <a:pPr/>
+              <a:t>11/13/2024</a:t>
             </a:fld>
             <a:endParaRPr lang="en-US"/>
           </a:p>
@@ -6643,11 +7178,11 @@
           <a:bodyPr/>
           <a:lstStyle/>
           <a:p>
-            <a:fld id="{C1FF6DA9-008F-8B48-92A6-B652298478BF}" type="slidenum">
-              <a:rPr lang="en-US" smtClean="0"/>
+            <a:fld id="{86CB4B4D-7CA3-9044-876B-883B54F8677D}" type="slidenum">
+              <a:rPr lang="en-IN" smtClean="0"/>
               <a:t>‹#›</a:t>
             </a:fld>
-            <a:endParaRPr lang="en-US"/>
+            <a:endParaRPr lang="en-IN"/>
           </a:p>
         </p:txBody>
       </p:sp>
@@ -6714,9 +7249,10 @@
           <a:bodyPr/>
           <a:lstStyle/>
           <a:p>
-            <a:fld id="{5BCAD085-E8A6-8845-BD4E-CB4CCA059FC4}" type="datetimeFigureOut">
+            <a:fld id="{B8CDBF60-6CC3-4B74-A60D-3486985E4346}" type="datetime1">
               <a:rPr lang="en-US" smtClean="0"/>
-              <a:t>11/1/2024</a:t>
+              <a:pPr/>
+              <a:t>11/13/2024</a:t>
             </a:fld>
             <a:endParaRPr lang="en-US"/>
           </a:p>
@@ -6756,11 +7292,11 @@
           <a:bodyPr/>
           <a:lstStyle/>
           <a:p>
-            <a:fld id="{C1FF6DA9-008F-8B48-92A6-B652298478BF}" type="slidenum">
-              <a:rPr lang="en-US" smtClean="0"/>
+            <a:fld id="{86CB4B4D-7CA3-9044-876B-883B54F8677D}" type="slidenum">
+              <a:rPr lang="en-IN" smtClean="0"/>
               <a:t>‹#›</a:t>
             </a:fld>
-            <a:endParaRPr lang="en-US"/>
+            <a:endParaRPr lang="en-IN"/>
           </a:p>
         </p:txBody>
       </p:sp>
@@ -6797,8 +7333,8 @@
         </p:nvSpPr>
         <p:spPr>
           <a:xfrm>
-            <a:off x="228600" y="228600"/>
-            <a:ext cx="8695944" cy="1426464"/>
+            <a:off x="304800" y="228600"/>
+            <a:ext cx="11594592" cy="1426464"/>
           </a:xfrm>
           <a:prstGeom prst="roundRect">
             <a:avLst>
@@ -6860,8 +7396,8 @@
         </p:nvGrpSpPr>
         <p:grpSpPr bwMode="hidden">
           <a:xfrm>
-            <a:off x="211665" y="714191"/>
-            <a:ext cx="8723376" cy="1329874"/>
+            <a:off x="282220" y="714191"/>
+            <a:ext cx="11631168" cy="1329874"/>
             <a:chOff x="-3905251" y="4294188"/>
             <a:chExt cx="13027839" cy="1892300"/>
           </a:xfrm>
@@ -8425,9 +8961,10 @@
           <a:bodyPr/>
           <a:lstStyle/>
           <a:p>
-            <a:fld id="{5BCAD085-E8A6-8845-BD4E-CB4CCA059FC4}" type="datetimeFigureOut">
+            <a:fld id="{22714818-984F-4759-BF72-A33BDC1963BD}" type="datetime1">
               <a:rPr lang="en-US" smtClean="0"/>
-              <a:t>11/1/2024</a:t>
+              <a:pPr/>
+              <a:t>11/13/2024</a:t>
             </a:fld>
             <a:endParaRPr lang="en-US"/>
           </a:p>
@@ -8467,11 +9004,11 @@
           <a:bodyPr/>
           <a:lstStyle/>
           <a:p>
-            <a:fld id="{C1FF6DA9-008F-8B48-92A6-B652298478BF}" type="slidenum">
-              <a:rPr lang="en-US" smtClean="0"/>
+            <a:fld id="{86CB4B4D-7CA3-9044-876B-883B54F8677D}" type="slidenum">
+              <a:rPr lang="en-IN" smtClean="0"/>
               <a:t>‹#›</a:t>
             </a:fld>
-            <a:endParaRPr lang="en-US"/>
+            <a:endParaRPr lang="en-IN"/>
           </a:p>
         </p:txBody>
       </p:sp>
@@ -8508,8 +9045,8 @@
         </p:nvSpPr>
         <p:spPr>
           <a:xfrm>
-            <a:off x="228600" y="228600"/>
-            <a:ext cx="8695944" cy="1426464"/>
+            <a:off x="304800" y="228600"/>
+            <a:ext cx="11594592" cy="1426464"/>
           </a:xfrm>
           <a:prstGeom prst="roundRect">
             <a:avLst>
@@ -8576,9 +9113,10 @@
           <a:bodyPr/>
           <a:lstStyle/>
           <a:p>
-            <a:fld id="{5BCAD085-E8A6-8845-BD4E-CB4CCA059FC4}" type="datetimeFigureOut">
+            <a:fld id="{9EA7E191-5F94-4FC1-B823-BD7CABF7FA06}" type="datetime1">
               <a:rPr lang="en-US" smtClean="0"/>
-              <a:t>11/1/2024</a:t>
+              <a:pPr/>
+              <a:t>11/13/2024</a:t>
             </a:fld>
             <a:endParaRPr lang="en-US"/>
           </a:p>
@@ -8618,11 +9156,11 @@
           <a:bodyPr/>
           <a:lstStyle/>
           <a:p>
-            <a:fld id="{C1FF6DA9-008F-8B48-92A6-B652298478BF}" type="slidenum">
-              <a:rPr lang="en-US" smtClean="0"/>
+            <a:fld id="{86CB4B4D-7CA3-9044-876B-883B54F8677D}" type="slidenum">
+              <a:rPr lang="en-IN" smtClean="0"/>
               <a:t>‹#›</a:t>
             </a:fld>
-            <a:endParaRPr lang="en-US"/>
+            <a:endParaRPr lang="en-IN"/>
           </a:p>
         </p:txBody>
       </p:sp>
@@ -8638,8 +9176,8 @@
         </p:nvSpPr>
         <p:spPr>
           <a:xfrm>
-            <a:off x="914400" y="3581400"/>
-            <a:ext cx="3352800" cy="1905001"/>
+            <a:off x="1219200" y="3581401"/>
+            <a:ext cx="4470400" cy="1905001"/>
           </a:xfrm>
         </p:spPr>
         <p:txBody>
@@ -8713,8 +9251,8 @@
         </p:nvGrpSpPr>
         <p:grpSpPr bwMode="hidden">
           <a:xfrm>
-            <a:off x="211665" y="714191"/>
-            <a:ext cx="8723376" cy="1331580"/>
+            <a:off x="282220" y="714191"/>
+            <a:ext cx="11631168" cy="1331580"/>
             <a:chOff x="-3905250" y="4294188"/>
             <a:chExt cx="13011150" cy="1892300"/>
           </a:xfrm>
@@ -10275,8 +10813,8 @@
         </p:nvSpPr>
         <p:spPr>
           <a:xfrm>
-            <a:off x="914400" y="2286000"/>
-            <a:ext cx="3352800" cy="1252728"/>
+            <a:off x="1219200" y="2286000"/>
+            <a:ext cx="4470400" cy="1252728"/>
           </a:xfrm>
         </p:spPr>
         <p:txBody>
@@ -10313,8 +10851,8 @@
         </p:nvSpPr>
         <p:spPr>
           <a:xfrm>
-            <a:off x="4651962" y="1828800"/>
-            <a:ext cx="3904076" cy="3810000"/>
+            <a:off x="6202616" y="1828800"/>
+            <a:ext cx="5205435" cy="3810000"/>
           </a:xfrm>
         </p:spPr>
         <p:txBody>
@@ -10454,8 +10992,8 @@
         </p:nvSpPr>
         <p:spPr>
           <a:xfrm>
-            <a:off x="228600" y="228600"/>
-            <a:ext cx="8695944" cy="6035040"/>
+            <a:off x="304800" y="228600"/>
+            <a:ext cx="11594592" cy="6035040"/>
           </a:xfrm>
           <a:prstGeom prst="roundRect">
             <a:avLst>
@@ -10517,8 +11055,8 @@
         </p:nvGrpSpPr>
         <p:grpSpPr bwMode="hidden">
           <a:xfrm>
-            <a:off x="211665" y="5353963"/>
-            <a:ext cx="8723376" cy="1331580"/>
+            <a:off x="282220" y="5353963"/>
+            <a:ext cx="11631168" cy="1331580"/>
             <a:chOff x="-3905250" y="4294188"/>
             <a:chExt cx="13011150" cy="1892300"/>
           </a:xfrm>
@@ -12079,8 +12617,8 @@
         </p:nvSpPr>
         <p:spPr>
           <a:xfrm>
-            <a:off x="4874155" y="338667"/>
-            <a:ext cx="3812645" cy="2429934"/>
+            <a:off x="6498874" y="338667"/>
+            <a:ext cx="5083527" cy="2429934"/>
           </a:xfrm>
         </p:spPr>
         <p:txBody>
@@ -12117,8 +12655,8 @@
         </p:nvSpPr>
         <p:spPr>
           <a:xfrm>
-            <a:off x="4868333" y="2785533"/>
-            <a:ext cx="3818467" cy="2421467"/>
+            <a:off x="6491112" y="2785533"/>
+            <a:ext cx="5091289" cy="2421467"/>
           </a:xfrm>
         </p:spPr>
         <p:txBody>
@@ -12191,9 +12729,10 @@
           <a:bodyPr/>
           <a:lstStyle/>
           <a:p>
-            <a:fld id="{5BCAD085-E8A6-8845-BD4E-CB4CCA059FC4}" type="datetimeFigureOut">
+            <a:fld id="{88856D55-EFBE-4F9B-8A5F-09D42CA22A9B}" type="datetime1">
               <a:rPr lang="en-US" smtClean="0"/>
-              <a:t>11/1/2024</a:t>
+              <a:pPr/>
+              <a:t>11/13/2024</a:t>
             </a:fld>
             <a:endParaRPr lang="en-US"/>
           </a:p>
@@ -12233,11 +12772,11 @@
           <a:bodyPr/>
           <a:lstStyle/>
           <a:p>
-            <a:fld id="{C1FF6DA9-008F-8B48-92A6-B652298478BF}" type="slidenum">
-              <a:rPr lang="en-US" smtClean="0"/>
+            <a:fld id="{86CB4B4D-7CA3-9044-876B-883B54F8677D}" type="slidenum">
+              <a:rPr lang="en-IN" smtClean="0"/>
               <a:t>‹#›</a:t>
             </a:fld>
-            <a:endParaRPr lang="en-US"/>
+            <a:endParaRPr lang="en-IN"/>
           </a:p>
         </p:txBody>
       </p:sp>
@@ -12253,8 +12792,8 @@
         </p:nvSpPr>
         <p:spPr>
           <a:xfrm>
-            <a:off x="838200" y="1371600"/>
-            <a:ext cx="3566160" cy="2926080"/>
+            <a:off x="1117600" y="1371600"/>
+            <a:ext cx="4754880" cy="2926080"/>
           </a:xfrm>
           <a:prstGeom prst="roundRect">
             <a:avLst>
@@ -12373,8 +12912,8 @@
         </p:nvSpPr>
         <p:spPr>
           <a:xfrm>
-            <a:off x="228600" y="228600"/>
-            <a:ext cx="8695944" cy="2468880"/>
+            <a:off x="304800" y="228600"/>
+            <a:ext cx="11594592" cy="2468880"/>
           </a:xfrm>
           <a:prstGeom prst="roundRect">
             <a:avLst>
@@ -12436,8 +12975,8 @@
         </p:nvGrpSpPr>
         <p:grpSpPr bwMode="hidden">
           <a:xfrm>
-            <a:off x="211665" y="1679429"/>
-            <a:ext cx="8723376" cy="1329874"/>
+            <a:off x="282220" y="1679429"/>
+            <a:ext cx="11631168" cy="1329874"/>
             <a:chOff x="-3905251" y="4294188"/>
             <a:chExt cx="13027839" cy="1892300"/>
           </a:xfrm>
@@ -13998,8 +14537,8 @@
         </p:nvSpPr>
         <p:spPr>
           <a:xfrm>
-            <a:off x="457200" y="338328"/>
-            <a:ext cx="8229600" cy="1252728"/>
+            <a:off x="609600" y="338328"/>
+            <a:ext cx="10972800" cy="1252728"/>
           </a:xfrm>
           <a:prstGeom prst="rect">
             <a:avLst/>
@@ -14031,8 +14570,8 @@
         </p:nvSpPr>
         <p:spPr>
           <a:xfrm>
-            <a:off x="5163672" y="6250164"/>
-            <a:ext cx="3786690" cy="365125"/>
+            <a:off x="6884896" y="6250165"/>
+            <a:ext cx="5048920" cy="365125"/>
           </a:xfrm>
           <a:prstGeom prst="rect">
             <a:avLst/>
@@ -14050,9 +14589,10 @@
             </a:lvl1pPr>
           </a:lstStyle>
           <a:p>
-            <a:fld id="{5BCAD085-E8A6-8845-BD4E-CB4CCA059FC4}" type="datetimeFigureOut">
+            <a:fld id="{9D1D110F-3F4E-48D9-B8AA-5D0E825AFDBA}" type="datetime1">
               <a:rPr lang="en-US" smtClean="0"/>
-              <a:t>11/1/2024</a:t>
+              <a:pPr/>
+              <a:t>11/13/2024</a:t>
             </a:fld>
             <a:endParaRPr lang="en-US"/>
           </a:p>
@@ -14070,8 +14610,8 @@
         </p:nvSpPr>
         <p:spPr>
           <a:xfrm>
-            <a:off x="193638" y="6250164"/>
-            <a:ext cx="3786691" cy="365125"/>
+            <a:off x="258185" y="6250165"/>
+            <a:ext cx="5048921" cy="365125"/>
           </a:xfrm>
           <a:prstGeom prst="rect">
             <a:avLst/>
@@ -14089,7 +14629,7 @@
             </a:lvl1pPr>
           </a:lstStyle>
           <a:p>
-            <a:endParaRPr lang="en-US"/>
+            <a:endParaRPr lang="en-US" dirty="0"/>
           </a:p>
         </p:txBody>
       </p:sp>
@@ -14105,8 +14645,8 @@
         </p:nvSpPr>
         <p:spPr>
           <a:xfrm>
-            <a:off x="3991088" y="6250163"/>
-            <a:ext cx="1161826" cy="365125"/>
+            <a:off x="5321451" y="6250164"/>
+            <a:ext cx="1549101" cy="365125"/>
           </a:xfrm>
           <a:prstGeom prst="rect">
             <a:avLst/>
@@ -14124,11 +14664,11 @@
             </a:lvl1pPr>
           </a:lstStyle>
           <a:p>
-            <a:fld id="{C1FF6DA9-008F-8B48-92A6-B652298478BF}" type="slidenum">
-              <a:rPr lang="en-US" smtClean="0"/>
+            <a:fld id="{86CB4B4D-7CA3-9044-876B-883B54F8677D}" type="slidenum">
+              <a:rPr lang="en-IN" smtClean="0"/>
               <a:t>‹#›</a:t>
             </a:fld>
-            <a:endParaRPr lang="en-US"/>
+            <a:endParaRPr lang="en-IN"/>
           </a:p>
         </p:txBody>
       </p:sp>
@@ -14144,8 +14684,8 @@
         </p:nvSpPr>
         <p:spPr>
           <a:xfrm>
-            <a:off x="872067" y="2675467"/>
-            <a:ext cx="7408333" cy="3450696"/>
+            <a:off x="1162757" y="2675467"/>
+            <a:ext cx="9877777" cy="3450696"/>
           </a:xfrm>
           <a:prstGeom prst="rect">
             <a:avLst/>
@@ -14198,17 +14738,18 @@
   </p:cSld>
   <p:clrMap bg1="lt1" tx1="dk1" bg2="lt2" tx2="dk2" accent1="accent1" accent2="accent2" accent3="accent3" accent4="accent4" accent5="accent5" accent6="accent6" hlink="hlink" folHlink="folHlink"/>
   <p:sldLayoutIdLst>
-    <p:sldLayoutId id="2147483661" r:id="rId1"/>
-    <p:sldLayoutId id="2147483662" r:id="rId2"/>
-    <p:sldLayoutId id="2147483663" r:id="rId3"/>
-    <p:sldLayoutId id="2147483664" r:id="rId4"/>
-    <p:sldLayoutId id="2147483665" r:id="rId5"/>
-    <p:sldLayoutId id="2147483666" r:id="rId6"/>
-    <p:sldLayoutId id="2147483667" r:id="rId7"/>
-    <p:sldLayoutId id="2147483668" r:id="rId8"/>
-    <p:sldLayoutId id="2147483669" r:id="rId9"/>
-    <p:sldLayoutId id="2147483670" r:id="rId10"/>
-    <p:sldLayoutId id="2147483671" r:id="rId11"/>
+    <p:sldLayoutId id="2147483654" r:id="rId1"/>
+    <p:sldLayoutId id="2147483655" r:id="rId2"/>
+    <p:sldLayoutId id="2147483656" r:id="rId3"/>
+    <p:sldLayoutId id="2147483657" r:id="rId4"/>
+    <p:sldLayoutId id="2147483658" r:id="rId5"/>
+    <p:sldLayoutId id="2147483659" r:id="rId6"/>
+    <p:sldLayoutId id="2147483660" r:id="rId7"/>
+    <p:sldLayoutId id="2147483661" r:id="rId8"/>
+    <p:sldLayoutId id="2147483662" r:id="rId9"/>
+    <p:sldLayoutId id="2147483663" r:id="rId10"/>
+    <p:sldLayoutId id="2147483664" r:id="rId11"/>
+    <p:sldLayoutId id="2147483665" r:id="rId12"/>
   </p:sldLayoutIdLst>
   <p:txStyles>
     <p:titleStyle>
@@ -14570,26 +15111,29 @@
       </p:grpSpPr>
       <p:sp>
         <p:nvSpPr>
-          <p:cNvPr id="2" name="Title 1"/>
-          <p:cNvSpPr>
+          <p:cNvPr id="47" name="Team name, Project title, name of Mentor"/>
+          <p:cNvSpPr txBox="1">
             <a:spLocks noGrp="1"/>
           </p:cNvSpPr>
           <p:nvPr>
-            <p:ph type="ctrTitle"/>
+            <p:ph type="title"/>
           </p:nvPr>
         </p:nvSpPr>
-        <p:spPr/>
+        <p:spPr>
+          <a:xfrm>
+            <a:off x="1991544" y="365125"/>
+            <a:ext cx="8928992" cy="1325564"/>
+          </a:xfrm>
+          <a:prstGeom prst="rect">
+            <a:avLst/>
+          </a:prstGeom>
+        </p:spPr>
         <p:txBody>
-          <a:bodyPr/>
+          <a:bodyPr>
+            <a:normAutofit fontScale="90000"/>
+          </a:bodyPr>
           <a:lstStyle/>
           <a:p>
-            <a:r>
-              <a:rPr b="1" dirty="0">
-                <a:latin typeface="Times New Roman" pitchFamily="18" charset="0"/>
-                <a:cs typeface="Times New Roman" pitchFamily="18" charset="0"/>
-              </a:rPr>
-              <a:t>Pros and Cons of </a:t>
-            </a:r>
             <a:r>
               <a:rPr lang="en-US" b="1" dirty="0">
                 <a:latin typeface="Times New Roman" pitchFamily="18" charset="0"/>
@@ -14597,43 +15141,40 @@
               </a:rPr>
               <a:t>Development of Rental Property Web Portal</a:t>
             </a:r>
-            <a:endParaRPr b="1" dirty="0">
-              <a:latin typeface="Times New Roman" pitchFamily="18" charset="0"/>
-              <a:cs typeface="Times New Roman" pitchFamily="18" charset="0"/>
-            </a:endParaRPr>
+            <a:endParaRPr dirty="0"/>
           </a:p>
         </p:txBody>
       </p:sp>
       <p:sp>
         <p:nvSpPr>
-          <p:cNvPr id="3" name="Subtitle 2"/>
-          <p:cNvSpPr>
-            <a:spLocks noGrp="1"/>
-          </p:cNvSpPr>
-          <p:nvPr>
-            <p:ph type="subTitle" idx="1"/>
-          </p:nvPr>
+          <p:cNvPr id="2" name="Rectangle 1"/>
+          <p:cNvSpPr/>
+          <p:nvPr/>
         </p:nvSpPr>
-        <p:spPr/>
+        <p:spPr>
+          <a:xfrm>
+            <a:off x="3048000" y="3105835"/>
+            <a:ext cx="6096000" cy="646331"/>
+          </a:xfrm>
+          <a:prstGeom prst="rect">
+            <a:avLst/>
+          </a:prstGeom>
+        </p:spPr>
         <p:txBody>
-          <a:bodyPr/>
+          <a:bodyPr>
+            <a:spAutoFit/>
+          </a:bodyPr>
           <a:lstStyle/>
           <a:p>
-            <a:endParaRPr lang="en-US" b="1" dirty="0" smtClean="0">
-              <a:latin typeface="Times New Roman" pitchFamily="18" charset="0"/>
-              <a:cs typeface="Times New Roman" pitchFamily="18" charset="0"/>
-            </a:endParaRPr>
-          </a:p>
-          <a:p>
             <a:r>
-              <a:rPr lang="en-US" b="1" dirty="0" err="1" smtClean="0">
+              <a:rPr lang="en-US" b="1" dirty="0" err="1">
                 <a:latin typeface="Times New Roman" pitchFamily="18" charset="0"/>
                 <a:cs typeface="Times New Roman" pitchFamily="18" charset="0"/>
               </a:rPr>
               <a:t>Ghufran</a:t>
             </a:r>
             <a:r>
-              <a:rPr lang="en-US" b="1" dirty="0" smtClean="0">
+              <a:rPr lang="en-US" b="1" dirty="0">
                 <a:latin typeface="Times New Roman" pitchFamily="18" charset="0"/>
                 <a:cs typeface="Times New Roman" pitchFamily="18" charset="0"/>
               </a:rPr>
@@ -14642,13 +15183,13 @@
           </a:p>
           <a:p>
             <a:r>
-              <a:rPr lang="en-US" b="1" dirty="0" smtClean="0">
+              <a:rPr lang="en-US" b="1" dirty="0">
                 <a:latin typeface="Times New Roman" pitchFamily="18" charset="0"/>
                 <a:cs typeface="Times New Roman" pitchFamily="18" charset="0"/>
               </a:rPr>
               <a:t>Sr. Technical Educator</a:t>
             </a:r>
-            <a:endParaRPr b="1" dirty="0">
+            <a:endParaRPr lang="en-US" b="1" dirty="0">
               <a:latin typeface="Times New Roman" pitchFamily="18" charset="0"/>
               <a:cs typeface="Times New Roman" pitchFamily="18" charset="0"/>
             </a:endParaRPr>
@@ -14660,6 +15201,14 @@
   <p:clrMapOvr>
     <a:masterClrMapping/>
   </p:clrMapOvr>
+  <mc:AlternateContent xmlns:mc="http://schemas.openxmlformats.org/markup-compatibility/2006">
+    <mc:Choice xmlns:p14="http://schemas.microsoft.com/office/powerpoint/2010/main" Requires="p14">
+      <p:transition spd="slow" p14:dur="2000"/>
+    </mc:Choice>
+    <mc:Fallback>
+      <p:transition spd="slow"/>
+    </mc:Fallback>
+  </mc:AlternateContent>
 </p:sld>
 </file>
 
@@ -14682,149 +15231,35 @@
       </p:grpSpPr>
       <p:sp>
         <p:nvSpPr>
-          <p:cNvPr id="3" name="TextBox 2"/>
-          <p:cNvSpPr txBox="1"/>
-          <p:nvPr/>
+          <p:cNvPr id="49" name="Pros and cons"/>
+          <p:cNvSpPr txBox="1">
+            <a:spLocks noGrp="1"/>
+          </p:cNvSpPr>
+          <p:nvPr>
+            <p:ph type="title"/>
+          </p:nvPr>
         </p:nvSpPr>
         <p:spPr>
           <a:xfrm>
-            <a:off x="914400" y="914400"/>
-            <a:ext cx="7090339" cy="861774"/>
+            <a:off x="5012610" y="1930377"/>
+            <a:ext cx="4611781" cy="1325565"/>
           </a:xfrm>
           <a:prstGeom prst="rect">
             <a:avLst/>
           </a:prstGeom>
-          <a:noFill/>
         </p:spPr>
         <p:txBody>
-          <a:bodyPr wrap="none">
-            <a:spAutoFit/>
-          </a:bodyPr>
+          <a:bodyPr/>
           <a:lstStyle/>
           <a:p>
-            <a:endParaRPr dirty="0">
-              <a:latin typeface="Times New Roman" pitchFamily="18" charset="0"/>
-              <a:cs typeface="Times New Roman" pitchFamily="18" charset="0"/>
-            </a:endParaRPr>
-          </a:p>
-          <a:p>
-            <a:pPr algn="l">
-              <a:defRPr sz="3200" b="1">
-                <a:latin typeface="Times New Roman"/>
-              </a:defRPr>
-            </a:pPr>
             <a:r>
-              <a:rPr dirty="0">
-                <a:latin typeface="Times New Roman" pitchFamily="18" charset="0"/>
-                <a:cs typeface="Times New Roman" pitchFamily="18" charset="0"/>
+              <a:rPr b="1" dirty="0">
+                <a:latin typeface="Tahoma" pitchFamily="34" charset="0"/>
+                <a:ea typeface="Tahoma" pitchFamily="34" charset="0"/>
+                <a:cs typeface="Tahoma" pitchFamily="34" charset="0"/>
               </a:rPr>
-              <a:t>Pros of the Rental Property Web Portal</a:t>
+              <a:t>Pros and cons</a:t>
             </a:r>
-          </a:p>
-        </p:txBody>
-      </p:sp>
-      <p:sp>
-        <p:nvSpPr>
-          <p:cNvPr id="4" name="TextBox 3"/>
-          <p:cNvSpPr txBox="1"/>
-          <p:nvPr/>
-        </p:nvSpPr>
-        <p:spPr>
-          <a:xfrm>
-            <a:off x="914400" y="1828800"/>
-            <a:ext cx="7315200" cy="3754874"/>
-          </a:xfrm>
-          <a:prstGeom prst="rect">
-            <a:avLst/>
-          </a:prstGeom>
-          <a:noFill/>
-        </p:spPr>
-        <p:txBody>
-          <a:bodyPr wrap="square">
-            <a:spAutoFit/>
-          </a:bodyPr>
-          <a:lstStyle/>
-          <a:p>
-            <a:endParaRPr dirty="0">
-              <a:latin typeface="Times New Roman" pitchFamily="18" charset="0"/>
-              <a:cs typeface="Times New Roman" pitchFamily="18" charset="0"/>
-            </a:endParaRPr>
-          </a:p>
-          <a:p>
-            <a:pPr algn="l">
-              <a:defRPr sz="2000">
-                <a:latin typeface="Times New Roman"/>
-              </a:defRPr>
-            </a:pPr>
-            <a:r>
-              <a:rPr dirty="0">
-                <a:latin typeface="Times New Roman" pitchFamily="18" charset="0"/>
-                <a:cs typeface="Times New Roman" pitchFamily="18" charset="0"/>
-              </a:rPr>
-              <a:t>1. Centralized Platform: Provides a one-stop platform for property seekers and owners.</a:t>
-            </a:r>
-            <a:br>
-              <a:rPr dirty="0">
-                <a:latin typeface="Times New Roman" pitchFamily="18" charset="0"/>
-                <a:cs typeface="Times New Roman" pitchFamily="18" charset="0"/>
-              </a:rPr>
-            </a:br>
-            <a:r>
-              <a:rPr dirty="0">
-                <a:latin typeface="Times New Roman" pitchFamily="18" charset="0"/>
-                <a:cs typeface="Times New Roman" pitchFamily="18" charset="0"/>
-              </a:rPr>
-              <a:t>2. Efficient Search: Simplifies finding rental properties by offering filters and search options.</a:t>
-            </a:r>
-            <a:br>
-              <a:rPr dirty="0">
-                <a:latin typeface="Times New Roman" pitchFamily="18" charset="0"/>
-                <a:cs typeface="Times New Roman" pitchFamily="18" charset="0"/>
-              </a:rPr>
-            </a:br>
-            <a:r>
-              <a:rPr dirty="0">
-                <a:latin typeface="Times New Roman" pitchFamily="18" charset="0"/>
-                <a:cs typeface="Times New Roman" pitchFamily="18" charset="0"/>
-              </a:rPr>
-              <a:t>3. Digital Convenience: Allows users to access rental listings and communicate digitally.</a:t>
-            </a:r>
-            <a:br>
-              <a:rPr dirty="0">
-                <a:latin typeface="Times New Roman" pitchFamily="18" charset="0"/>
-                <a:cs typeface="Times New Roman" pitchFamily="18" charset="0"/>
-              </a:rPr>
-            </a:br>
-            <a:r>
-              <a:rPr dirty="0">
-                <a:latin typeface="Times New Roman" pitchFamily="18" charset="0"/>
-                <a:cs typeface="Times New Roman" pitchFamily="18" charset="0"/>
-              </a:rPr>
-              <a:t>4. Revenue Potential: Opportunity for revenue through subscriptions, ads, or premium listings.</a:t>
-            </a:r>
-            <a:br>
-              <a:rPr dirty="0">
-                <a:latin typeface="Times New Roman" pitchFamily="18" charset="0"/>
-                <a:cs typeface="Times New Roman" pitchFamily="18" charset="0"/>
-              </a:rPr>
-            </a:br>
-            <a:r>
-              <a:rPr dirty="0">
-                <a:latin typeface="Times New Roman" pitchFamily="18" charset="0"/>
-                <a:cs typeface="Times New Roman" pitchFamily="18" charset="0"/>
-              </a:rPr>
-              <a:t>5. Improved Market Insights: Collects data on user behavior, preferences, and market trends.</a:t>
-            </a:r>
-            <a:br>
-              <a:rPr dirty="0">
-                <a:latin typeface="Times New Roman" pitchFamily="18" charset="0"/>
-                <a:cs typeface="Times New Roman" pitchFamily="18" charset="0"/>
-              </a:rPr>
-            </a:br>
-            <a:endParaRPr dirty="0">
-              <a:latin typeface="Times New Roman" pitchFamily="18" charset="0"/>
-              <a:cs typeface="Times New Roman" pitchFamily="18" charset="0"/>
-            </a:endParaRPr>
           </a:p>
         </p:txBody>
       </p:sp>
@@ -14833,6 +15268,14 @@
   <p:clrMapOvr>
     <a:masterClrMapping/>
   </p:clrMapOvr>
+  <mc:AlternateContent xmlns:mc="http://schemas.openxmlformats.org/markup-compatibility/2006">
+    <mc:Choice xmlns:p14="http://schemas.microsoft.com/office/powerpoint/2010/main" Requires="p14">
+      <p:transition spd="slow" p14:dur="2000"/>
+    </mc:Choice>
+    <mc:Fallback>
+      <p:transition spd="slow"/>
+    </mc:Fallback>
+  </mc:AlternateContent>
 </p:sld>
 </file>
 
@@ -14855,157 +15298,2914 @@
       </p:grpSpPr>
       <p:sp>
         <p:nvSpPr>
-          <p:cNvPr id="3" name="TextBox 2"/>
-          <p:cNvSpPr txBox="1"/>
-          <p:nvPr/>
+          <p:cNvPr id="51" name="Title 1"/>
+          <p:cNvSpPr txBox="1">
+            <a:spLocks noGrp="1"/>
+          </p:cNvSpPr>
+          <p:nvPr>
+            <p:ph type="title"/>
+          </p:nvPr>
         </p:nvSpPr>
         <p:spPr>
           <a:xfrm>
-            <a:off x="914400" y="914400"/>
-            <a:ext cx="7189148" cy="861774"/>
+            <a:off x="152769" y="158742"/>
+            <a:ext cx="11886463" cy="439203"/>
           </a:xfrm>
           <a:prstGeom prst="rect">
             <a:avLst/>
           </a:prstGeom>
-          <a:noFill/>
         </p:spPr>
         <p:txBody>
-          <a:bodyPr wrap="none">
-            <a:spAutoFit/>
+          <a:bodyPr>
+            <a:normAutofit fontScale="90000"/>
           </a:bodyPr>
           <a:lstStyle/>
           <a:p>
-            <a:endParaRPr dirty="0">
-              <a:latin typeface="Times New Roman" pitchFamily="18" charset="0"/>
-              <a:cs typeface="Times New Roman" pitchFamily="18" charset="0"/>
-            </a:endParaRPr>
-          </a:p>
-          <a:p>
-            <a:pPr algn="l">
-              <a:defRPr sz="3200" b="1">
-                <a:latin typeface="Times New Roman"/>
-              </a:defRPr>
-            </a:pPr>
             <a:r>
-              <a:rPr dirty="0">
-                <a:latin typeface="Times New Roman" pitchFamily="18" charset="0"/>
-                <a:cs typeface="Times New Roman" pitchFamily="18" charset="0"/>
-              </a:rPr>
-              <a:t>Cons of the Rental Property Web Portal</a:t>
+              <a:rPr dirty="0"/>
+              <a:t>PROS AND CONS</a:t>
             </a:r>
           </a:p>
         </p:txBody>
       </p:sp>
-      <p:sp>
-        <p:nvSpPr>
-          <p:cNvPr id="4" name="TextBox 3"/>
-          <p:cNvSpPr txBox="1"/>
+      <p:grpSp>
+        <p:nvGrpSpPr>
+          <p:cNvPr id="92" name="Group 14"/>
+          <p:cNvGrpSpPr/>
           <p:nvPr/>
-        </p:nvSpPr>
-        <p:spPr>
+        </p:nvGrpSpPr>
+        <p:grpSpPr>
           <a:xfrm>
-            <a:off x="914400" y="1828800"/>
-            <a:ext cx="7148945" cy="3754874"/>
+            <a:off x="1055440" y="1218604"/>
+            <a:ext cx="10153128" cy="4843026"/>
+            <a:chOff x="-97445" y="-1"/>
+            <a:chExt cx="10153127" cy="4843024"/>
           </a:xfrm>
-          <a:prstGeom prst="rect">
-            <a:avLst/>
-          </a:prstGeom>
-          <a:noFill/>
-        </p:spPr>
-        <p:txBody>
-          <a:bodyPr wrap="square">
-            <a:spAutoFit/>
-          </a:bodyPr>
-          <a:lstStyle/>
-          <a:p>
-            <a:endParaRPr dirty="0">
-              <a:latin typeface="Times New Roman" pitchFamily="18" charset="0"/>
-              <a:cs typeface="Times New Roman" pitchFamily="18" charset="0"/>
-            </a:endParaRPr>
-          </a:p>
-          <a:p>
-            <a:pPr algn="l">
-              <a:defRPr sz="2000">
-                <a:latin typeface="Times New Roman"/>
-              </a:defRPr>
-            </a:pPr>
-            <a:r>
-              <a:rPr dirty="0">
-                <a:latin typeface="Times New Roman" pitchFamily="18" charset="0"/>
-                <a:cs typeface="Times New Roman" pitchFamily="18" charset="0"/>
-              </a:rPr>
-              <a:t>1. Data Security Risks: Managing personal data can expose risks of breaches.</a:t>
-            </a:r>
-            <a:br>
-              <a:rPr dirty="0">
-                <a:latin typeface="Times New Roman" pitchFamily="18" charset="0"/>
-                <a:cs typeface="Times New Roman" pitchFamily="18" charset="0"/>
-              </a:rPr>
-            </a:br>
-            <a:r>
-              <a:rPr dirty="0">
-                <a:latin typeface="Times New Roman" pitchFamily="18" charset="0"/>
-                <a:cs typeface="Times New Roman" pitchFamily="18" charset="0"/>
-              </a:rPr>
-              <a:t>2. High Competition: Market has many established platforms, making differentiation difficult.</a:t>
-            </a:r>
-            <a:br>
-              <a:rPr dirty="0">
-                <a:latin typeface="Times New Roman" pitchFamily="18" charset="0"/>
-                <a:cs typeface="Times New Roman" pitchFamily="18" charset="0"/>
-              </a:rPr>
-            </a:br>
-            <a:r>
-              <a:rPr dirty="0">
-                <a:latin typeface="Times New Roman" pitchFamily="18" charset="0"/>
-                <a:cs typeface="Times New Roman" pitchFamily="18" charset="0"/>
-              </a:rPr>
-              <a:t>3. Ongoing Maintenance: Requires regular updates, security patches, and customer support.</a:t>
-            </a:r>
-            <a:br>
-              <a:rPr dirty="0">
-                <a:latin typeface="Times New Roman" pitchFamily="18" charset="0"/>
-                <a:cs typeface="Times New Roman" pitchFamily="18" charset="0"/>
-              </a:rPr>
-            </a:br>
-            <a:r>
-              <a:rPr dirty="0">
-                <a:latin typeface="Times New Roman" pitchFamily="18" charset="0"/>
-                <a:cs typeface="Times New Roman" pitchFamily="18" charset="0"/>
-              </a:rPr>
-              <a:t>4. User Acquisition Costs: Marketing expenses can be high to build a user base.</a:t>
-            </a:r>
-            <a:br>
-              <a:rPr dirty="0">
-                <a:latin typeface="Times New Roman" pitchFamily="18" charset="0"/>
-                <a:cs typeface="Times New Roman" pitchFamily="18" charset="0"/>
-              </a:rPr>
-            </a:br>
-            <a:r>
-              <a:rPr dirty="0">
-                <a:latin typeface="Times New Roman" pitchFamily="18" charset="0"/>
-                <a:cs typeface="Times New Roman" pitchFamily="18" charset="0"/>
-              </a:rPr>
-              <a:t>5. Technical Challenges: Integration with third-party services (e.g., maps, payments) adds complexity.</a:t>
-            </a:r>
-            <a:br>
-              <a:rPr dirty="0">
-                <a:latin typeface="Times New Roman" pitchFamily="18" charset="0"/>
-                <a:cs typeface="Times New Roman" pitchFamily="18" charset="0"/>
-              </a:rPr>
-            </a:br>
-            <a:endParaRPr dirty="0">
-              <a:latin typeface="Times New Roman" pitchFamily="18" charset="0"/>
-              <a:cs typeface="Times New Roman" pitchFamily="18" charset="0"/>
-            </a:endParaRPr>
-          </a:p>
-        </p:txBody>
-      </p:sp>
+        </p:grpSpPr>
+        <p:sp>
+          <p:nvSpPr>
+            <p:cNvPr id="53" name="Rectangle: Single Corner Snipped 28"/>
+            <p:cNvSpPr/>
+            <p:nvPr/>
+          </p:nvSpPr>
+          <p:spPr>
+            <a:xfrm>
+              <a:off x="6526335" y="-1"/>
+              <a:ext cx="3367115" cy="1105199"/>
+            </a:xfrm>
+            <a:custGeom>
+              <a:avLst/>
+              <a:gdLst/>
+              <a:ahLst/>
+              <a:cxnLst>
+                <a:cxn ang="0">
+                  <a:pos x="wd2" y="hd2"/>
+                </a:cxn>
+                <a:cxn ang="5400000">
+                  <a:pos x="wd2" y="hd2"/>
+                </a:cxn>
+                <a:cxn ang="10800000">
+                  <a:pos x="wd2" y="hd2"/>
+                </a:cxn>
+                <a:cxn ang="16200000">
+                  <a:pos x="wd2" y="hd2"/>
+                </a:cxn>
+              </a:cxnLst>
+              <a:rect l="0" t="0" r="r" b="b"/>
+              <a:pathLst>
+                <a:path w="21600" h="21600" extrusionOk="0">
+                  <a:moveTo>
+                    <a:pt x="0" y="0"/>
+                  </a:moveTo>
+                  <a:lnTo>
+                    <a:pt x="20418" y="0"/>
+                  </a:lnTo>
+                  <a:lnTo>
+                    <a:pt x="21600" y="3600"/>
+                  </a:lnTo>
+                  <a:lnTo>
+                    <a:pt x="21600" y="21600"/>
+                  </a:lnTo>
+                  <a:lnTo>
+                    <a:pt x="0" y="21600"/>
+                  </a:lnTo>
+                  <a:close/>
+                </a:path>
+              </a:pathLst>
+            </a:custGeom>
+            <a:solidFill>
+              <a:schemeClr val="accent4"/>
+            </a:solidFill>
+            <a:ln w="12700" cap="flat">
+              <a:noFill/>
+              <a:miter lim="400000"/>
+            </a:ln>
+            <a:effectLst/>
+          </p:spPr>
+          <p:txBody>
+            <a:bodyPr wrap="square" lIns="45718" tIns="45718" rIns="45718" bIns="45718" numCol="1" anchor="ctr">
+              <a:noAutofit/>
+            </a:bodyPr>
+            <a:lstStyle/>
+            <a:p>
+              <a:pPr>
+                <a:defRPr>
+                  <a:latin typeface="+mn-lt"/>
+                  <a:ea typeface="+mn-ea"/>
+                  <a:cs typeface="+mn-cs"/>
+                  <a:sym typeface="Calibri"/>
+                </a:defRPr>
+              </a:pPr>
+              <a:endParaRPr/>
+            </a:p>
+          </p:txBody>
+        </p:sp>
+        <p:sp>
+          <p:nvSpPr>
+            <p:cNvPr id="54" name="Rectangle: Single Corner Snipped 29"/>
+            <p:cNvSpPr/>
+            <p:nvPr/>
+          </p:nvSpPr>
+          <p:spPr>
+            <a:xfrm>
+              <a:off x="6526335" y="1105196"/>
+              <a:ext cx="3367115" cy="1105198"/>
+            </a:xfrm>
+            <a:custGeom>
+              <a:avLst/>
+              <a:gdLst/>
+              <a:ahLst/>
+              <a:cxnLst>
+                <a:cxn ang="0">
+                  <a:pos x="wd2" y="hd2"/>
+                </a:cxn>
+                <a:cxn ang="5400000">
+                  <a:pos x="wd2" y="hd2"/>
+                </a:cxn>
+                <a:cxn ang="10800000">
+                  <a:pos x="wd2" y="hd2"/>
+                </a:cxn>
+                <a:cxn ang="16200000">
+                  <a:pos x="wd2" y="hd2"/>
+                </a:cxn>
+              </a:cxnLst>
+              <a:rect l="0" t="0" r="r" b="b"/>
+              <a:pathLst>
+                <a:path w="21600" h="21600" extrusionOk="0">
+                  <a:moveTo>
+                    <a:pt x="0" y="0"/>
+                  </a:moveTo>
+                  <a:lnTo>
+                    <a:pt x="20418" y="0"/>
+                  </a:lnTo>
+                  <a:lnTo>
+                    <a:pt x="21600" y="3600"/>
+                  </a:lnTo>
+                  <a:lnTo>
+                    <a:pt x="21600" y="21600"/>
+                  </a:lnTo>
+                  <a:lnTo>
+                    <a:pt x="0" y="21600"/>
+                  </a:lnTo>
+                  <a:close/>
+                </a:path>
+              </a:pathLst>
+            </a:custGeom>
+            <a:solidFill>
+              <a:schemeClr val="accent3"/>
+            </a:solidFill>
+            <a:ln w="12700" cap="flat">
+              <a:noFill/>
+              <a:miter lim="400000"/>
+            </a:ln>
+            <a:effectLst/>
+          </p:spPr>
+          <p:txBody>
+            <a:bodyPr wrap="square" lIns="45718" tIns="45718" rIns="45718" bIns="45718" numCol="1" anchor="ctr">
+              <a:noAutofit/>
+            </a:bodyPr>
+            <a:lstStyle/>
+            <a:p>
+              <a:pPr>
+                <a:defRPr>
+                  <a:latin typeface="+mn-lt"/>
+                  <a:ea typeface="+mn-ea"/>
+                  <a:cs typeface="+mn-cs"/>
+                  <a:sym typeface="Calibri"/>
+                </a:defRPr>
+              </a:pPr>
+              <a:endParaRPr/>
+            </a:p>
+          </p:txBody>
+        </p:sp>
+        <p:sp>
+          <p:nvSpPr>
+            <p:cNvPr id="55" name="Rectangle: Single Corner Snipped 30"/>
+            <p:cNvSpPr/>
+            <p:nvPr/>
+          </p:nvSpPr>
+          <p:spPr>
+            <a:xfrm>
+              <a:off x="6526335" y="2210393"/>
+              <a:ext cx="3367115" cy="1105199"/>
+            </a:xfrm>
+            <a:custGeom>
+              <a:avLst/>
+              <a:gdLst/>
+              <a:ahLst/>
+              <a:cxnLst>
+                <a:cxn ang="0">
+                  <a:pos x="wd2" y="hd2"/>
+                </a:cxn>
+                <a:cxn ang="5400000">
+                  <a:pos x="wd2" y="hd2"/>
+                </a:cxn>
+                <a:cxn ang="10800000">
+                  <a:pos x="wd2" y="hd2"/>
+                </a:cxn>
+                <a:cxn ang="16200000">
+                  <a:pos x="wd2" y="hd2"/>
+                </a:cxn>
+              </a:cxnLst>
+              <a:rect l="0" t="0" r="r" b="b"/>
+              <a:pathLst>
+                <a:path w="21600" h="21600" extrusionOk="0">
+                  <a:moveTo>
+                    <a:pt x="0" y="0"/>
+                  </a:moveTo>
+                  <a:lnTo>
+                    <a:pt x="20418" y="0"/>
+                  </a:lnTo>
+                  <a:lnTo>
+                    <a:pt x="21600" y="3600"/>
+                  </a:lnTo>
+                  <a:lnTo>
+                    <a:pt x="21600" y="21600"/>
+                  </a:lnTo>
+                  <a:lnTo>
+                    <a:pt x="0" y="21600"/>
+                  </a:lnTo>
+                  <a:close/>
+                </a:path>
+              </a:pathLst>
+            </a:custGeom>
+            <a:solidFill>
+              <a:schemeClr val="accent2"/>
+            </a:solidFill>
+            <a:ln w="12700" cap="flat">
+              <a:noFill/>
+              <a:miter lim="400000"/>
+            </a:ln>
+            <a:effectLst/>
+          </p:spPr>
+          <p:txBody>
+            <a:bodyPr wrap="square" lIns="45718" tIns="45718" rIns="45718" bIns="45718" numCol="1" anchor="ctr">
+              <a:noAutofit/>
+            </a:bodyPr>
+            <a:lstStyle/>
+            <a:p>
+              <a:pPr>
+                <a:defRPr>
+                  <a:latin typeface="+mn-lt"/>
+                  <a:ea typeface="+mn-ea"/>
+                  <a:cs typeface="+mn-cs"/>
+                  <a:sym typeface="Calibri"/>
+                </a:defRPr>
+              </a:pPr>
+              <a:endParaRPr/>
+            </a:p>
+          </p:txBody>
+        </p:sp>
+        <p:sp>
+          <p:nvSpPr>
+            <p:cNvPr id="56" name="Rectangle: Single Corner Snipped 31"/>
+            <p:cNvSpPr/>
+            <p:nvPr/>
+          </p:nvSpPr>
+          <p:spPr>
+            <a:xfrm>
+              <a:off x="6526335" y="3315591"/>
+              <a:ext cx="3367115" cy="1105198"/>
+            </a:xfrm>
+            <a:custGeom>
+              <a:avLst/>
+              <a:gdLst/>
+              <a:ahLst/>
+              <a:cxnLst>
+                <a:cxn ang="0">
+                  <a:pos x="wd2" y="hd2"/>
+                </a:cxn>
+                <a:cxn ang="5400000">
+                  <a:pos x="wd2" y="hd2"/>
+                </a:cxn>
+                <a:cxn ang="10800000">
+                  <a:pos x="wd2" y="hd2"/>
+                </a:cxn>
+                <a:cxn ang="16200000">
+                  <a:pos x="wd2" y="hd2"/>
+                </a:cxn>
+              </a:cxnLst>
+              <a:rect l="0" t="0" r="r" b="b"/>
+              <a:pathLst>
+                <a:path w="21600" h="21600" extrusionOk="0">
+                  <a:moveTo>
+                    <a:pt x="0" y="0"/>
+                  </a:moveTo>
+                  <a:lnTo>
+                    <a:pt x="20418" y="0"/>
+                  </a:lnTo>
+                  <a:lnTo>
+                    <a:pt x="21600" y="3600"/>
+                  </a:lnTo>
+                  <a:lnTo>
+                    <a:pt x="21600" y="21600"/>
+                  </a:lnTo>
+                  <a:lnTo>
+                    <a:pt x="0" y="21600"/>
+                  </a:lnTo>
+                  <a:close/>
+                </a:path>
+              </a:pathLst>
+            </a:custGeom>
+            <a:solidFill>
+              <a:schemeClr val="accent1"/>
+            </a:solidFill>
+            <a:ln w="12700" cap="flat">
+              <a:noFill/>
+              <a:miter lim="400000"/>
+            </a:ln>
+            <a:effectLst/>
+          </p:spPr>
+          <p:txBody>
+            <a:bodyPr wrap="square" lIns="45718" tIns="45718" rIns="45718" bIns="45718" numCol="1" anchor="ctr">
+              <a:noAutofit/>
+            </a:bodyPr>
+            <a:lstStyle/>
+            <a:p>
+              <a:pPr>
+                <a:defRPr>
+                  <a:latin typeface="+mn-lt"/>
+                  <a:ea typeface="+mn-ea"/>
+                  <a:cs typeface="+mn-cs"/>
+                  <a:sym typeface="Calibri"/>
+                </a:defRPr>
+              </a:pPr>
+              <a:endParaRPr/>
+            </a:p>
+          </p:txBody>
+        </p:sp>
+        <p:sp>
+          <p:nvSpPr>
+            <p:cNvPr id="57" name="Rectangle: Single Corner Snipped 32"/>
+            <p:cNvSpPr/>
+            <p:nvPr/>
+          </p:nvSpPr>
+          <p:spPr>
+            <a:xfrm flipH="1">
+              <a:off x="0" y="-1"/>
+              <a:ext cx="3366306" cy="1105199"/>
+            </a:xfrm>
+            <a:custGeom>
+              <a:avLst/>
+              <a:gdLst/>
+              <a:ahLst/>
+              <a:cxnLst>
+                <a:cxn ang="0">
+                  <a:pos x="wd2" y="hd2"/>
+                </a:cxn>
+                <a:cxn ang="5400000">
+                  <a:pos x="wd2" y="hd2"/>
+                </a:cxn>
+                <a:cxn ang="10800000">
+                  <a:pos x="wd2" y="hd2"/>
+                </a:cxn>
+                <a:cxn ang="16200000">
+                  <a:pos x="wd2" y="hd2"/>
+                </a:cxn>
+              </a:cxnLst>
+              <a:rect l="0" t="0" r="r" b="b"/>
+              <a:pathLst>
+                <a:path w="21600" h="21600" extrusionOk="0">
+                  <a:moveTo>
+                    <a:pt x="0" y="0"/>
+                  </a:moveTo>
+                  <a:lnTo>
+                    <a:pt x="20418" y="0"/>
+                  </a:lnTo>
+                  <a:lnTo>
+                    <a:pt x="21600" y="3600"/>
+                  </a:lnTo>
+                  <a:lnTo>
+                    <a:pt x="21600" y="21600"/>
+                  </a:lnTo>
+                  <a:lnTo>
+                    <a:pt x="0" y="21600"/>
+                  </a:lnTo>
+                  <a:close/>
+                </a:path>
+              </a:pathLst>
+            </a:custGeom>
+            <a:solidFill>
+              <a:schemeClr val="accent1"/>
+            </a:solidFill>
+            <a:ln w="12700" cap="flat">
+              <a:noFill/>
+              <a:miter lim="400000"/>
+            </a:ln>
+            <a:effectLst/>
+          </p:spPr>
+          <p:txBody>
+            <a:bodyPr wrap="square" lIns="45718" tIns="45718" rIns="45718" bIns="45718" numCol="1" anchor="ctr">
+              <a:noAutofit/>
+            </a:bodyPr>
+            <a:lstStyle/>
+            <a:p>
+              <a:pPr>
+                <a:defRPr>
+                  <a:latin typeface="+mn-lt"/>
+                  <a:ea typeface="+mn-ea"/>
+                  <a:cs typeface="+mn-cs"/>
+                  <a:sym typeface="Calibri"/>
+                </a:defRPr>
+              </a:pPr>
+              <a:endParaRPr/>
+            </a:p>
+          </p:txBody>
+        </p:sp>
+        <p:sp>
+          <p:nvSpPr>
+            <p:cNvPr id="58" name="Rectangle: Single Corner Snipped 33"/>
+            <p:cNvSpPr/>
+            <p:nvPr/>
+          </p:nvSpPr>
+          <p:spPr>
+            <a:xfrm flipH="1">
+              <a:off x="0" y="1105196"/>
+              <a:ext cx="3366306" cy="1105198"/>
+            </a:xfrm>
+            <a:custGeom>
+              <a:avLst/>
+              <a:gdLst/>
+              <a:ahLst/>
+              <a:cxnLst>
+                <a:cxn ang="0">
+                  <a:pos x="wd2" y="hd2"/>
+                </a:cxn>
+                <a:cxn ang="5400000">
+                  <a:pos x="wd2" y="hd2"/>
+                </a:cxn>
+                <a:cxn ang="10800000">
+                  <a:pos x="wd2" y="hd2"/>
+                </a:cxn>
+                <a:cxn ang="16200000">
+                  <a:pos x="wd2" y="hd2"/>
+                </a:cxn>
+              </a:cxnLst>
+              <a:rect l="0" t="0" r="r" b="b"/>
+              <a:pathLst>
+                <a:path w="21600" h="21600" extrusionOk="0">
+                  <a:moveTo>
+                    <a:pt x="0" y="0"/>
+                  </a:moveTo>
+                  <a:lnTo>
+                    <a:pt x="20418" y="0"/>
+                  </a:lnTo>
+                  <a:lnTo>
+                    <a:pt x="21600" y="3600"/>
+                  </a:lnTo>
+                  <a:lnTo>
+                    <a:pt x="21600" y="21600"/>
+                  </a:lnTo>
+                  <a:lnTo>
+                    <a:pt x="0" y="21600"/>
+                  </a:lnTo>
+                  <a:close/>
+                </a:path>
+              </a:pathLst>
+            </a:custGeom>
+            <a:solidFill>
+              <a:schemeClr val="accent2"/>
+            </a:solidFill>
+            <a:ln w="12700" cap="flat">
+              <a:noFill/>
+              <a:miter lim="400000"/>
+            </a:ln>
+            <a:effectLst/>
+          </p:spPr>
+          <p:txBody>
+            <a:bodyPr wrap="square" lIns="45718" tIns="45718" rIns="45718" bIns="45718" numCol="1" anchor="ctr">
+              <a:noAutofit/>
+            </a:bodyPr>
+            <a:lstStyle/>
+            <a:p>
+              <a:pPr>
+                <a:defRPr>
+                  <a:latin typeface="+mn-lt"/>
+                  <a:ea typeface="+mn-ea"/>
+                  <a:cs typeface="+mn-cs"/>
+                  <a:sym typeface="Calibri"/>
+                </a:defRPr>
+              </a:pPr>
+              <a:endParaRPr/>
+            </a:p>
+          </p:txBody>
+        </p:sp>
+        <p:sp>
+          <p:nvSpPr>
+            <p:cNvPr id="59" name="Rectangle: Single Corner Snipped 34"/>
+            <p:cNvSpPr/>
+            <p:nvPr/>
+          </p:nvSpPr>
+          <p:spPr>
+            <a:xfrm flipH="1">
+              <a:off x="0" y="2210393"/>
+              <a:ext cx="3366306" cy="1105199"/>
+            </a:xfrm>
+            <a:custGeom>
+              <a:avLst/>
+              <a:gdLst/>
+              <a:ahLst/>
+              <a:cxnLst>
+                <a:cxn ang="0">
+                  <a:pos x="wd2" y="hd2"/>
+                </a:cxn>
+                <a:cxn ang="5400000">
+                  <a:pos x="wd2" y="hd2"/>
+                </a:cxn>
+                <a:cxn ang="10800000">
+                  <a:pos x="wd2" y="hd2"/>
+                </a:cxn>
+                <a:cxn ang="16200000">
+                  <a:pos x="wd2" y="hd2"/>
+                </a:cxn>
+              </a:cxnLst>
+              <a:rect l="0" t="0" r="r" b="b"/>
+              <a:pathLst>
+                <a:path w="21600" h="21600" extrusionOk="0">
+                  <a:moveTo>
+                    <a:pt x="0" y="0"/>
+                  </a:moveTo>
+                  <a:lnTo>
+                    <a:pt x="20418" y="0"/>
+                  </a:lnTo>
+                  <a:lnTo>
+                    <a:pt x="21600" y="3600"/>
+                  </a:lnTo>
+                  <a:lnTo>
+                    <a:pt x="21600" y="21600"/>
+                  </a:lnTo>
+                  <a:lnTo>
+                    <a:pt x="0" y="21600"/>
+                  </a:lnTo>
+                  <a:close/>
+                </a:path>
+              </a:pathLst>
+            </a:custGeom>
+            <a:solidFill>
+              <a:schemeClr val="accent3"/>
+            </a:solidFill>
+            <a:ln w="12700" cap="flat">
+              <a:noFill/>
+              <a:miter lim="400000"/>
+            </a:ln>
+            <a:effectLst/>
+          </p:spPr>
+          <p:txBody>
+            <a:bodyPr wrap="square" lIns="45718" tIns="45718" rIns="45718" bIns="45718" numCol="1" anchor="ctr">
+              <a:noAutofit/>
+            </a:bodyPr>
+            <a:lstStyle/>
+            <a:p>
+              <a:pPr>
+                <a:defRPr>
+                  <a:latin typeface="+mn-lt"/>
+                  <a:ea typeface="+mn-ea"/>
+                  <a:cs typeface="+mn-cs"/>
+                  <a:sym typeface="Calibri"/>
+                </a:defRPr>
+              </a:pPr>
+              <a:endParaRPr/>
+            </a:p>
+          </p:txBody>
+        </p:sp>
+        <p:sp>
+          <p:nvSpPr>
+            <p:cNvPr id="60" name="Rectangle: Single Corner Snipped 35"/>
+            <p:cNvSpPr/>
+            <p:nvPr/>
+          </p:nvSpPr>
+          <p:spPr>
+            <a:xfrm flipH="1">
+              <a:off x="0" y="3315591"/>
+              <a:ext cx="3366306" cy="1105198"/>
+            </a:xfrm>
+            <a:custGeom>
+              <a:avLst/>
+              <a:gdLst/>
+              <a:ahLst/>
+              <a:cxnLst>
+                <a:cxn ang="0">
+                  <a:pos x="wd2" y="hd2"/>
+                </a:cxn>
+                <a:cxn ang="5400000">
+                  <a:pos x="wd2" y="hd2"/>
+                </a:cxn>
+                <a:cxn ang="10800000">
+                  <a:pos x="wd2" y="hd2"/>
+                </a:cxn>
+                <a:cxn ang="16200000">
+                  <a:pos x="wd2" y="hd2"/>
+                </a:cxn>
+              </a:cxnLst>
+              <a:rect l="0" t="0" r="r" b="b"/>
+              <a:pathLst>
+                <a:path w="21600" h="21600" extrusionOk="0">
+                  <a:moveTo>
+                    <a:pt x="0" y="0"/>
+                  </a:moveTo>
+                  <a:lnTo>
+                    <a:pt x="20418" y="0"/>
+                  </a:lnTo>
+                  <a:lnTo>
+                    <a:pt x="21600" y="3600"/>
+                  </a:lnTo>
+                  <a:lnTo>
+                    <a:pt x="21600" y="21600"/>
+                  </a:lnTo>
+                  <a:lnTo>
+                    <a:pt x="0" y="21600"/>
+                  </a:lnTo>
+                  <a:close/>
+                </a:path>
+              </a:pathLst>
+            </a:custGeom>
+            <a:solidFill>
+              <a:schemeClr val="accent4"/>
+            </a:solidFill>
+            <a:ln w="12700" cap="flat">
+              <a:noFill/>
+              <a:miter lim="400000"/>
+            </a:ln>
+            <a:effectLst/>
+          </p:spPr>
+          <p:txBody>
+            <a:bodyPr wrap="square" lIns="45718" tIns="45718" rIns="45718" bIns="45718" numCol="1" anchor="ctr">
+              <a:noAutofit/>
+            </a:bodyPr>
+            <a:lstStyle/>
+            <a:p>
+              <a:pPr>
+                <a:defRPr>
+                  <a:latin typeface="+mn-lt"/>
+                  <a:ea typeface="+mn-ea"/>
+                  <a:cs typeface="+mn-cs"/>
+                  <a:sym typeface="Calibri"/>
+                </a:defRPr>
+              </a:pPr>
+              <a:endParaRPr/>
+            </a:p>
+          </p:txBody>
+        </p:sp>
+        <p:sp>
+          <p:nvSpPr>
+            <p:cNvPr id="61" name="Freeform: Shape 19"/>
+            <p:cNvSpPr/>
+            <p:nvPr/>
+          </p:nvSpPr>
+          <p:spPr>
+            <a:xfrm>
+              <a:off x="5518668" y="-1"/>
+              <a:ext cx="2048475" cy="2210396"/>
+            </a:xfrm>
+            <a:custGeom>
+              <a:avLst/>
+              <a:gdLst/>
+              <a:ahLst/>
+              <a:cxnLst>
+                <a:cxn ang="0">
+                  <a:pos x="wd2" y="hd2"/>
+                </a:cxn>
+                <a:cxn ang="5400000">
+                  <a:pos x="wd2" y="hd2"/>
+                </a:cxn>
+                <a:cxn ang="10800000">
+                  <a:pos x="wd2" y="hd2"/>
+                </a:cxn>
+                <a:cxn ang="16200000">
+                  <a:pos x="wd2" y="hd2"/>
+                </a:cxn>
+              </a:cxnLst>
+              <a:rect l="0" t="0" r="r" b="b"/>
+              <a:pathLst>
+                <a:path w="21600" h="21600" extrusionOk="0">
+                  <a:moveTo>
+                    <a:pt x="10625" y="21600"/>
+                  </a:moveTo>
+                  <a:lnTo>
+                    <a:pt x="0" y="21600"/>
+                  </a:lnTo>
+                  <a:lnTo>
+                    <a:pt x="10625" y="0"/>
+                  </a:lnTo>
+                  <a:lnTo>
+                    <a:pt x="21600" y="0"/>
+                  </a:lnTo>
+                  <a:lnTo>
+                    <a:pt x="10625" y="21600"/>
+                  </a:lnTo>
+                  <a:close/>
+                </a:path>
+              </a:pathLst>
+            </a:custGeom>
+            <a:solidFill>
+              <a:srgbClr val="6EAA2E"/>
+            </a:solidFill>
+            <a:ln w="12700" cap="flat">
+              <a:noFill/>
+              <a:miter lim="400000"/>
+            </a:ln>
+            <a:effectLst>
+              <a:outerShdw blurRad="50800" dist="38100" rotWithShape="0">
+                <a:srgbClr val="000000">
+                  <a:alpha val="40000"/>
+                </a:srgbClr>
+              </a:outerShdw>
+            </a:effectLst>
+          </p:spPr>
+          <p:txBody>
+            <a:bodyPr wrap="square" lIns="45718" tIns="45718" rIns="45718" bIns="45718" numCol="1" anchor="ctr">
+              <a:noAutofit/>
+            </a:bodyPr>
+            <a:lstStyle/>
+            <a:p>
+              <a:pPr>
+                <a:defRPr>
+                  <a:latin typeface="+mn-lt"/>
+                  <a:ea typeface="+mn-ea"/>
+                  <a:cs typeface="+mn-cs"/>
+                  <a:sym typeface="Calibri"/>
+                </a:defRPr>
+              </a:pPr>
+              <a:endParaRPr/>
+            </a:p>
+          </p:txBody>
+        </p:sp>
+        <p:sp>
+          <p:nvSpPr>
+            <p:cNvPr id="62" name="Freeform: Shape 20"/>
+            <p:cNvSpPr/>
+            <p:nvPr/>
+          </p:nvSpPr>
+          <p:spPr>
+            <a:xfrm>
+              <a:off x="5518668" y="2210393"/>
+              <a:ext cx="2048475" cy="2210330"/>
+            </a:xfrm>
+            <a:custGeom>
+              <a:avLst/>
+              <a:gdLst/>
+              <a:ahLst/>
+              <a:cxnLst>
+                <a:cxn ang="0">
+                  <a:pos x="wd2" y="hd2"/>
+                </a:cxn>
+                <a:cxn ang="5400000">
+                  <a:pos x="wd2" y="hd2"/>
+                </a:cxn>
+                <a:cxn ang="10800000">
+                  <a:pos x="wd2" y="hd2"/>
+                </a:cxn>
+                <a:cxn ang="16200000">
+                  <a:pos x="wd2" y="hd2"/>
+                </a:cxn>
+              </a:cxnLst>
+              <a:rect l="0" t="0" r="r" b="b"/>
+              <a:pathLst>
+                <a:path w="21600" h="21600" extrusionOk="0">
+                  <a:moveTo>
+                    <a:pt x="10625" y="0"/>
+                  </a:moveTo>
+                  <a:lnTo>
+                    <a:pt x="0" y="0"/>
+                  </a:lnTo>
+                  <a:lnTo>
+                    <a:pt x="10625" y="21600"/>
+                  </a:lnTo>
+                  <a:lnTo>
+                    <a:pt x="21600" y="21600"/>
+                  </a:lnTo>
+                  <a:lnTo>
+                    <a:pt x="10625" y="0"/>
+                  </a:lnTo>
+                  <a:close/>
+                </a:path>
+              </a:pathLst>
+            </a:custGeom>
+            <a:solidFill>
+              <a:srgbClr val="0071BF"/>
+            </a:solidFill>
+            <a:ln w="12700" cap="flat">
+              <a:noFill/>
+              <a:miter lim="400000"/>
+            </a:ln>
+            <a:effectLst>
+              <a:outerShdw blurRad="50800" dist="38100" rotWithShape="0">
+                <a:srgbClr val="000000">
+                  <a:alpha val="40000"/>
+                </a:srgbClr>
+              </a:outerShdw>
+            </a:effectLst>
+          </p:spPr>
+          <p:txBody>
+            <a:bodyPr wrap="square" lIns="45718" tIns="45718" rIns="45718" bIns="45718" numCol="1" anchor="ctr">
+              <a:noAutofit/>
+            </a:bodyPr>
+            <a:lstStyle/>
+            <a:p>
+              <a:pPr>
+                <a:defRPr>
+                  <a:latin typeface="+mn-lt"/>
+                  <a:ea typeface="+mn-ea"/>
+                  <a:cs typeface="+mn-cs"/>
+                  <a:sym typeface="Calibri"/>
+                </a:defRPr>
+              </a:pPr>
+              <a:endParaRPr/>
+            </a:p>
+          </p:txBody>
+        </p:sp>
+        <p:sp>
+          <p:nvSpPr>
+            <p:cNvPr id="63" name="Freeform: Shape 21"/>
+            <p:cNvSpPr/>
+            <p:nvPr/>
+          </p:nvSpPr>
+          <p:spPr>
+            <a:xfrm>
+              <a:off x="6526335" y="1105196"/>
+              <a:ext cx="1551162" cy="1105199"/>
+            </a:xfrm>
+            <a:custGeom>
+              <a:avLst/>
+              <a:gdLst/>
+              <a:ahLst/>
+              <a:cxnLst>
+                <a:cxn ang="0">
+                  <a:pos x="wd2" y="hd2"/>
+                </a:cxn>
+                <a:cxn ang="5400000">
+                  <a:pos x="wd2" y="hd2"/>
+                </a:cxn>
+                <a:cxn ang="10800000">
+                  <a:pos x="wd2" y="hd2"/>
+                </a:cxn>
+                <a:cxn ang="16200000">
+                  <a:pos x="wd2" y="hd2"/>
+                </a:cxn>
+              </a:cxnLst>
+              <a:rect l="0" t="0" r="r" b="b"/>
+              <a:pathLst>
+                <a:path w="21600" h="21600" extrusionOk="0">
+                  <a:moveTo>
+                    <a:pt x="7246" y="0"/>
+                  </a:moveTo>
+                  <a:lnTo>
+                    <a:pt x="21600" y="0"/>
+                  </a:lnTo>
+                  <a:lnTo>
+                    <a:pt x="14424" y="21600"/>
+                  </a:lnTo>
+                  <a:lnTo>
+                    <a:pt x="0" y="21600"/>
+                  </a:lnTo>
+                  <a:lnTo>
+                    <a:pt x="7246" y="0"/>
+                  </a:lnTo>
+                  <a:close/>
+                </a:path>
+              </a:pathLst>
+            </a:custGeom>
+            <a:solidFill>
+              <a:srgbClr val="BF6E00"/>
+            </a:solidFill>
+            <a:ln w="12700" cap="flat">
+              <a:noFill/>
+              <a:miter lim="400000"/>
+            </a:ln>
+            <a:effectLst>
+              <a:outerShdw blurRad="50800" dist="38100" rotWithShape="0">
+                <a:srgbClr val="000000">
+                  <a:alpha val="40000"/>
+                </a:srgbClr>
+              </a:outerShdw>
+            </a:effectLst>
+          </p:spPr>
+          <p:txBody>
+            <a:bodyPr wrap="square" lIns="45718" tIns="45718" rIns="45718" bIns="45718" numCol="1" anchor="ctr">
+              <a:noAutofit/>
+            </a:bodyPr>
+            <a:lstStyle/>
+            <a:p>
+              <a:pPr>
+                <a:defRPr>
+                  <a:latin typeface="+mn-lt"/>
+                  <a:ea typeface="+mn-ea"/>
+                  <a:cs typeface="+mn-cs"/>
+                  <a:sym typeface="Calibri"/>
+                </a:defRPr>
+              </a:pPr>
+              <a:endParaRPr/>
+            </a:p>
+          </p:txBody>
+        </p:sp>
+        <p:sp>
+          <p:nvSpPr>
+            <p:cNvPr id="64" name="Freeform: Shape 22"/>
+            <p:cNvSpPr/>
+            <p:nvPr/>
+          </p:nvSpPr>
+          <p:spPr>
+            <a:xfrm>
+              <a:off x="6526335" y="2210393"/>
+              <a:ext cx="1551162" cy="1105200"/>
+            </a:xfrm>
+            <a:custGeom>
+              <a:avLst/>
+              <a:gdLst/>
+              <a:ahLst/>
+              <a:cxnLst>
+                <a:cxn ang="0">
+                  <a:pos x="wd2" y="hd2"/>
+                </a:cxn>
+                <a:cxn ang="5400000">
+                  <a:pos x="wd2" y="hd2"/>
+                </a:cxn>
+                <a:cxn ang="10800000">
+                  <a:pos x="wd2" y="hd2"/>
+                </a:cxn>
+                <a:cxn ang="16200000">
+                  <a:pos x="wd2" y="hd2"/>
+                </a:cxn>
+              </a:cxnLst>
+              <a:rect l="0" t="0" r="r" b="b"/>
+              <a:pathLst>
+                <a:path w="21600" h="21600" extrusionOk="0">
+                  <a:moveTo>
+                    <a:pt x="21600" y="21211"/>
+                  </a:moveTo>
+                  <a:lnTo>
+                    <a:pt x="7246" y="21600"/>
+                  </a:lnTo>
+                  <a:lnTo>
+                    <a:pt x="0" y="0"/>
+                  </a:lnTo>
+                  <a:lnTo>
+                    <a:pt x="14424" y="0"/>
+                  </a:lnTo>
+                  <a:lnTo>
+                    <a:pt x="21600" y="21211"/>
+                  </a:lnTo>
+                  <a:close/>
+                </a:path>
+              </a:pathLst>
+            </a:custGeom>
+            <a:solidFill>
+              <a:srgbClr val="BF1D00"/>
+            </a:solidFill>
+            <a:ln w="12700" cap="flat">
+              <a:noFill/>
+              <a:miter lim="400000"/>
+            </a:ln>
+            <a:effectLst>
+              <a:outerShdw blurRad="50800" dist="38100" rotWithShape="0">
+                <a:srgbClr val="000000">
+                  <a:alpha val="40000"/>
+                </a:srgbClr>
+              </a:outerShdw>
+            </a:effectLst>
+          </p:spPr>
+          <p:txBody>
+            <a:bodyPr wrap="square" lIns="45718" tIns="45718" rIns="45718" bIns="45718" numCol="1" anchor="ctr">
+              <a:noAutofit/>
+            </a:bodyPr>
+            <a:lstStyle/>
+            <a:p>
+              <a:pPr>
+                <a:defRPr>
+                  <a:latin typeface="+mn-lt"/>
+                  <a:ea typeface="+mn-ea"/>
+                  <a:cs typeface="+mn-cs"/>
+                  <a:sym typeface="Calibri"/>
+                </a:defRPr>
+              </a:pPr>
+              <a:endParaRPr/>
+            </a:p>
+          </p:txBody>
+        </p:sp>
+        <p:sp>
+          <p:nvSpPr>
+            <p:cNvPr id="65" name="Freeform: Shape 24"/>
+            <p:cNvSpPr/>
+            <p:nvPr/>
+          </p:nvSpPr>
+          <p:spPr>
+            <a:xfrm>
+              <a:off x="2325553" y="-1"/>
+              <a:ext cx="2048420" cy="2210396"/>
+            </a:xfrm>
+            <a:custGeom>
+              <a:avLst/>
+              <a:gdLst/>
+              <a:ahLst/>
+              <a:cxnLst>
+                <a:cxn ang="0">
+                  <a:pos x="wd2" y="hd2"/>
+                </a:cxn>
+                <a:cxn ang="5400000">
+                  <a:pos x="wd2" y="hd2"/>
+                </a:cxn>
+                <a:cxn ang="10800000">
+                  <a:pos x="wd2" y="hd2"/>
+                </a:cxn>
+                <a:cxn ang="16200000">
+                  <a:pos x="wd2" y="hd2"/>
+                </a:cxn>
+              </a:cxnLst>
+              <a:rect l="0" t="0" r="r" b="b"/>
+              <a:pathLst>
+                <a:path w="21600" h="21600" extrusionOk="0">
+                  <a:moveTo>
+                    <a:pt x="10974" y="21600"/>
+                  </a:moveTo>
+                  <a:lnTo>
+                    <a:pt x="21600" y="21600"/>
+                  </a:lnTo>
+                  <a:lnTo>
+                    <a:pt x="10974" y="0"/>
+                  </a:lnTo>
+                  <a:lnTo>
+                    <a:pt x="0" y="0"/>
+                  </a:lnTo>
+                  <a:lnTo>
+                    <a:pt x="10974" y="21600"/>
+                  </a:lnTo>
+                  <a:close/>
+                </a:path>
+              </a:pathLst>
+            </a:custGeom>
+            <a:solidFill>
+              <a:srgbClr val="0071BF"/>
+            </a:solidFill>
+            <a:ln w="12700" cap="flat">
+              <a:noFill/>
+              <a:miter lim="400000"/>
+            </a:ln>
+            <a:effectLst>
+              <a:outerShdw blurRad="50800" dist="38100" dir="10800000" rotWithShape="0">
+                <a:srgbClr val="000000">
+                  <a:alpha val="40000"/>
+                </a:srgbClr>
+              </a:outerShdw>
+            </a:effectLst>
+          </p:spPr>
+          <p:txBody>
+            <a:bodyPr wrap="square" lIns="45718" tIns="45718" rIns="45718" bIns="45718" numCol="1" anchor="ctr">
+              <a:noAutofit/>
+            </a:bodyPr>
+            <a:lstStyle/>
+            <a:p>
+              <a:pPr>
+                <a:defRPr>
+                  <a:latin typeface="+mn-lt"/>
+                  <a:ea typeface="+mn-ea"/>
+                  <a:cs typeface="+mn-cs"/>
+                  <a:sym typeface="Calibri"/>
+                </a:defRPr>
+              </a:pPr>
+              <a:endParaRPr/>
+            </a:p>
+          </p:txBody>
+        </p:sp>
+        <p:sp>
+          <p:nvSpPr>
+            <p:cNvPr id="66" name="Freeform: Shape 25"/>
+            <p:cNvSpPr/>
+            <p:nvPr/>
+          </p:nvSpPr>
+          <p:spPr>
+            <a:xfrm>
+              <a:off x="2325553" y="2210393"/>
+              <a:ext cx="2048420" cy="2210330"/>
+            </a:xfrm>
+            <a:custGeom>
+              <a:avLst/>
+              <a:gdLst/>
+              <a:ahLst/>
+              <a:cxnLst>
+                <a:cxn ang="0">
+                  <a:pos x="wd2" y="hd2"/>
+                </a:cxn>
+                <a:cxn ang="5400000">
+                  <a:pos x="wd2" y="hd2"/>
+                </a:cxn>
+                <a:cxn ang="10800000">
+                  <a:pos x="wd2" y="hd2"/>
+                </a:cxn>
+                <a:cxn ang="16200000">
+                  <a:pos x="wd2" y="hd2"/>
+                </a:cxn>
+              </a:cxnLst>
+              <a:rect l="0" t="0" r="r" b="b"/>
+              <a:pathLst>
+                <a:path w="21600" h="21600" extrusionOk="0">
+                  <a:moveTo>
+                    <a:pt x="10974" y="0"/>
+                  </a:moveTo>
+                  <a:lnTo>
+                    <a:pt x="21600" y="0"/>
+                  </a:lnTo>
+                  <a:lnTo>
+                    <a:pt x="10974" y="21600"/>
+                  </a:lnTo>
+                  <a:lnTo>
+                    <a:pt x="0" y="21600"/>
+                  </a:lnTo>
+                  <a:lnTo>
+                    <a:pt x="10974" y="0"/>
+                  </a:lnTo>
+                  <a:close/>
+                </a:path>
+              </a:pathLst>
+            </a:custGeom>
+            <a:solidFill>
+              <a:srgbClr val="6EAA2E"/>
+            </a:solidFill>
+            <a:ln w="12700" cap="flat">
+              <a:noFill/>
+              <a:miter lim="400000"/>
+            </a:ln>
+            <a:effectLst>
+              <a:outerShdw blurRad="50800" dist="38100" dir="10800000" rotWithShape="0">
+                <a:srgbClr val="000000">
+                  <a:alpha val="40000"/>
+                </a:srgbClr>
+              </a:outerShdw>
+            </a:effectLst>
+          </p:spPr>
+          <p:txBody>
+            <a:bodyPr wrap="square" lIns="45718" tIns="45718" rIns="45718" bIns="45718" numCol="1" anchor="ctr">
+              <a:noAutofit/>
+            </a:bodyPr>
+            <a:lstStyle/>
+            <a:p>
+              <a:pPr>
+                <a:defRPr>
+                  <a:latin typeface="+mn-lt"/>
+                  <a:ea typeface="+mn-ea"/>
+                  <a:cs typeface="+mn-cs"/>
+                  <a:sym typeface="Calibri"/>
+                </a:defRPr>
+              </a:pPr>
+              <a:endParaRPr/>
+            </a:p>
+          </p:txBody>
+        </p:sp>
+        <p:sp>
+          <p:nvSpPr>
+            <p:cNvPr id="67" name="Freeform: Shape 26"/>
+            <p:cNvSpPr/>
+            <p:nvPr/>
+          </p:nvSpPr>
+          <p:spPr>
+            <a:xfrm>
+              <a:off x="1815200" y="1105196"/>
+              <a:ext cx="1551107" cy="1105199"/>
+            </a:xfrm>
+            <a:custGeom>
+              <a:avLst/>
+              <a:gdLst/>
+              <a:ahLst/>
+              <a:cxnLst>
+                <a:cxn ang="0">
+                  <a:pos x="wd2" y="hd2"/>
+                </a:cxn>
+                <a:cxn ang="5400000">
+                  <a:pos x="wd2" y="hd2"/>
+                </a:cxn>
+                <a:cxn ang="10800000">
+                  <a:pos x="wd2" y="hd2"/>
+                </a:cxn>
+                <a:cxn ang="16200000">
+                  <a:pos x="wd2" y="hd2"/>
+                </a:cxn>
+              </a:cxnLst>
+              <a:rect l="0" t="0" r="r" b="b"/>
+              <a:pathLst>
+                <a:path w="21600" h="21600" extrusionOk="0">
+                  <a:moveTo>
+                    <a:pt x="14353" y="0"/>
+                  </a:moveTo>
+                  <a:lnTo>
+                    <a:pt x="0" y="0"/>
+                  </a:lnTo>
+                  <a:lnTo>
+                    <a:pt x="7177" y="21600"/>
+                  </a:lnTo>
+                  <a:lnTo>
+                    <a:pt x="21600" y="21600"/>
+                  </a:lnTo>
+                  <a:lnTo>
+                    <a:pt x="14353" y="0"/>
+                  </a:lnTo>
+                  <a:close/>
+                </a:path>
+              </a:pathLst>
+            </a:custGeom>
+            <a:solidFill>
+              <a:srgbClr val="BF1D00"/>
+            </a:solidFill>
+            <a:ln w="12700" cap="flat">
+              <a:noFill/>
+              <a:miter lim="400000"/>
+            </a:ln>
+            <a:effectLst>
+              <a:outerShdw blurRad="50800" dist="38100" dir="10800000" rotWithShape="0">
+                <a:srgbClr val="000000">
+                  <a:alpha val="40000"/>
+                </a:srgbClr>
+              </a:outerShdw>
+            </a:effectLst>
+          </p:spPr>
+          <p:txBody>
+            <a:bodyPr wrap="square" lIns="45718" tIns="45718" rIns="45718" bIns="45718" numCol="1" anchor="ctr">
+              <a:noAutofit/>
+            </a:bodyPr>
+            <a:lstStyle/>
+            <a:p>
+              <a:pPr>
+                <a:defRPr>
+                  <a:latin typeface="+mn-lt"/>
+                  <a:ea typeface="+mn-ea"/>
+                  <a:cs typeface="+mn-cs"/>
+                  <a:sym typeface="Calibri"/>
+                </a:defRPr>
+              </a:pPr>
+              <a:endParaRPr/>
+            </a:p>
+          </p:txBody>
+        </p:sp>
+        <p:sp>
+          <p:nvSpPr>
+            <p:cNvPr id="68" name="Freeform: Shape 27"/>
+            <p:cNvSpPr/>
+            <p:nvPr/>
+          </p:nvSpPr>
+          <p:spPr>
+            <a:xfrm>
+              <a:off x="1815200" y="2210393"/>
+              <a:ext cx="1551107" cy="1105200"/>
+            </a:xfrm>
+            <a:custGeom>
+              <a:avLst/>
+              <a:gdLst/>
+              <a:ahLst/>
+              <a:cxnLst>
+                <a:cxn ang="0">
+                  <a:pos x="wd2" y="hd2"/>
+                </a:cxn>
+                <a:cxn ang="5400000">
+                  <a:pos x="wd2" y="hd2"/>
+                </a:cxn>
+                <a:cxn ang="10800000">
+                  <a:pos x="wd2" y="hd2"/>
+                </a:cxn>
+                <a:cxn ang="16200000">
+                  <a:pos x="wd2" y="hd2"/>
+                </a:cxn>
+              </a:cxnLst>
+              <a:rect l="0" t="0" r="r" b="b"/>
+              <a:pathLst>
+                <a:path w="21600" h="21600" extrusionOk="0">
+                  <a:moveTo>
+                    <a:pt x="0" y="21211"/>
+                  </a:moveTo>
+                  <a:lnTo>
+                    <a:pt x="14353" y="21600"/>
+                  </a:lnTo>
+                  <a:lnTo>
+                    <a:pt x="21600" y="0"/>
+                  </a:lnTo>
+                  <a:lnTo>
+                    <a:pt x="7177" y="0"/>
+                  </a:lnTo>
+                  <a:lnTo>
+                    <a:pt x="0" y="21211"/>
+                  </a:lnTo>
+                  <a:close/>
+                </a:path>
+              </a:pathLst>
+            </a:custGeom>
+            <a:solidFill>
+              <a:srgbClr val="BF6E00"/>
+            </a:solidFill>
+            <a:ln w="12700" cap="flat">
+              <a:noFill/>
+              <a:miter lim="400000"/>
+            </a:ln>
+            <a:effectLst>
+              <a:outerShdw blurRad="50800" dist="38100" dir="10800000" rotWithShape="0">
+                <a:srgbClr val="000000">
+                  <a:alpha val="40000"/>
+                </a:srgbClr>
+              </a:outerShdw>
+            </a:effectLst>
+          </p:spPr>
+          <p:txBody>
+            <a:bodyPr wrap="square" lIns="45718" tIns="45718" rIns="45718" bIns="45718" numCol="1" anchor="ctr">
+              <a:noAutofit/>
+            </a:bodyPr>
+            <a:lstStyle/>
+            <a:p>
+              <a:pPr>
+                <a:defRPr>
+                  <a:latin typeface="+mn-lt"/>
+                  <a:ea typeface="+mn-ea"/>
+                  <a:cs typeface="+mn-cs"/>
+                  <a:sym typeface="Calibri"/>
+                </a:defRPr>
+              </a:pPr>
+              <a:endParaRPr/>
+            </a:p>
+          </p:txBody>
+        </p:sp>
+        <p:sp>
+          <p:nvSpPr>
+            <p:cNvPr id="69" name="Oval 17"/>
+            <p:cNvSpPr/>
+            <p:nvPr/>
+          </p:nvSpPr>
+          <p:spPr>
+            <a:xfrm>
+              <a:off x="3002098" y="263765"/>
+              <a:ext cx="3889255" cy="3893261"/>
+            </a:xfrm>
+            <a:prstGeom prst="ellipse">
+              <a:avLst/>
+            </a:prstGeom>
+            <a:solidFill>
+              <a:srgbClr val="808080"/>
+            </a:solidFill>
+            <a:ln w="12700" cap="flat">
+              <a:noFill/>
+              <a:miter lim="400000"/>
+            </a:ln>
+            <a:effectLst/>
+          </p:spPr>
+          <p:txBody>
+            <a:bodyPr wrap="square" lIns="45718" tIns="45718" rIns="45718" bIns="45718" numCol="1" anchor="ctr">
+              <a:noAutofit/>
+            </a:bodyPr>
+            <a:lstStyle/>
+            <a:p>
+              <a:pPr>
+                <a:defRPr>
+                  <a:latin typeface="+mn-lt"/>
+                  <a:ea typeface="+mn-ea"/>
+                  <a:cs typeface="+mn-cs"/>
+                  <a:sym typeface="Calibri"/>
+                </a:defRPr>
+              </a:pPr>
+              <a:endParaRPr/>
+            </a:p>
+          </p:txBody>
+        </p:sp>
+        <p:sp>
+          <p:nvSpPr>
+            <p:cNvPr id="70" name="Freeform: Shape 41"/>
+            <p:cNvSpPr/>
+            <p:nvPr/>
+          </p:nvSpPr>
+          <p:spPr>
+            <a:xfrm>
+              <a:off x="4991355" y="603864"/>
+              <a:ext cx="1562501" cy="3213061"/>
+            </a:xfrm>
+            <a:custGeom>
+              <a:avLst/>
+              <a:gdLst/>
+              <a:ahLst/>
+              <a:cxnLst>
+                <a:cxn ang="0">
+                  <a:pos x="wd2" y="hd2"/>
+                </a:cxn>
+                <a:cxn ang="5400000">
+                  <a:pos x="wd2" y="hd2"/>
+                </a:cxn>
+                <a:cxn ang="10800000">
+                  <a:pos x="wd2" y="hd2"/>
+                </a:cxn>
+                <a:cxn ang="16200000">
+                  <a:pos x="wd2" y="hd2"/>
+                </a:cxn>
+              </a:cxnLst>
+              <a:rect l="0" t="0" r="r" b="b"/>
+              <a:pathLst>
+                <a:path w="21600" h="21600" extrusionOk="0">
+                  <a:moveTo>
+                    <a:pt x="0" y="0"/>
+                  </a:moveTo>
+                  <a:lnTo>
+                    <a:pt x="1655" y="41"/>
+                  </a:lnTo>
+                  <a:cubicBezTo>
+                    <a:pt x="12858" y="595"/>
+                    <a:pt x="21600" y="5200"/>
+                    <a:pt x="21600" y="10800"/>
+                  </a:cubicBezTo>
+                  <a:cubicBezTo>
+                    <a:pt x="21600" y="16400"/>
+                    <a:pt x="12858" y="21005"/>
+                    <a:pt x="1655" y="21559"/>
+                  </a:cubicBezTo>
+                  <a:lnTo>
+                    <a:pt x="0" y="21600"/>
+                  </a:lnTo>
+                  <a:lnTo>
+                    <a:pt x="0" y="0"/>
+                  </a:lnTo>
+                  <a:close/>
+                </a:path>
+              </a:pathLst>
+            </a:custGeom>
+            <a:solidFill>
+              <a:srgbClr val="E7E6E6"/>
+            </a:solidFill>
+            <a:ln w="25400" cap="flat">
+              <a:solidFill>
+                <a:srgbClr val="FFFFFF"/>
+              </a:solidFill>
+              <a:prstDash val="solid"/>
+              <a:miter lim="800000"/>
+            </a:ln>
+            <a:effectLst/>
+          </p:spPr>
+          <p:txBody>
+            <a:bodyPr wrap="square" lIns="45718" tIns="45718" rIns="45718" bIns="45718" numCol="1" anchor="ctr">
+              <a:noAutofit/>
+            </a:bodyPr>
+            <a:lstStyle/>
+            <a:p>
+              <a:pPr>
+                <a:defRPr>
+                  <a:latin typeface="+mn-lt"/>
+                  <a:ea typeface="+mn-ea"/>
+                  <a:cs typeface="+mn-cs"/>
+                  <a:sym typeface="Calibri"/>
+                </a:defRPr>
+              </a:pPr>
+              <a:endParaRPr/>
+            </a:p>
+          </p:txBody>
+        </p:sp>
+        <p:sp>
+          <p:nvSpPr>
+            <p:cNvPr id="71" name="Freeform: Shape 40"/>
+            <p:cNvSpPr/>
+            <p:nvPr/>
+          </p:nvSpPr>
+          <p:spPr>
+            <a:xfrm>
+              <a:off x="3339596" y="603866"/>
+              <a:ext cx="1562500" cy="3213059"/>
+            </a:xfrm>
+            <a:custGeom>
+              <a:avLst/>
+              <a:gdLst/>
+              <a:ahLst/>
+              <a:cxnLst>
+                <a:cxn ang="0">
+                  <a:pos x="wd2" y="hd2"/>
+                </a:cxn>
+                <a:cxn ang="5400000">
+                  <a:pos x="wd2" y="hd2"/>
+                </a:cxn>
+                <a:cxn ang="10800000">
+                  <a:pos x="wd2" y="hd2"/>
+                </a:cxn>
+                <a:cxn ang="16200000">
+                  <a:pos x="wd2" y="hd2"/>
+                </a:cxn>
+              </a:cxnLst>
+              <a:rect l="0" t="0" r="r" b="b"/>
+              <a:pathLst>
+                <a:path w="21600" h="21600" extrusionOk="0">
+                  <a:moveTo>
+                    <a:pt x="21600" y="0"/>
+                  </a:moveTo>
+                  <a:lnTo>
+                    <a:pt x="21600" y="21600"/>
+                  </a:lnTo>
+                  <a:lnTo>
+                    <a:pt x="19945" y="21559"/>
+                  </a:lnTo>
+                  <a:cubicBezTo>
+                    <a:pt x="8742" y="21005"/>
+                    <a:pt x="0" y="16400"/>
+                    <a:pt x="0" y="10800"/>
+                  </a:cubicBezTo>
+                  <a:cubicBezTo>
+                    <a:pt x="0" y="5200"/>
+                    <a:pt x="8742" y="595"/>
+                    <a:pt x="19945" y="41"/>
+                  </a:cubicBezTo>
+                  <a:lnTo>
+                    <a:pt x="21600" y="0"/>
+                  </a:lnTo>
+                  <a:close/>
+                </a:path>
+              </a:pathLst>
+            </a:custGeom>
+            <a:solidFill>
+              <a:srgbClr val="E7E6E6"/>
+            </a:solidFill>
+            <a:ln w="25400" cap="flat">
+              <a:solidFill>
+                <a:srgbClr val="FFFFFF"/>
+              </a:solidFill>
+              <a:prstDash val="solid"/>
+              <a:miter lim="800000"/>
+            </a:ln>
+            <a:effectLst/>
+          </p:spPr>
+          <p:txBody>
+            <a:bodyPr wrap="square" lIns="45718" tIns="45718" rIns="45718" bIns="45718" numCol="1" anchor="ctr">
+              <a:noAutofit/>
+            </a:bodyPr>
+            <a:lstStyle/>
+            <a:p>
+              <a:pPr>
+                <a:defRPr>
+                  <a:latin typeface="+mn-lt"/>
+                  <a:ea typeface="+mn-ea"/>
+                  <a:cs typeface="+mn-cs"/>
+                  <a:sym typeface="Calibri"/>
+                </a:defRPr>
+              </a:pPr>
+              <a:endParaRPr/>
+            </a:p>
+          </p:txBody>
+        </p:sp>
+        <p:sp>
+          <p:nvSpPr>
+            <p:cNvPr id="72" name="TextBox 44"/>
+            <p:cNvSpPr txBox="1"/>
+            <p:nvPr/>
+          </p:nvSpPr>
+          <p:spPr>
+            <a:xfrm>
+              <a:off x="3728700" y="2380139"/>
+              <a:ext cx="852551" cy="333086"/>
+            </a:xfrm>
+            <a:prstGeom prst="rect">
+              <a:avLst/>
+            </a:prstGeom>
+            <a:noFill/>
+            <a:ln w="12700" cap="flat">
+              <a:noFill/>
+              <a:miter lim="400000"/>
+            </a:ln>
+            <a:effectLst/>
+            <a:extLst>
+              <a:ext uri="{C572A759-6A51-4108-AA02-DFA0A04FC94B}">
+                <ma14:wrappingTextBoxFlag xmlns:ma14="http://schemas.microsoft.com/office/mac/drawingml/2011/main" xmlns:a14="http://schemas.microsoft.com/office/drawing/2010/main" xmlns:m="http://schemas.openxmlformats.org/officeDocument/2006/math" xmlns="" val="1"/>
+              </a:ext>
+            </a:extLst>
+          </p:spPr>
+          <p:txBody>
+            <a:bodyPr wrap="square" lIns="45718" tIns="45718" rIns="45718" bIns="45718" numCol="1" anchor="t">
+              <a:spAutoFit/>
+            </a:bodyPr>
+            <a:lstStyle>
+              <a:lvl1pPr algn="ctr">
+                <a:defRPr b="1">
+                  <a:solidFill>
+                    <a:srgbClr val="404040"/>
+                  </a:solidFill>
+                  <a:latin typeface="+mn-lt"/>
+                  <a:ea typeface="+mn-ea"/>
+                  <a:cs typeface="+mn-cs"/>
+                  <a:sym typeface="Calibri"/>
+                </a:defRPr>
+              </a:lvl1pPr>
+            </a:lstStyle>
+            <a:p>
+              <a:r>
+                <a:t>PROS</a:t>
+              </a:r>
+            </a:p>
+          </p:txBody>
+        </p:sp>
+        <p:sp>
+          <p:nvSpPr>
+            <p:cNvPr id="73" name="Freeform: Shape 46"/>
+            <p:cNvSpPr/>
+            <p:nvPr/>
+          </p:nvSpPr>
+          <p:spPr>
+            <a:xfrm>
+              <a:off x="3860722" y="1630495"/>
+              <a:ext cx="577986" cy="505738"/>
+            </a:xfrm>
+            <a:custGeom>
+              <a:avLst/>
+              <a:gdLst/>
+              <a:ahLst/>
+              <a:cxnLst>
+                <a:cxn ang="0">
+                  <a:pos x="wd2" y="hd2"/>
+                </a:cxn>
+                <a:cxn ang="5400000">
+                  <a:pos x="wd2" y="hd2"/>
+                </a:cxn>
+                <a:cxn ang="10800000">
+                  <a:pos x="wd2" y="hd2"/>
+                </a:cxn>
+                <a:cxn ang="16200000">
+                  <a:pos x="wd2" y="hd2"/>
+                </a:cxn>
+              </a:cxnLst>
+              <a:rect l="0" t="0" r="r" b="b"/>
+              <a:pathLst>
+                <a:path w="21600" h="21600" extrusionOk="0">
+                  <a:moveTo>
+                    <a:pt x="0" y="7714"/>
+                  </a:moveTo>
+                  <a:lnTo>
+                    <a:pt x="4050" y="7714"/>
+                  </a:lnTo>
+                  <a:cubicBezTo>
+                    <a:pt x="4644" y="7714"/>
+                    <a:pt x="5130" y="8270"/>
+                    <a:pt x="5130" y="8949"/>
+                  </a:cubicBezTo>
+                  <a:lnTo>
+                    <a:pt x="5130" y="19440"/>
+                  </a:lnTo>
+                  <a:cubicBezTo>
+                    <a:pt x="5130" y="20119"/>
+                    <a:pt x="4644" y="20674"/>
+                    <a:pt x="4050" y="20674"/>
+                  </a:cubicBezTo>
+                  <a:lnTo>
+                    <a:pt x="0" y="20674"/>
+                  </a:lnTo>
+                  <a:close/>
+                  <a:moveTo>
+                    <a:pt x="13230" y="0"/>
+                  </a:moveTo>
+                  <a:cubicBezTo>
+                    <a:pt x="14121" y="0"/>
+                    <a:pt x="14850" y="833"/>
+                    <a:pt x="14850" y="1851"/>
+                  </a:cubicBezTo>
+                  <a:cubicBezTo>
+                    <a:pt x="14850" y="6079"/>
+                    <a:pt x="14067" y="7190"/>
+                    <a:pt x="14040" y="7745"/>
+                  </a:cubicBezTo>
+                  <a:cubicBezTo>
+                    <a:pt x="14067" y="8239"/>
+                    <a:pt x="14418" y="8640"/>
+                    <a:pt x="14850" y="8640"/>
+                  </a:cubicBezTo>
+                  <a:lnTo>
+                    <a:pt x="19980" y="8640"/>
+                  </a:lnTo>
+                  <a:cubicBezTo>
+                    <a:pt x="20871" y="8640"/>
+                    <a:pt x="21600" y="9473"/>
+                    <a:pt x="21600" y="10491"/>
+                  </a:cubicBezTo>
+                  <a:cubicBezTo>
+                    <a:pt x="21600" y="11294"/>
+                    <a:pt x="21168" y="11973"/>
+                    <a:pt x="20547" y="12219"/>
+                  </a:cubicBezTo>
+                  <a:cubicBezTo>
+                    <a:pt x="20871" y="12559"/>
+                    <a:pt x="21060" y="13053"/>
+                    <a:pt x="21060" y="13577"/>
+                  </a:cubicBezTo>
+                  <a:cubicBezTo>
+                    <a:pt x="21060" y="14441"/>
+                    <a:pt x="20520" y="15182"/>
+                    <a:pt x="19791" y="15367"/>
+                  </a:cubicBezTo>
+                  <a:cubicBezTo>
+                    <a:pt x="20088" y="15706"/>
+                    <a:pt x="20250" y="16169"/>
+                    <a:pt x="20250" y="16663"/>
+                  </a:cubicBezTo>
+                  <a:cubicBezTo>
+                    <a:pt x="20250" y="17681"/>
+                    <a:pt x="19521" y="18514"/>
+                    <a:pt x="18630" y="18514"/>
+                  </a:cubicBezTo>
+                  <a:cubicBezTo>
+                    <a:pt x="18576" y="18514"/>
+                    <a:pt x="18522" y="18514"/>
+                    <a:pt x="18468" y="18514"/>
+                  </a:cubicBezTo>
+                  <a:cubicBezTo>
+                    <a:pt x="18738" y="18823"/>
+                    <a:pt x="18900" y="19255"/>
+                    <a:pt x="18900" y="19749"/>
+                  </a:cubicBezTo>
+                  <a:cubicBezTo>
+                    <a:pt x="18900" y="20767"/>
+                    <a:pt x="18171" y="21600"/>
+                    <a:pt x="17280" y="21600"/>
+                  </a:cubicBezTo>
+                  <a:cubicBezTo>
+                    <a:pt x="17280" y="21600"/>
+                    <a:pt x="13635" y="21600"/>
+                    <a:pt x="12420" y="21600"/>
+                  </a:cubicBezTo>
+                  <a:cubicBezTo>
+                    <a:pt x="8802" y="21600"/>
+                    <a:pt x="8667" y="19131"/>
+                    <a:pt x="6750" y="19131"/>
+                  </a:cubicBezTo>
+                  <a:lnTo>
+                    <a:pt x="6750" y="9257"/>
+                  </a:lnTo>
+                  <a:cubicBezTo>
+                    <a:pt x="6831" y="9195"/>
+                    <a:pt x="11610" y="6542"/>
+                    <a:pt x="11610" y="1851"/>
+                  </a:cubicBezTo>
+                  <a:cubicBezTo>
+                    <a:pt x="11610" y="833"/>
+                    <a:pt x="12339" y="0"/>
+                    <a:pt x="13230" y="0"/>
+                  </a:cubicBezTo>
+                  <a:close/>
+                </a:path>
+              </a:pathLst>
+            </a:custGeom>
+            <a:solidFill>
+              <a:srgbClr val="00B050"/>
+            </a:solidFill>
+            <a:ln w="12700" cap="flat">
+              <a:noFill/>
+              <a:miter lim="400000"/>
+            </a:ln>
+            <a:effectLst/>
+          </p:spPr>
+          <p:txBody>
+            <a:bodyPr wrap="square" lIns="45718" tIns="45718" rIns="45718" bIns="45718" numCol="1" anchor="ctr">
+              <a:noAutofit/>
+            </a:bodyPr>
+            <a:lstStyle/>
+            <a:p>
+              <a:pPr algn="ctr">
+                <a:defRPr>
+                  <a:latin typeface="+mn-lt"/>
+                  <a:ea typeface="+mn-ea"/>
+                  <a:cs typeface="+mn-cs"/>
+                  <a:sym typeface="Calibri"/>
+                </a:defRPr>
+              </a:pPr>
+              <a:endParaRPr/>
+            </a:p>
+          </p:txBody>
+        </p:sp>
+        <p:sp>
+          <p:nvSpPr>
+            <p:cNvPr id="74" name="TextBox 45"/>
+            <p:cNvSpPr txBox="1"/>
+            <p:nvPr/>
+          </p:nvSpPr>
+          <p:spPr>
+            <a:xfrm>
+              <a:off x="5312201" y="2356018"/>
+              <a:ext cx="852551" cy="333086"/>
+            </a:xfrm>
+            <a:prstGeom prst="rect">
+              <a:avLst/>
+            </a:prstGeom>
+            <a:noFill/>
+            <a:ln w="12700" cap="flat">
+              <a:noFill/>
+              <a:miter lim="400000"/>
+            </a:ln>
+            <a:effectLst/>
+            <a:extLst>
+              <a:ext uri="{C572A759-6A51-4108-AA02-DFA0A04FC94B}">
+                <ma14:wrappingTextBoxFlag xmlns:ma14="http://schemas.microsoft.com/office/mac/drawingml/2011/main" xmlns:a14="http://schemas.microsoft.com/office/drawing/2010/main" xmlns:m="http://schemas.openxmlformats.org/officeDocument/2006/math" xmlns="" val="1"/>
+              </a:ext>
+            </a:extLst>
+          </p:spPr>
+          <p:txBody>
+            <a:bodyPr wrap="square" lIns="45718" tIns="45718" rIns="45718" bIns="45718" numCol="1" anchor="t">
+              <a:spAutoFit/>
+            </a:bodyPr>
+            <a:lstStyle>
+              <a:lvl1pPr algn="ctr">
+                <a:defRPr b="1">
+                  <a:solidFill>
+                    <a:srgbClr val="404040"/>
+                  </a:solidFill>
+                  <a:latin typeface="+mn-lt"/>
+                  <a:ea typeface="+mn-ea"/>
+                  <a:cs typeface="+mn-cs"/>
+                  <a:sym typeface="Calibri"/>
+                </a:defRPr>
+              </a:lvl1pPr>
+            </a:lstStyle>
+            <a:p>
+              <a:r>
+                <a:t>CONS</a:t>
+              </a:r>
+            </a:p>
+          </p:txBody>
+        </p:sp>
+        <p:sp>
+          <p:nvSpPr>
+            <p:cNvPr id="75" name="Freeform: Shape 50"/>
+            <p:cNvSpPr/>
+            <p:nvPr/>
+          </p:nvSpPr>
+          <p:spPr>
+            <a:xfrm rot="10800000" flipH="1">
+              <a:off x="5449485" y="1654615"/>
+              <a:ext cx="577986" cy="505738"/>
+            </a:xfrm>
+            <a:custGeom>
+              <a:avLst/>
+              <a:gdLst/>
+              <a:ahLst/>
+              <a:cxnLst>
+                <a:cxn ang="0">
+                  <a:pos x="wd2" y="hd2"/>
+                </a:cxn>
+                <a:cxn ang="5400000">
+                  <a:pos x="wd2" y="hd2"/>
+                </a:cxn>
+                <a:cxn ang="10800000">
+                  <a:pos x="wd2" y="hd2"/>
+                </a:cxn>
+                <a:cxn ang="16200000">
+                  <a:pos x="wd2" y="hd2"/>
+                </a:cxn>
+              </a:cxnLst>
+              <a:rect l="0" t="0" r="r" b="b"/>
+              <a:pathLst>
+                <a:path w="21600" h="21600" extrusionOk="0">
+                  <a:moveTo>
+                    <a:pt x="0" y="7714"/>
+                  </a:moveTo>
+                  <a:lnTo>
+                    <a:pt x="4050" y="7714"/>
+                  </a:lnTo>
+                  <a:cubicBezTo>
+                    <a:pt x="4644" y="7714"/>
+                    <a:pt x="5130" y="8270"/>
+                    <a:pt x="5130" y="8949"/>
+                  </a:cubicBezTo>
+                  <a:lnTo>
+                    <a:pt x="5130" y="19440"/>
+                  </a:lnTo>
+                  <a:cubicBezTo>
+                    <a:pt x="5130" y="20119"/>
+                    <a:pt x="4644" y="20674"/>
+                    <a:pt x="4050" y="20674"/>
+                  </a:cubicBezTo>
+                  <a:lnTo>
+                    <a:pt x="0" y="20674"/>
+                  </a:lnTo>
+                  <a:close/>
+                  <a:moveTo>
+                    <a:pt x="13230" y="0"/>
+                  </a:moveTo>
+                  <a:cubicBezTo>
+                    <a:pt x="14121" y="0"/>
+                    <a:pt x="14850" y="833"/>
+                    <a:pt x="14850" y="1851"/>
+                  </a:cubicBezTo>
+                  <a:cubicBezTo>
+                    <a:pt x="14850" y="6079"/>
+                    <a:pt x="14067" y="7190"/>
+                    <a:pt x="14040" y="7745"/>
+                  </a:cubicBezTo>
+                  <a:cubicBezTo>
+                    <a:pt x="14067" y="8239"/>
+                    <a:pt x="14418" y="8640"/>
+                    <a:pt x="14850" y="8640"/>
+                  </a:cubicBezTo>
+                  <a:lnTo>
+                    <a:pt x="19980" y="8640"/>
+                  </a:lnTo>
+                  <a:cubicBezTo>
+                    <a:pt x="20871" y="8640"/>
+                    <a:pt x="21600" y="9473"/>
+                    <a:pt x="21600" y="10491"/>
+                  </a:cubicBezTo>
+                  <a:cubicBezTo>
+                    <a:pt x="21600" y="11294"/>
+                    <a:pt x="21168" y="11973"/>
+                    <a:pt x="20547" y="12219"/>
+                  </a:cubicBezTo>
+                  <a:cubicBezTo>
+                    <a:pt x="20871" y="12559"/>
+                    <a:pt x="21060" y="13053"/>
+                    <a:pt x="21060" y="13577"/>
+                  </a:cubicBezTo>
+                  <a:cubicBezTo>
+                    <a:pt x="21060" y="14441"/>
+                    <a:pt x="20520" y="15182"/>
+                    <a:pt x="19791" y="15367"/>
+                  </a:cubicBezTo>
+                  <a:cubicBezTo>
+                    <a:pt x="20088" y="15706"/>
+                    <a:pt x="20250" y="16169"/>
+                    <a:pt x="20250" y="16663"/>
+                  </a:cubicBezTo>
+                  <a:cubicBezTo>
+                    <a:pt x="20250" y="17681"/>
+                    <a:pt x="19521" y="18514"/>
+                    <a:pt x="18630" y="18514"/>
+                  </a:cubicBezTo>
+                  <a:cubicBezTo>
+                    <a:pt x="18576" y="18514"/>
+                    <a:pt x="18522" y="18514"/>
+                    <a:pt x="18468" y="18514"/>
+                  </a:cubicBezTo>
+                  <a:cubicBezTo>
+                    <a:pt x="18738" y="18823"/>
+                    <a:pt x="18900" y="19255"/>
+                    <a:pt x="18900" y="19749"/>
+                  </a:cubicBezTo>
+                  <a:cubicBezTo>
+                    <a:pt x="18900" y="20767"/>
+                    <a:pt x="18171" y="21600"/>
+                    <a:pt x="17280" y="21600"/>
+                  </a:cubicBezTo>
+                  <a:cubicBezTo>
+                    <a:pt x="17280" y="21600"/>
+                    <a:pt x="13635" y="21600"/>
+                    <a:pt x="12420" y="21600"/>
+                  </a:cubicBezTo>
+                  <a:cubicBezTo>
+                    <a:pt x="8802" y="21600"/>
+                    <a:pt x="8667" y="19131"/>
+                    <a:pt x="6750" y="19131"/>
+                  </a:cubicBezTo>
+                  <a:lnTo>
+                    <a:pt x="6750" y="9257"/>
+                  </a:lnTo>
+                  <a:cubicBezTo>
+                    <a:pt x="6831" y="9195"/>
+                    <a:pt x="11610" y="6542"/>
+                    <a:pt x="11610" y="1851"/>
+                  </a:cubicBezTo>
+                  <a:cubicBezTo>
+                    <a:pt x="11610" y="833"/>
+                    <a:pt x="12339" y="0"/>
+                    <a:pt x="13230" y="0"/>
+                  </a:cubicBezTo>
+                  <a:close/>
+                </a:path>
+              </a:pathLst>
+            </a:custGeom>
+            <a:solidFill>
+              <a:srgbClr val="FF0000"/>
+            </a:solidFill>
+            <a:ln w="12700" cap="flat">
+              <a:noFill/>
+              <a:miter lim="400000"/>
+            </a:ln>
+            <a:effectLst/>
+          </p:spPr>
+          <p:txBody>
+            <a:bodyPr wrap="square" lIns="45718" tIns="45718" rIns="45718" bIns="45718" numCol="1" anchor="ctr">
+              <a:noAutofit/>
+            </a:bodyPr>
+            <a:lstStyle/>
+            <a:p>
+              <a:pPr>
+                <a:defRPr>
+                  <a:latin typeface="+mn-lt"/>
+                  <a:ea typeface="+mn-ea"/>
+                  <a:cs typeface="+mn-cs"/>
+                  <a:sym typeface="Calibri"/>
+                </a:defRPr>
+              </a:pPr>
+              <a:endParaRPr/>
+            </a:p>
+          </p:txBody>
+        </p:sp>
+        <p:sp>
+          <p:nvSpPr>
+            <p:cNvPr id="76" name="TextBox 54"/>
+            <p:cNvSpPr txBox="1"/>
+            <p:nvPr/>
+          </p:nvSpPr>
+          <p:spPr>
+            <a:xfrm>
+              <a:off x="311810" y="142442"/>
+              <a:ext cx="1961513" cy="1169546"/>
+            </a:xfrm>
+            <a:prstGeom prst="rect">
+              <a:avLst/>
+            </a:prstGeom>
+            <a:noFill/>
+            <a:ln w="12700" cap="flat">
+              <a:noFill/>
+              <a:miter lim="400000"/>
+            </a:ln>
+            <a:effectLst/>
+            <a:extLst>
+              <a:ext uri="{C572A759-6A51-4108-AA02-DFA0A04FC94B}">
+                <ma14:wrappingTextBoxFlag xmlns:ma14="http://schemas.microsoft.com/office/mac/drawingml/2011/main" xmlns:a14="http://schemas.microsoft.com/office/drawing/2010/main" xmlns:m="http://schemas.openxmlformats.org/officeDocument/2006/math" xmlns="" val="1"/>
+              </a:ext>
+            </a:extLst>
+          </p:spPr>
+          <p:txBody>
+            <a:bodyPr wrap="square" lIns="45718" tIns="45718" rIns="45718" bIns="45718" numCol="1" anchor="t">
+              <a:spAutoFit/>
+            </a:bodyPr>
+            <a:lstStyle>
+              <a:lvl1pPr algn="r">
+                <a:defRPr sz="1400" i="1">
+                  <a:solidFill>
+                    <a:srgbClr val="FFFFFF"/>
+                  </a:solidFill>
+                  <a:latin typeface="+mn-lt"/>
+                  <a:ea typeface="+mn-ea"/>
+                  <a:cs typeface="+mn-cs"/>
+                  <a:sym typeface="Calibri"/>
+                </a:defRPr>
+              </a:lvl1pPr>
+            </a:lstStyle>
+            <a:p>
+              <a:r>
+                <a:rPr lang="en-US" dirty="0">
+                  <a:latin typeface="Times New Roman" pitchFamily="18" charset="0"/>
+                  <a:cs typeface="Times New Roman" pitchFamily="18" charset="0"/>
+                </a:rPr>
+                <a:t>Centralized Platform: Provides a one-stop platform for property seekers and owners.</a:t>
+              </a:r>
+              <a:br>
+                <a:rPr lang="en-US" dirty="0">
+                  <a:latin typeface="Times New Roman" pitchFamily="18" charset="0"/>
+                  <a:cs typeface="Times New Roman" pitchFamily="18" charset="0"/>
+                </a:rPr>
+              </a:br>
+              <a:r>
+                <a:rPr dirty="0" smtClean="0"/>
+                <a:t>.</a:t>
+              </a:r>
+              <a:endParaRPr dirty="0"/>
+            </a:p>
+          </p:txBody>
+        </p:sp>
+        <p:sp>
+          <p:nvSpPr>
+            <p:cNvPr id="77" name="TextBox 55"/>
+            <p:cNvSpPr txBox="1"/>
+            <p:nvPr/>
+          </p:nvSpPr>
+          <p:spPr>
+            <a:xfrm>
+              <a:off x="-97445" y="1247640"/>
+              <a:ext cx="2370768" cy="1169546"/>
+            </a:xfrm>
+            <a:prstGeom prst="rect">
+              <a:avLst/>
+            </a:prstGeom>
+            <a:noFill/>
+            <a:ln w="12700" cap="flat">
+              <a:noFill/>
+              <a:miter lim="400000"/>
+            </a:ln>
+            <a:effectLst/>
+            <a:extLst>
+              <a:ext uri="{C572A759-6A51-4108-AA02-DFA0A04FC94B}">
+                <ma14:wrappingTextBoxFlag xmlns:ma14="http://schemas.microsoft.com/office/mac/drawingml/2011/main" xmlns:a14="http://schemas.microsoft.com/office/drawing/2010/main" xmlns:m="http://schemas.openxmlformats.org/officeDocument/2006/math" xmlns="" val="1"/>
+              </a:ext>
+            </a:extLst>
+          </p:spPr>
+          <p:txBody>
+            <a:bodyPr wrap="square" lIns="45718" tIns="45718" rIns="45718" bIns="45718" numCol="1" anchor="t">
+              <a:spAutoFit/>
+            </a:bodyPr>
+            <a:lstStyle>
+              <a:lvl1pPr algn="r">
+                <a:defRPr sz="1400" i="1">
+                  <a:solidFill>
+                    <a:srgbClr val="FFFFFF"/>
+                  </a:solidFill>
+                  <a:latin typeface="+mn-lt"/>
+                  <a:ea typeface="+mn-ea"/>
+                  <a:cs typeface="+mn-cs"/>
+                  <a:sym typeface="Calibri"/>
+                </a:defRPr>
+              </a:lvl1pPr>
+            </a:lstStyle>
+            <a:p>
+              <a:r>
+                <a:rPr lang="en-US" dirty="0">
+                  <a:latin typeface="Times New Roman" pitchFamily="18" charset="0"/>
+                  <a:cs typeface="Times New Roman" pitchFamily="18" charset="0"/>
+                </a:rPr>
+                <a:t>Efficient Search: Simplifies finding rental properties by offering filters and search options.</a:t>
+              </a:r>
+              <a:br>
+                <a:rPr lang="en-US" dirty="0">
+                  <a:latin typeface="Times New Roman" pitchFamily="18" charset="0"/>
+                  <a:cs typeface="Times New Roman" pitchFamily="18" charset="0"/>
+                </a:rPr>
+              </a:br>
+              <a:endParaRPr dirty="0"/>
+            </a:p>
+          </p:txBody>
+        </p:sp>
+        <p:sp>
+          <p:nvSpPr>
+            <p:cNvPr id="78" name="TextBox 56"/>
+            <p:cNvSpPr txBox="1"/>
+            <p:nvPr/>
+          </p:nvSpPr>
+          <p:spPr>
+            <a:xfrm>
+              <a:off x="38501" y="2352837"/>
+              <a:ext cx="1880033" cy="954103"/>
+            </a:xfrm>
+            <a:prstGeom prst="rect">
+              <a:avLst/>
+            </a:prstGeom>
+            <a:noFill/>
+            <a:ln w="12700" cap="flat">
+              <a:noFill/>
+              <a:miter lim="400000"/>
+            </a:ln>
+            <a:effectLst/>
+            <a:extLst>
+              <a:ext uri="{C572A759-6A51-4108-AA02-DFA0A04FC94B}">
+                <ma14:wrappingTextBoxFlag xmlns:ma14="http://schemas.microsoft.com/office/mac/drawingml/2011/main" xmlns:a14="http://schemas.microsoft.com/office/drawing/2010/main" xmlns:m="http://schemas.openxmlformats.org/officeDocument/2006/math" xmlns="" val="1"/>
+              </a:ext>
+            </a:extLst>
+          </p:spPr>
+          <p:txBody>
+            <a:bodyPr wrap="square" lIns="45718" tIns="45718" rIns="45718" bIns="45718" numCol="1" anchor="t">
+              <a:spAutoFit/>
+            </a:bodyPr>
+            <a:lstStyle>
+              <a:lvl1pPr algn="r">
+                <a:defRPr sz="1400" i="1">
+                  <a:solidFill>
+                    <a:srgbClr val="FFFFFF"/>
+                  </a:solidFill>
+                  <a:latin typeface="+mn-lt"/>
+                  <a:ea typeface="+mn-ea"/>
+                  <a:cs typeface="+mn-cs"/>
+                  <a:sym typeface="Calibri"/>
+                </a:defRPr>
+              </a:lvl1pPr>
+            </a:lstStyle>
+            <a:p>
+              <a:r>
+                <a:rPr lang="en-US" dirty="0">
+                  <a:latin typeface="Times New Roman" pitchFamily="18" charset="0"/>
+                  <a:cs typeface="Times New Roman" pitchFamily="18" charset="0"/>
+                </a:rPr>
+                <a:t>Digital Convenience: Allows users to access rental listings and communicate digitally</a:t>
+              </a:r>
+              <a:endParaRPr dirty="0"/>
+            </a:p>
+          </p:txBody>
+        </p:sp>
+        <p:sp>
+          <p:nvSpPr>
+            <p:cNvPr id="79" name="TextBox 57"/>
+            <p:cNvSpPr txBox="1"/>
+            <p:nvPr/>
+          </p:nvSpPr>
+          <p:spPr>
+            <a:xfrm>
+              <a:off x="311810" y="3458034"/>
+              <a:ext cx="1961513" cy="1384989"/>
+            </a:xfrm>
+            <a:prstGeom prst="rect">
+              <a:avLst/>
+            </a:prstGeom>
+            <a:noFill/>
+            <a:ln w="12700" cap="flat">
+              <a:noFill/>
+              <a:miter lim="400000"/>
+            </a:ln>
+            <a:effectLst/>
+            <a:extLst>
+              <a:ext uri="{C572A759-6A51-4108-AA02-DFA0A04FC94B}">
+                <ma14:wrappingTextBoxFlag xmlns:ma14="http://schemas.microsoft.com/office/mac/drawingml/2011/main" xmlns:a14="http://schemas.microsoft.com/office/drawing/2010/main" xmlns:m="http://schemas.openxmlformats.org/officeDocument/2006/math" xmlns="" val="1"/>
+              </a:ext>
+            </a:extLst>
+          </p:spPr>
+          <p:txBody>
+            <a:bodyPr wrap="square" lIns="45718" tIns="45718" rIns="45718" bIns="45718" numCol="1" anchor="t">
+              <a:spAutoFit/>
+            </a:bodyPr>
+            <a:lstStyle>
+              <a:lvl1pPr algn="r">
+                <a:defRPr sz="1400" i="1">
+                  <a:solidFill>
+                    <a:srgbClr val="FFFFFF"/>
+                  </a:solidFill>
+                  <a:latin typeface="+mn-lt"/>
+                  <a:ea typeface="+mn-ea"/>
+                  <a:cs typeface="+mn-cs"/>
+                  <a:sym typeface="Calibri"/>
+                </a:defRPr>
+              </a:lvl1pPr>
+            </a:lstStyle>
+            <a:p>
+              <a:r>
+                <a:rPr lang="en-US" dirty="0">
+                  <a:latin typeface="Times New Roman" pitchFamily="18" charset="0"/>
+                  <a:cs typeface="Times New Roman" pitchFamily="18" charset="0"/>
+                </a:rPr>
+                <a:t>Improved Market Insights: Collects data on user behavior, preferences, and market trends.</a:t>
+              </a:r>
+              <a:br>
+                <a:rPr lang="en-US" dirty="0">
+                  <a:latin typeface="Times New Roman" pitchFamily="18" charset="0"/>
+                  <a:cs typeface="Times New Roman" pitchFamily="18" charset="0"/>
+                </a:rPr>
+              </a:br>
+              <a:r>
+                <a:rPr dirty="0" smtClean="0"/>
+                <a:t>.</a:t>
+              </a:r>
+              <a:endParaRPr dirty="0"/>
+            </a:p>
+          </p:txBody>
+        </p:sp>
+        <p:sp>
+          <p:nvSpPr>
+            <p:cNvPr id="80" name="TextBox 58"/>
+            <p:cNvSpPr txBox="1"/>
+            <p:nvPr/>
+          </p:nvSpPr>
+          <p:spPr>
+            <a:xfrm>
+              <a:off x="7578569" y="142442"/>
+              <a:ext cx="1961514" cy="1169547"/>
+            </a:xfrm>
+            <a:prstGeom prst="rect">
+              <a:avLst/>
+            </a:prstGeom>
+            <a:noFill/>
+            <a:ln w="12700" cap="flat">
+              <a:noFill/>
+              <a:miter lim="400000"/>
+            </a:ln>
+            <a:effectLst/>
+            <a:extLst>
+              <a:ext uri="{C572A759-6A51-4108-AA02-DFA0A04FC94B}">
+                <ma14:wrappingTextBoxFlag xmlns:ma14="http://schemas.microsoft.com/office/mac/drawingml/2011/main" xmlns:a14="http://schemas.microsoft.com/office/drawing/2010/main" xmlns:m="http://schemas.openxmlformats.org/officeDocument/2006/math" xmlns="" val="1"/>
+              </a:ext>
+            </a:extLst>
+          </p:spPr>
+          <p:txBody>
+            <a:bodyPr wrap="square" lIns="45718" tIns="45718" rIns="45718" bIns="45718" numCol="1" anchor="t">
+              <a:spAutoFit/>
+            </a:bodyPr>
+            <a:lstStyle>
+              <a:lvl1pPr>
+                <a:defRPr sz="1400" i="1">
+                  <a:solidFill>
+                    <a:srgbClr val="FFFFFF"/>
+                  </a:solidFill>
+                  <a:latin typeface="+mn-lt"/>
+                  <a:ea typeface="+mn-ea"/>
+                  <a:cs typeface="+mn-cs"/>
+                  <a:sym typeface="Calibri"/>
+                </a:defRPr>
+              </a:lvl1pPr>
+            </a:lstStyle>
+            <a:p>
+              <a:r>
+                <a:rPr lang="en-US" dirty="0">
+                  <a:latin typeface="Times New Roman" pitchFamily="18" charset="0"/>
+                  <a:cs typeface="Times New Roman" pitchFamily="18" charset="0"/>
+                </a:rPr>
+                <a:t>Data Security Risks: Managing personal data can expose risks of breaches.</a:t>
+              </a:r>
+              <a:br>
+                <a:rPr lang="en-US" dirty="0">
+                  <a:latin typeface="Times New Roman" pitchFamily="18" charset="0"/>
+                  <a:cs typeface="Times New Roman" pitchFamily="18" charset="0"/>
+                </a:rPr>
+              </a:br>
+              <a:r>
+                <a:rPr dirty="0" smtClean="0"/>
+                <a:t>.</a:t>
+              </a:r>
+              <a:endParaRPr dirty="0"/>
+            </a:p>
+          </p:txBody>
+        </p:sp>
+        <p:sp>
+          <p:nvSpPr>
+            <p:cNvPr id="81" name="TextBox 59"/>
+            <p:cNvSpPr txBox="1"/>
+            <p:nvPr/>
+          </p:nvSpPr>
+          <p:spPr>
+            <a:xfrm>
+              <a:off x="7988013" y="1247640"/>
+              <a:ext cx="2067669" cy="1169547"/>
+            </a:xfrm>
+            <a:prstGeom prst="rect">
+              <a:avLst/>
+            </a:prstGeom>
+            <a:noFill/>
+            <a:ln w="12700" cap="flat">
+              <a:noFill/>
+              <a:miter lim="400000"/>
+            </a:ln>
+            <a:effectLst/>
+            <a:extLst>
+              <a:ext uri="{C572A759-6A51-4108-AA02-DFA0A04FC94B}">
+                <ma14:wrappingTextBoxFlag xmlns:ma14="http://schemas.microsoft.com/office/mac/drawingml/2011/main" xmlns:a14="http://schemas.microsoft.com/office/drawing/2010/main" xmlns:m="http://schemas.openxmlformats.org/officeDocument/2006/math" xmlns="" val="1"/>
+              </a:ext>
+            </a:extLst>
+          </p:spPr>
+          <p:txBody>
+            <a:bodyPr wrap="square" lIns="45718" tIns="45718" rIns="45718" bIns="45718" numCol="1" anchor="t">
+              <a:spAutoFit/>
+            </a:bodyPr>
+            <a:lstStyle>
+              <a:lvl1pPr>
+                <a:defRPr sz="1400" i="1">
+                  <a:solidFill>
+                    <a:srgbClr val="FFFFFF"/>
+                  </a:solidFill>
+                  <a:latin typeface="+mn-lt"/>
+                  <a:ea typeface="+mn-ea"/>
+                  <a:cs typeface="+mn-cs"/>
+                  <a:sym typeface="Calibri"/>
+                </a:defRPr>
+              </a:lvl1pPr>
+            </a:lstStyle>
+            <a:p>
+              <a:r>
+                <a:rPr lang="en-US" dirty="0">
+                  <a:latin typeface="Times New Roman" pitchFamily="18" charset="0"/>
+                  <a:cs typeface="Times New Roman" pitchFamily="18" charset="0"/>
+                </a:rPr>
+                <a:t>High Competition: Market has many established platforms, making differentiation difficult.</a:t>
+              </a:r>
+              <a:br>
+                <a:rPr lang="en-US" dirty="0">
+                  <a:latin typeface="Times New Roman" pitchFamily="18" charset="0"/>
+                  <a:cs typeface="Times New Roman" pitchFamily="18" charset="0"/>
+                </a:rPr>
+              </a:br>
+              <a:endParaRPr dirty="0"/>
+            </a:p>
+          </p:txBody>
+        </p:sp>
+        <p:sp>
+          <p:nvSpPr>
+            <p:cNvPr id="82" name="TextBox 60"/>
+            <p:cNvSpPr txBox="1"/>
+            <p:nvPr/>
+          </p:nvSpPr>
+          <p:spPr>
+            <a:xfrm>
+              <a:off x="7751426" y="2380139"/>
+              <a:ext cx="2107051" cy="1169547"/>
+            </a:xfrm>
+            <a:prstGeom prst="rect">
+              <a:avLst/>
+            </a:prstGeom>
+            <a:noFill/>
+            <a:ln w="12700" cap="flat">
+              <a:noFill/>
+              <a:miter lim="400000"/>
+            </a:ln>
+            <a:effectLst/>
+            <a:extLst>
+              <a:ext uri="{C572A759-6A51-4108-AA02-DFA0A04FC94B}">
+                <ma14:wrappingTextBoxFlag xmlns:ma14="http://schemas.microsoft.com/office/mac/drawingml/2011/main" xmlns:a14="http://schemas.microsoft.com/office/drawing/2010/main" xmlns:m="http://schemas.openxmlformats.org/officeDocument/2006/math" xmlns="" val="1"/>
+              </a:ext>
+            </a:extLst>
+          </p:spPr>
+          <p:txBody>
+            <a:bodyPr wrap="square" lIns="45718" tIns="45718" rIns="45718" bIns="45718" numCol="1" anchor="t">
+              <a:spAutoFit/>
+            </a:bodyPr>
+            <a:lstStyle>
+              <a:lvl1pPr>
+                <a:defRPr sz="1400" i="1">
+                  <a:solidFill>
+                    <a:srgbClr val="FFFFFF"/>
+                  </a:solidFill>
+                  <a:latin typeface="+mn-lt"/>
+                  <a:ea typeface="+mn-ea"/>
+                  <a:cs typeface="+mn-cs"/>
+                  <a:sym typeface="Calibri"/>
+                </a:defRPr>
+              </a:lvl1pPr>
+            </a:lstStyle>
+            <a:p>
+              <a:r>
+                <a:rPr lang="en-US" dirty="0">
+                  <a:latin typeface="Times New Roman" pitchFamily="18" charset="0"/>
+                  <a:cs typeface="Times New Roman" pitchFamily="18" charset="0"/>
+                </a:rPr>
+                <a:t>Ongoing Maintenance: Requires regular updates, security patches, and customer support.</a:t>
+              </a:r>
+              <a:br>
+                <a:rPr lang="en-US" dirty="0">
+                  <a:latin typeface="Times New Roman" pitchFamily="18" charset="0"/>
+                  <a:cs typeface="Times New Roman" pitchFamily="18" charset="0"/>
+                </a:rPr>
+              </a:br>
+              <a:endParaRPr dirty="0"/>
+            </a:p>
+          </p:txBody>
+        </p:sp>
+        <p:sp>
+          <p:nvSpPr>
+            <p:cNvPr id="83" name="TextBox 61"/>
+            <p:cNvSpPr txBox="1"/>
+            <p:nvPr/>
+          </p:nvSpPr>
+          <p:spPr>
+            <a:xfrm>
+              <a:off x="7578569" y="3458034"/>
+              <a:ext cx="1961514" cy="1384989"/>
+            </a:xfrm>
+            <a:prstGeom prst="rect">
+              <a:avLst/>
+            </a:prstGeom>
+            <a:noFill/>
+            <a:ln w="12700" cap="flat">
+              <a:noFill/>
+              <a:miter lim="400000"/>
+            </a:ln>
+            <a:effectLst/>
+            <a:extLst>
+              <a:ext uri="{C572A759-6A51-4108-AA02-DFA0A04FC94B}">
+                <ma14:wrappingTextBoxFlag xmlns:ma14="http://schemas.microsoft.com/office/mac/drawingml/2011/main" xmlns:a14="http://schemas.microsoft.com/office/drawing/2010/main" xmlns:m="http://schemas.openxmlformats.org/officeDocument/2006/math" xmlns="" val="1"/>
+              </a:ext>
+            </a:extLst>
+          </p:spPr>
+          <p:txBody>
+            <a:bodyPr wrap="square" lIns="45718" tIns="45718" rIns="45718" bIns="45718" numCol="1" anchor="t">
+              <a:spAutoFit/>
+            </a:bodyPr>
+            <a:lstStyle>
+              <a:lvl1pPr>
+                <a:defRPr sz="1400" i="1">
+                  <a:solidFill>
+                    <a:srgbClr val="FFFFFF"/>
+                  </a:solidFill>
+                  <a:latin typeface="+mn-lt"/>
+                  <a:ea typeface="+mn-ea"/>
+                  <a:cs typeface="+mn-cs"/>
+                  <a:sym typeface="Calibri"/>
+                </a:defRPr>
+              </a:lvl1pPr>
+            </a:lstStyle>
+            <a:p>
+              <a:r>
+                <a:rPr lang="en-US" dirty="0">
+                  <a:latin typeface="Times New Roman" pitchFamily="18" charset="0"/>
+                  <a:cs typeface="Times New Roman" pitchFamily="18" charset="0"/>
+                </a:rPr>
+                <a:t>Technical Challenges: Integration with third-party services (e.g., maps, payments) adds complexity.</a:t>
+              </a:r>
+              <a:br>
+                <a:rPr lang="en-US" dirty="0">
+                  <a:latin typeface="Times New Roman" pitchFamily="18" charset="0"/>
+                  <a:cs typeface="Times New Roman" pitchFamily="18" charset="0"/>
+                </a:rPr>
+              </a:br>
+              <a:endParaRPr dirty="0"/>
+            </a:p>
+          </p:txBody>
+        </p:sp>
+        <p:sp>
+          <p:nvSpPr>
+            <p:cNvPr id="84" name="TextBox 5"/>
+            <p:cNvSpPr txBox="1"/>
+            <p:nvPr/>
+          </p:nvSpPr>
+          <p:spPr>
+            <a:xfrm>
+              <a:off x="2884533" y="231003"/>
+              <a:ext cx="413106" cy="392468"/>
+            </a:xfrm>
+            <a:prstGeom prst="rect">
+              <a:avLst/>
+            </a:prstGeom>
+            <a:noFill/>
+            <a:ln w="12700" cap="flat">
+              <a:noFill/>
+              <a:miter lim="400000"/>
+            </a:ln>
+            <a:effectLst/>
+            <a:extLst>
+              <a:ext uri="{C572A759-6A51-4108-AA02-DFA0A04FC94B}">
+                <ma14:wrappingTextBoxFlag xmlns:ma14="http://schemas.microsoft.com/office/mac/drawingml/2011/main" xmlns:a14="http://schemas.microsoft.com/office/drawing/2010/main" xmlns:m="http://schemas.openxmlformats.org/officeDocument/2006/math" xmlns="" val="1"/>
+              </a:ext>
+            </a:extLst>
+          </p:spPr>
+          <p:txBody>
+            <a:bodyPr wrap="none" lIns="45718" tIns="45718" rIns="45718" bIns="45718" numCol="1" anchor="t">
+              <a:spAutoFit/>
+            </a:bodyPr>
+            <a:lstStyle>
+              <a:lvl1pPr algn="ctr">
+                <a:defRPr sz="2400" b="1">
+                  <a:solidFill>
+                    <a:srgbClr val="FFFFFF"/>
+                  </a:solidFill>
+                  <a:latin typeface="+mn-lt"/>
+                  <a:ea typeface="+mn-ea"/>
+                  <a:cs typeface="+mn-cs"/>
+                  <a:sym typeface="Calibri"/>
+                </a:defRPr>
+              </a:lvl1pPr>
+            </a:lstStyle>
+            <a:p>
+              <a:r>
+                <a:t>01</a:t>
+              </a:r>
+            </a:p>
+          </p:txBody>
+        </p:sp>
+        <p:sp>
+          <p:nvSpPr>
+            <p:cNvPr id="85" name="TextBox 6"/>
+            <p:cNvSpPr txBox="1"/>
+            <p:nvPr/>
+          </p:nvSpPr>
+          <p:spPr>
+            <a:xfrm>
+              <a:off x="6563402" y="231003"/>
+              <a:ext cx="413107" cy="392468"/>
+            </a:xfrm>
+            <a:prstGeom prst="rect">
+              <a:avLst/>
+            </a:prstGeom>
+            <a:noFill/>
+            <a:ln w="12700" cap="flat">
+              <a:noFill/>
+              <a:miter lim="400000"/>
+            </a:ln>
+            <a:effectLst/>
+            <a:extLst>
+              <a:ext uri="{C572A759-6A51-4108-AA02-DFA0A04FC94B}">
+                <ma14:wrappingTextBoxFlag xmlns:ma14="http://schemas.microsoft.com/office/mac/drawingml/2011/main" xmlns:a14="http://schemas.microsoft.com/office/drawing/2010/main" xmlns:m="http://schemas.openxmlformats.org/officeDocument/2006/math" xmlns="" val="1"/>
+              </a:ext>
+            </a:extLst>
+          </p:spPr>
+          <p:txBody>
+            <a:bodyPr wrap="none" lIns="45718" tIns="45718" rIns="45718" bIns="45718" numCol="1" anchor="t">
+              <a:spAutoFit/>
+            </a:bodyPr>
+            <a:lstStyle>
+              <a:lvl1pPr algn="ctr">
+                <a:defRPr sz="2400" b="1">
+                  <a:solidFill>
+                    <a:srgbClr val="FFFFFF"/>
+                  </a:solidFill>
+                  <a:latin typeface="+mn-lt"/>
+                  <a:ea typeface="+mn-ea"/>
+                  <a:cs typeface="+mn-cs"/>
+                  <a:sym typeface="Calibri"/>
+                </a:defRPr>
+              </a:lvl1pPr>
+            </a:lstStyle>
+            <a:p>
+              <a:r>
+                <a:t>01</a:t>
+              </a:r>
+            </a:p>
+          </p:txBody>
+        </p:sp>
+        <p:sp>
+          <p:nvSpPr>
+            <p:cNvPr id="86" name="TextBox 7"/>
+            <p:cNvSpPr txBox="1"/>
+            <p:nvPr/>
+          </p:nvSpPr>
+          <p:spPr>
+            <a:xfrm>
+              <a:off x="2374930" y="1388494"/>
+              <a:ext cx="413106" cy="392469"/>
+            </a:xfrm>
+            <a:prstGeom prst="rect">
+              <a:avLst/>
+            </a:prstGeom>
+            <a:noFill/>
+            <a:ln w="12700" cap="flat">
+              <a:noFill/>
+              <a:miter lim="400000"/>
+            </a:ln>
+            <a:effectLst/>
+            <a:extLst>
+              <a:ext uri="{C572A759-6A51-4108-AA02-DFA0A04FC94B}">
+                <ma14:wrappingTextBoxFlag xmlns:ma14="http://schemas.microsoft.com/office/mac/drawingml/2011/main" xmlns:a14="http://schemas.microsoft.com/office/drawing/2010/main" xmlns:m="http://schemas.openxmlformats.org/officeDocument/2006/math" xmlns="" val="1"/>
+              </a:ext>
+            </a:extLst>
+          </p:spPr>
+          <p:txBody>
+            <a:bodyPr wrap="none" lIns="45718" tIns="45718" rIns="45718" bIns="45718" numCol="1" anchor="t">
+              <a:spAutoFit/>
+            </a:bodyPr>
+            <a:lstStyle>
+              <a:lvl1pPr algn="ctr">
+                <a:defRPr sz="2400" b="1">
+                  <a:solidFill>
+                    <a:srgbClr val="FFFFFF"/>
+                  </a:solidFill>
+                  <a:latin typeface="+mn-lt"/>
+                  <a:ea typeface="+mn-ea"/>
+                  <a:cs typeface="+mn-cs"/>
+                  <a:sym typeface="Calibri"/>
+                </a:defRPr>
+              </a:lvl1pPr>
+            </a:lstStyle>
+            <a:p>
+              <a:r>
+                <a:t>02</a:t>
+              </a:r>
+            </a:p>
+          </p:txBody>
+        </p:sp>
+        <p:sp>
+          <p:nvSpPr>
+            <p:cNvPr id="87" name="TextBox 8"/>
+            <p:cNvSpPr txBox="1"/>
+            <p:nvPr/>
+          </p:nvSpPr>
+          <p:spPr>
+            <a:xfrm>
+              <a:off x="7098793" y="1361757"/>
+              <a:ext cx="413107" cy="392469"/>
+            </a:xfrm>
+            <a:prstGeom prst="rect">
+              <a:avLst/>
+            </a:prstGeom>
+            <a:noFill/>
+            <a:ln w="12700" cap="flat">
+              <a:noFill/>
+              <a:miter lim="400000"/>
+            </a:ln>
+            <a:effectLst/>
+            <a:extLst>
+              <a:ext uri="{C572A759-6A51-4108-AA02-DFA0A04FC94B}">
+                <ma14:wrappingTextBoxFlag xmlns:ma14="http://schemas.microsoft.com/office/mac/drawingml/2011/main" xmlns:a14="http://schemas.microsoft.com/office/drawing/2010/main" xmlns:m="http://schemas.openxmlformats.org/officeDocument/2006/math" xmlns="" val="1"/>
+              </a:ext>
+            </a:extLst>
+          </p:spPr>
+          <p:txBody>
+            <a:bodyPr wrap="none" lIns="45718" tIns="45718" rIns="45718" bIns="45718" numCol="1" anchor="t">
+              <a:spAutoFit/>
+            </a:bodyPr>
+            <a:lstStyle>
+              <a:lvl1pPr algn="ctr">
+                <a:defRPr sz="2400" b="1">
+                  <a:solidFill>
+                    <a:srgbClr val="FFFFFF"/>
+                  </a:solidFill>
+                  <a:latin typeface="+mn-lt"/>
+                  <a:ea typeface="+mn-ea"/>
+                  <a:cs typeface="+mn-cs"/>
+                  <a:sym typeface="Calibri"/>
+                </a:defRPr>
+              </a:lvl1pPr>
+            </a:lstStyle>
+            <a:p>
+              <a:r>
+                <a:t>02</a:t>
+              </a:r>
+            </a:p>
+          </p:txBody>
+        </p:sp>
+        <p:sp>
+          <p:nvSpPr>
+            <p:cNvPr id="88" name="TextBox 10"/>
+            <p:cNvSpPr txBox="1"/>
+            <p:nvPr/>
+          </p:nvSpPr>
+          <p:spPr>
+            <a:xfrm>
+              <a:off x="2347471" y="2546550"/>
+              <a:ext cx="413106" cy="392468"/>
+            </a:xfrm>
+            <a:prstGeom prst="rect">
+              <a:avLst/>
+            </a:prstGeom>
+            <a:noFill/>
+            <a:ln w="12700" cap="flat">
+              <a:noFill/>
+              <a:miter lim="400000"/>
+            </a:ln>
+            <a:effectLst/>
+            <a:extLst>
+              <a:ext uri="{C572A759-6A51-4108-AA02-DFA0A04FC94B}">
+                <ma14:wrappingTextBoxFlag xmlns:ma14="http://schemas.microsoft.com/office/mac/drawingml/2011/main" xmlns:a14="http://schemas.microsoft.com/office/drawing/2010/main" xmlns:m="http://schemas.openxmlformats.org/officeDocument/2006/math" xmlns="" val="1"/>
+              </a:ext>
+            </a:extLst>
+          </p:spPr>
+          <p:txBody>
+            <a:bodyPr wrap="none" lIns="45718" tIns="45718" rIns="45718" bIns="45718" numCol="1" anchor="t">
+              <a:spAutoFit/>
+            </a:bodyPr>
+            <a:lstStyle>
+              <a:lvl1pPr algn="ctr">
+                <a:defRPr sz="2400" b="1">
+                  <a:solidFill>
+                    <a:srgbClr val="FFFFFF"/>
+                  </a:solidFill>
+                  <a:latin typeface="+mn-lt"/>
+                  <a:ea typeface="+mn-ea"/>
+                  <a:cs typeface="+mn-cs"/>
+                  <a:sym typeface="Calibri"/>
+                </a:defRPr>
+              </a:lvl1pPr>
+            </a:lstStyle>
+            <a:p>
+              <a:r>
+                <a:t>03</a:t>
+              </a:r>
+            </a:p>
+          </p:txBody>
+        </p:sp>
+        <p:sp>
+          <p:nvSpPr>
+            <p:cNvPr id="89" name="TextBox 11"/>
+            <p:cNvSpPr txBox="1"/>
+            <p:nvPr/>
+          </p:nvSpPr>
+          <p:spPr>
+            <a:xfrm>
+              <a:off x="7081413" y="2546550"/>
+              <a:ext cx="413106" cy="392468"/>
+            </a:xfrm>
+            <a:prstGeom prst="rect">
+              <a:avLst/>
+            </a:prstGeom>
+            <a:noFill/>
+            <a:ln w="12700" cap="flat">
+              <a:noFill/>
+              <a:miter lim="400000"/>
+            </a:ln>
+            <a:effectLst/>
+            <a:extLst>
+              <a:ext uri="{C572A759-6A51-4108-AA02-DFA0A04FC94B}">
+                <ma14:wrappingTextBoxFlag xmlns:ma14="http://schemas.microsoft.com/office/mac/drawingml/2011/main" xmlns:a14="http://schemas.microsoft.com/office/drawing/2010/main" xmlns:m="http://schemas.openxmlformats.org/officeDocument/2006/math" xmlns="" val="1"/>
+              </a:ext>
+            </a:extLst>
+          </p:spPr>
+          <p:txBody>
+            <a:bodyPr wrap="none" lIns="45718" tIns="45718" rIns="45718" bIns="45718" numCol="1" anchor="t">
+              <a:spAutoFit/>
+            </a:bodyPr>
+            <a:lstStyle>
+              <a:lvl1pPr algn="ctr">
+                <a:defRPr sz="2400" b="1">
+                  <a:solidFill>
+                    <a:srgbClr val="FFFFFF"/>
+                  </a:solidFill>
+                  <a:latin typeface="+mn-lt"/>
+                  <a:ea typeface="+mn-ea"/>
+                  <a:cs typeface="+mn-cs"/>
+                  <a:sym typeface="Calibri"/>
+                </a:defRPr>
+              </a:lvl1pPr>
+            </a:lstStyle>
+            <a:p>
+              <a:r>
+                <a:t>03</a:t>
+              </a:r>
+            </a:p>
+          </p:txBody>
+        </p:sp>
+        <p:sp>
+          <p:nvSpPr>
+            <p:cNvPr id="90" name="TextBox 12"/>
+            <p:cNvSpPr txBox="1"/>
+            <p:nvPr/>
+          </p:nvSpPr>
+          <p:spPr>
+            <a:xfrm>
+              <a:off x="6589243" y="3715551"/>
+              <a:ext cx="413107" cy="392469"/>
+            </a:xfrm>
+            <a:prstGeom prst="rect">
+              <a:avLst/>
+            </a:prstGeom>
+            <a:noFill/>
+            <a:ln w="12700" cap="flat">
+              <a:noFill/>
+              <a:miter lim="400000"/>
+            </a:ln>
+            <a:effectLst/>
+            <a:extLst>
+              <a:ext uri="{C572A759-6A51-4108-AA02-DFA0A04FC94B}">
+                <ma14:wrappingTextBoxFlag xmlns:ma14="http://schemas.microsoft.com/office/mac/drawingml/2011/main" xmlns:a14="http://schemas.microsoft.com/office/drawing/2010/main" xmlns:m="http://schemas.openxmlformats.org/officeDocument/2006/math" xmlns="" val="1"/>
+              </a:ext>
+            </a:extLst>
+          </p:spPr>
+          <p:txBody>
+            <a:bodyPr wrap="none" lIns="45718" tIns="45718" rIns="45718" bIns="45718" numCol="1" anchor="t">
+              <a:spAutoFit/>
+            </a:bodyPr>
+            <a:lstStyle>
+              <a:lvl1pPr algn="ctr">
+                <a:defRPr sz="2400" b="1">
+                  <a:solidFill>
+                    <a:srgbClr val="FFFFFF"/>
+                  </a:solidFill>
+                  <a:latin typeface="+mn-lt"/>
+                  <a:ea typeface="+mn-ea"/>
+                  <a:cs typeface="+mn-cs"/>
+                  <a:sym typeface="Calibri"/>
+                </a:defRPr>
+              </a:lvl1pPr>
+            </a:lstStyle>
+            <a:p>
+              <a:r>
+                <a:t>04</a:t>
+              </a:r>
+            </a:p>
+          </p:txBody>
+        </p:sp>
+        <p:sp>
+          <p:nvSpPr>
+            <p:cNvPr id="91" name="TextBox 13"/>
+            <p:cNvSpPr txBox="1"/>
+            <p:nvPr/>
+          </p:nvSpPr>
+          <p:spPr>
+            <a:xfrm>
+              <a:off x="2884533" y="3665728"/>
+              <a:ext cx="413106" cy="392469"/>
+            </a:xfrm>
+            <a:prstGeom prst="rect">
+              <a:avLst/>
+            </a:prstGeom>
+            <a:noFill/>
+            <a:ln w="12700" cap="flat">
+              <a:noFill/>
+              <a:miter lim="400000"/>
+            </a:ln>
+            <a:effectLst/>
+            <a:extLst>
+              <a:ext uri="{C572A759-6A51-4108-AA02-DFA0A04FC94B}">
+                <ma14:wrappingTextBoxFlag xmlns:ma14="http://schemas.microsoft.com/office/mac/drawingml/2011/main" xmlns:a14="http://schemas.microsoft.com/office/drawing/2010/main" xmlns:m="http://schemas.openxmlformats.org/officeDocument/2006/math" xmlns="" val="1"/>
+              </a:ext>
+            </a:extLst>
+          </p:spPr>
+          <p:txBody>
+            <a:bodyPr wrap="none" lIns="45718" tIns="45718" rIns="45718" bIns="45718" numCol="1" anchor="t">
+              <a:spAutoFit/>
+            </a:bodyPr>
+            <a:lstStyle>
+              <a:lvl1pPr algn="ctr">
+                <a:defRPr sz="2400" b="1">
+                  <a:solidFill>
+                    <a:srgbClr val="FFFFFF"/>
+                  </a:solidFill>
+                  <a:latin typeface="+mn-lt"/>
+                  <a:ea typeface="+mn-ea"/>
+                  <a:cs typeface="+mn-cs"/>
+                  <a:sym typeface="Calibri"/>
+                </a:defRPr>
+              </a:lvl1pPr>
+            </a:lstStyle>
+            <a:p>
+              <a:r>
+                <a:t>04</a:t>
+              </a:r>
+            </a:p>
+          </p:txBody>
+        </p:sp>
+      </p:grpSp>
     </p:spTree>
   </p:cSld>
   <p:clrMapOvr>
     <a:masterClrMapping/>
   </p:clrMapOvr>
+  <p:transition spd="med"/>
 </p:sld>
 </file>
 
@@ -15303,4 +18503,1077 @@
   <a:objectDefaults/>
   <a:extraClrSchemeLst/>
 </a:theme>
+</file>
+
+<file path=ppt/theme/theme2.xml><?xml version="1.0" encoding="utf-8"?>
+<a:theme xmlns:a="http://schemas.openxmlformats.org/drawingml/2006/main" name="new-w-mc3">
+  <a:themeElements>
+    <a:clrScheme name="new-w-mc3">
+      <a:dk1>
+        <a:srgbClr val="000000"/>
+      </a:dk1>
+      <a:lt1>
+        <a:srgbClr val="FFFFFF"/>
+      </a:lt1>
+      <a:dk2>
+        <a:srgbClr val="A7A7A7"/>
+      </a:dk2>
+      <a:lt2>
+        <a:srgbClr val="535353"/>
+      </a:lt2>
+      <a:accent1>
+        <a:srgbClr val="0096FF"/>
+      </a:accent1>
+      <a:accent2>
+        <a:srgbClr val="FF2600"/>
+      </a:accent2>
+      <a:accent3>
+        <a:srgbClr val="FF9300"/>
+      </a:accent3>
+      <a:accent4>
+        <a:srgbClr val="92D050"/>
+      </a:accent4>
+      <a:accent5>
+        <a:srgbClr val="445469"/>
+      </a:accent5>
+      <a:accent6>
+        <a:srgbClr val="932092"/>
+      </a:accent6>
+      <a:hlink>
+        <a:srgbClr val="0000FF"/>
+      </a:hlink>
+      <a:folHlink>
+        <a:srgbClr val="FF00FF"/>
+      </a:folHlink>
+    </a:clrScheme>
+    <a:fontScheme name="new-w-mc3">
+      <a:majorFont>
+        <a:latin typeface="Helvetica"/>
+        <a:ea typeface="Helvetica"/>
+        <a:cs typeface="Helvetica"/>
+      </a:majorFont>
+      <a:minorFont>
+        <a:latin typeface="Calibri"/>
+        <a:ea typeface="Calibri"/>
+        <a:cs typeface="Calibri"/>
+      </a:minorFont>
+    </a:fontScheme>
+    <a:fmtScheme name="new-w-mc3">
+      <a:fillStyleLst>
+        <a:solidFill>
+          <a:schemeClr val="phClr"/>
+        </a:solidFill>
+        <a:gradFill rotWithShape="1">
+          <a:gsLst>
+            <a:gs pos="0">
+              <a:schemeClr val="phClr">
+                <a:tint val="50000"/>
+                <a:satMod val="300000"/>
+              </a:schemeClr>
+            </a:gs>
+            <a:gs pos="35000">
+              <a:schemeClr val="phClr">
+                <a:tint val="37000"/>
+                <a:satMod val="300000"/>
+              </a:schemeClr>
+            </a:gs>
+            <a:gs pos="100000">
+              <a:schemeClr val="phClr">
+                <a:tint val="15000"/>
+                <a:satMod val="350000"/>
+              </a:schemeClr>
+            </a:gs>
+          </a:gsLst>
+          <a:lin ang="16200000" scaled="1"/>
+        </a:gradFill>
+        <a:gradFill rotWithShape="1">
+          <a:gsLst>
+            <a:gs pos="0">
+              <a:schemeClr val="phClr">
+                <a:tint val="100000"/>
+                <a:shade val="100000"/>
+                <a:satMod val="129999"/>
+              </a:schemeClr>
+            </a:gs>
+            <a:gs pos="100000">
+              <a:schemeClr val="phClr">
+                <a:tint val="50000"/>
+                <a:shade val="100000"/>
+                <a:satMod val="350000"/>
+              </a:schemeClr>
+            </a:gs>
+          </a:gsLst>
+          <a:lin ang="16200000" scaled="0"/>
+        </a:gradFill>
+      </a:fillStyleLst>
+      <a:lnStyleLst>
+        <a:ln w="9525" cap="flat" cmpd="sng" algn="ctr">
+          <a:solidFill>
+            <a:schemeClr val="phClr">
+              <a:shade val="95000"/>
+              <a:satMod val="104999"/>
+            </a:schemeClr>
+          </a:solidFill>
+          <a:prstDash val="solid"/>
+        </a:ln>
+        <a:ln w="25400" cap="flat" cmpd="sng" algn="ctr">
+          <a:solidFill>
+            <a:schemeClr val="phClr"/>
+          </a:solidFill>
+          <a:prstDash val="solid"/>
+        </a:ln>
+        <a:ln w="38100" cap="flat" cmpd="sng" algn="ctr">
+          <a:solidFill>
+            <a:schemeClr val="phClr"/>
+          </a:solidFill>
+          <a:prstDash val="solid"/>
+        </a:ln>
+      </a:lnStyleLst>
+      <a:effectStyleLst>
+        <a:effectStyle>
+          <a:effectLst/>
+        </a:effectStyle>
+        <a:effectStyle>
+          <a:effectLst/>
+        </a:effectStyle>
+        <a:effectStyle>
+          <a:effectLst/>
+        </a:effectStyle>
+      </a:effectStyleLst>
+      <a:bgFillStyleLst>
+        <a:solidFill>
+          <a:schemeClr val="phClr"/>
+        </a:solidFill>
+        <a:gradFill rotWithShape="1">
+          <a:gsLst>
+            <a:gs pos="0">
+              <a:schemeClr val="phClr">
+                <a:tint val="40000"/>
+                <a:satMod val="350000"/>
+              </a:schemeClr>
+            </a:gs>
+            <a:gs pos="40000">
+              <a:schemeClr val="phClr">
+                <a:tint val="45000"/>
+                <a:shade val="99000"/>
+                <a:satMod val="350000"/>
+              </a:schemeClr>
+            </a:gs>
+            <a:gs pos="100000">
+              <a:schemeClr val="phClr">
+                <a:shade val="20000"/>
+                <a:satMod val="255000"/>
+              </a:schemeClr>
+            </a:gs>
+          </a:gsLst>
+          <a:path path="circle">
+            <a:fillToRect l="50000" t="-80000" r="50000" b="180000"/>
+          </a:path>
+        </a:gradFill>
+        <a:gradFill rotWithShape="1">
+          <a:gsLst>
+            <a:gs pos="0">
+              <a:schemeClr val="phClr">
+                <a:tint val="80000"/>
+                <a:satMod val="300000"/>
+              </a:schemeClr>
+            </a:gs>
+            <a:gs pos="100000">
+              <a:schemeClr val="phClr">
+                <a:shade val="30000"/>
+                <a:satMod val="200000"/>
+              </a:schemeClr>
+            </a:gs>
+          </a:gsLst>
+          <a:path path="circle">
+            <a:fillToRect l="50000" t="50000" r="50000" b="50000"/>
+          </a:path>
+        </a:gradFill>
+      </a:bgFillStyleLst>
+    </a:fmtScheme>
+  </a:themeElements>
+  <a:objectDefaults>
+    <a:spDef>
+      <a:spPr>
+        <a:solidFill>
+          <a:srgbClr val="FFFFFF"/>
+        </a:solidFill>
+        <a:ln w="25400" cap="flat">
+          <a:solidFill>
+            <a:schemeClr val="accent1"/>
+          </a:solidFill>
+          <a:prstDash val="solid"/>
+          <a:round/>
+        </a:ln>
+        <a:effectLst/>
+        <a:sp3d/>
+      </a:spPr>
+      <a:bodyPr rot="0" spcFirstLastPara="1" vertOverflow="overflow" horzOverflow="overflow" vert="horz" wrap="square" lIns="45718" tIns="45718" rIns="45718" bIns="45718" numCol="1" spcCol="38100" rtlCol="0" anchor="t">
+        <a:spAutoFit/>
+      </a:bodyPr>
+      <a:lstStyle>
+        <a:defPPr marL="0" marR="0" indent="0" algn="l" defTabSz="914400" rtl="0" fontAlgn="auto" latinLnBrk="0" hangingPunct="0">
+          <a:lnSpc>
+            <a:spcPct val="100000"/>
+          </a:lnSpc>
+          <a:spcBef>
+            <a:spcPts val="0"/>
+          </a:spcBef>
+          <a:spcAft>
+            <a:spcPts val="0"/>
+          </a:spcAft>
+          <a:buClrTx/>
+          <a:buSzTx/>
+          <a:buFontTx/>
+          <a:buNone/>
+          <a:tabLst/>
+          <a:defRPr kumimoji="0" sz="1800" b="0" i="0" u="none" strike="noStrike" cap="none" spc="0" normalizeH="0" baseline="0">
+            <a:ln>
+              <a:noFill/>
+            </a:ln>
+            <a:solidFill>
+              <a:srgbClr val="000000"/>
+            </a:solidFill>
+            <a:effectLst/>
+            <a:uFillTx/>
+            <a:latin typeface="+mj-lt"/>
+            <a:ea typeface="+mj-ea"/>
+            <a:cs typeface="+mj-cs"/>
+            <a:sym typeface="Helvetica"/>
+          </a:defRPr>
+        </a:defPPr>
+        <a:lvl1pPr marL="0" marR="0" indent="0" algn="l" defTabSz="914400" rtl="0" fontAlgn="auto" latinLnBrk="1" hangingPunct="0">
+          <a:lnSpc>
+            <a:spcPct val="100000"/>
+          </a:lnSpc>
+          <a:spcBef>
+            <a:spcPts val="0"/>
+          </a:spcBef>
+          <a:spcAft>
+            <a:spcPts val="0"/>
+          </a:spcAft>
+          <a:buClrTx/>
+          <a:buSzTx/>
+          <a:buFontTx/>
+          <a:buNone/>
+          <a:tabLst/>
+          <a:defRPr kumimoji="0" sz="1800" b="0" i="0" u="none" strike="noStrike" cap="none" spc="0" normalizeH="0" baseline="0">
+            <a:ln>
+              <a:noFill/>
+            </a:ln>
+            <a:solidFill>
+              <a:srgbClr val="000000"/>
+            </a:solidFill>
+            <a:effectLst/>
+            <a:uFillTx/>
+          </a:defRPr>
+        </a:lvl1pPr>
+        <a:lvl2pPr marL="0" marR="0" indent="0" algn="l" defTabSz="914400" rtl="0" fontAlgn="auto" latinLnBrk="1" hangingPunct="0">
+          <a:lnSpc>
+            <a:spcPct val="100000"/>
+          </a:lnSpc>
+          <a:spcBef>
+            <a:spcPts val="0"/>
+          </a:spcBef>
+          <a:spcAft>
+            <a:spcPts val="0"/>
+          </a:spcAft>
+          <a:buClrTx/>
+          <a:buSzTx/>
+          <a:buFontTx/>
+          <a:buNone/>
+          <a:tabLst/>
+          <a:defRPr kumimoji="0" sz="1800" b="0" i="0" u="none" strike="noStrike" cap="none" spc="0" normalizeH="0" baseline="0">
+            <a:ln>
+              <a:noFill/>
+            </a:ln>
+            <a:solidFill>
+              <a:srgbClr val="000000"/>
+            </a:solidFill>
+            <a:effectLst/>
+            <a:uFillTx/>
+          </a:defRPr>
+        </a:lvl2pPr>
+        <a:lvl3pPr marL="0" marR="0" indent="0" algn="l" defTabSz="914400" rtl="0" fontAlgn="auto" latinLnBrk="1" hangingPunct="0">
+          <a:lnSpc>
+            <a:spcPct val="100000"/>
+          </a:lnSpc>
+          <a:spcBef>
+            <a:spcPts val="0"/>
+          </a:spcBef>
+          <a:spcAft>
+            <a:spcPts val="0"/>
+          </a:spcAft>
+          <a:buClrTx/>
+          <a:buSzTx/>
+          <a:buFontTx/>
+          <a:buNone/>
+          <a:tabLst/>
+          <a:defRPr kumimoji="0" sz="1800" b="0" i="0" u="none" strike="noStrike" cap="none" spc="0" normalizeH="0" baseline="0">
+            <a:ln>
+              <a:noFill/>
+            </a:ln>
+            <a:solidFill>
+              <a:srgbClr val="000000"/>
+            </a:solidFill>
+            <a:effectLst/>
+            <a:uFillTx/>
+          </a:defRPr>
+        </a:lvl3pPr>
+        <a:lvl4pPr marL="0" marR="0" indent="0" algn="l" defTabSz="914400" rtl="0" fontAlgn="auto" latinLnBrk="1" hangingPunct="0">
+          <a:lnSpc>
+            <a:spcPct val="100000"/>
+          </a:lnSpc>
+          <a:spcBef>
+            <a:spcPts val="0"/>
+          </a:spcBef>
+          <a:spcAft>
+            <a:spcPts val="0"/>
+          </a:spcAft>
+          <a:buClrTx/>
+          <a:buSzTx/>
+          <a:buFontTx/>
+          <a:buNone/>
+          <a:tabLst/>
+          <a:defRPr kumimoji="0" sz="1800" b="0" i="0" u="none" strike="noStrike" cap="none" spc="0" normalizeH="0" baseline="0">
+            <a:ln>
+              <a:noFill/>
+            </a:ln>
+            <a:solidFill>
+              <a:srgbClr val="000000"/>
+            </a:solidFill>
+            <a:effectLst/>
+            <a:uFillTx/>
+          </a:defRPr>
+        </a:lvl4pPr>
+        <a:lvl5pPr marL="0" marR="0" indent="0" algn="l" defTabSz="914400" rtl="0" fontAlgn="auto" latinLnBrk="1" hangingPunct="0">
+          <a:lnSpc>
+            <a:spcPct val="100000"/>
+          </a:lnSpc>
+          <a:spcBef>
+            <a:spcPts val="0"/>
+          </a:spcBef>
+          <a:spcAft>
+            <a:spcPts val="0"/>
+          </a:spcAft>
+          <a:buClrTx/>
+          <a:buSzTx/>
+          <a:buFontTx/>
+          <a:buNone/>
+          <a:tabLst/>
+          <a:defRPr kumimoji="0" sz="1800" b="0" i="0" u="none" strike="noStrike" cap="none" spc="0" normalizeH="0" baseline="0">
+            <a:ln>
+              <a:noFill/>
+            </a:ln>
+            <a:solidFill>
+              <a:srgbClr val="000000"/>
+            </a:solidFill>
+            <a:effectLst/>
+            <a:uFillTx/>
+          </a:defRPr>
+        </a:lvl5pPr>
+        <a:lvl6pPr marL="0" marR="0" indent="0" algn="l" defTabSz="914400" rtl="0" fontAlgn="auto" latinLnBrk="1" hangingPunct="0">
+          <a:lnSpc>
+            <a:spcPct val="100000"/>
+          </a:lnSpc>
+          <a:spcBef>
+            <a:spcPts val="0"/>
+          </a:spcBef>
+          <a:spcAft>
+            <a:spcPts val="0"/>
+          </a:spcAft>
+          <a:buClrTx/>
+          <a:buSzTx/>
+          <a:buFontTx/>
+          <a:buNone/>
+          <a:tabLst/>
+          <a:defRPr kumimoji="0" sz="1800" b="0" i="0" u="none" strike="noStrike" cap="none" spc="0" normalizeH="0" baseline="0">
+            <a:ln>
+              <a:noFill/>
+            </a:ln>
+            <a:solidFill>
+              <a:srgbClr val="000000"/>
+            </a:solidFill>
+            <a:effectLst/>
+            <a:uFillTx/>
+          </a:defRPr>
+        </a:lvl6pPr>
+        <a:lvl7pPr marL="0" marR="0" indent="0" algn="l" defTabSz="914400" rtl="0" fontAlgn="auto" latinLnBrk="1" hangingPunct="0">
+          <a:lnSpc>
+            <a:spcPct val="100000"/>
+          </a:lnSpc>
+          <a:spcBef>
+            <a:spcPts val="0"/>
+          </a:spcBef>
+          <a:spcAft>
+            <a:spcPts val="0"/>
+          </a:spcAft>
+          <a:buClrTx/>
+          <a:buSzTx/>
+          <a:buFontTx/>
+          <a:buNone/>
+          <a:tabLst/>
+          <a:defRPr kumimoji="0" sz="1800" b="0" i="0" u="none" strike="noStrike" cap="none" spc="0" normalizeH="0" baseline="0">
+            <a:ln>
+              <a:noFill/>
+            </a:ln>
+            <a:solidFill>
+              <a:srgbClr val="000000"/>
+            </a:solidFill>
+            <a:effectLst/>
+            <a:uFillTx/>
+          </a:defRPr>
+        </a:lvl7pPr>
+        <a:lvl8pPr marL="0" marR="0" indent="0" algn="l" defTabSz="914400" rtl="0" fontAlgn="auto" latinLnBrk="1" hangingPunct="0">
+          <a:lnSpc>
+            <a:spcPct val="100000"/>
+          </a:lnSpc>
+          <a:spcBef>
+            <a:spcPts val="0"/>
+          </a:spcBef>
+          <a:spcAft>
+            <a:spcPts val="0"/>
+          </a:spcAft>
+          <a:buClrTx/>
+          <a:buSzTx/>
+          <a:buFontTx/>
+          <a:buNone/>
+          <a:tabLst/>
+          <a:defRPr kumimoji="0" sz="1800" b="0" i="0" u="none" strike="noStrike" cap="none" spc="0" normalizeH="0" baseline="0">
+            <a:ln>
+              <a:noFill/>
+            </a:ln>
+            <a:solidFill>
+              <a:srgbClr val="000000"/>
+            </a:solidFill>
+            <a:effectLst/>
+            <a:uFillTx/>
+          </a:defRPr>
+        </a:lvl8pPr>
+        <a:lvl9pPr marL="0" marR="0" indent="0" algn="l" defTabSz="914400" rtl="0" fontAlgn="auto" latinLnBrk="1" hangingPunct="0">
+          <a:lnSpc>
+            <a:spcPct val="100000"/>
+          </a:lnSpc>
+          <a:spcBef>
+            <a:spcPts val="0"/>
+          </a:spcBef>
+          <a:spcAft>
+            <a:spcPts val="0"/>
+          </a:spcAft>
+          <a:buClrTx/>
+          <a:buSzTx/>
+          <a:buFontTx/>
+          <a:buNone/>
+          <a:tabLst/>
+          <a:defRPr kumimoji="0" sz="1800" b="0" i="0" u="none" strike="noStrike" cap="none" spc="0" normalizeH="0" baseline="0">
+            <a:ln>
+              <a:noFill/>
+            </a:ln>
+            <a:solidFill>
+              <a:srgbClr val="000000"/>
+            </a:solidFill>
+            <a:effectLst/>
+            <a:uFillTx/>
+          </a:defRPr>
+        </a:lvl9pPr>
+      </a:lstStyle>
+      <a:style>
+        <a:lnRef idx="0">
+          <a:scrgbClr r="0" g="0" b="0"/>
+        </a:lnRef>
+        <a:fillRef idx="0">
+          <a:scrgbClr r="0" g="0" b="0"/>
+        </a:fillRef>
+        <a:effectRef idx="0">
+          <a:scrgbClr r="0" g="0" b="0"/>
+        </a:effectRef>
+        <a:fontRef idx="none"/>
+      </a:style>
+    </a:spDef>
+    <a:lnDef>
+      <a:spPr>
+        <a:noFill/>
+        <a:ln w="25400" cap="flat">
+          <a:solidFill>
+            <a:schemeClr val="accent1"/>
+          </a:solidFill>
+          <a:prstDash val="solid"/>
+          <a:round/>
+        </a:ln>
+        <a:effectLst/>
+        <a:sp3d/>
+      </a:spPr>
+      <a:bodyPr rot="0" spcFirstLastPara="1" vertOverflow="overflow" horzOverflow="overflow" vert="horz" wrap="square" lIns="91439" tIns="45719" rIns="91439" bIns="45719" numCol="1" spcCol="38100" rtlCol="0" anchor="t">
+        <a:noAutofit/>
+      </a:bodyPr>
+      <a:lstStyle>
+        <a:defPPr marL="0" marR="0" indent="0" algn="l" defTabSz="914400" rtl="0" fontAlgn="auto" latinLnBrk="1" hangingPunct="0">
+          <a:lnSpc>
+            <a:spcPct val="100000"/>
+          </a:lnSpc>
+          <a:spcBef>
+            <a:spcPts val="0"/>
+          </a:spcBef>
+          <a:spcAft>
+            <a:spcPts val="0"/>
+          </a:spcAft>
+          <a:buClrTx/>
+          <a:buSzTx/>
+          <a:buFontTx/>
+          <a:buNone/>
+          <a:tabLst/>
+          <a:defRPr kumimoji="0" sz="1800" b="0" i="0" u="none" strike="noStrike" cap="none" spc="0" normalizeH="0" baseline="0">
+            <a:ln>
+              <a:noFill/>
+            </a:ln>
+            <a:solidFill>
+              <a:srgbClr val="000000"/>
+            </a:solidFill>
+            <a:effectLst/>
+            <a:uFillTx/>
+          </a:defRPr>
+        </a:defPPr>
+        <a:lvl1pPr marL="0" marR="0" indent="0" algn="l" defTabSz="914400" rtl="0" fontAlgn="auto" latinLnBrk="1" hangingPunct="0">
+          <a:lnSpc>
+            <a:spcPct val="100000"/>
+          </a:lnSpc>
+          <a:spcBef>
+            <a:spcPts val="0"/>
+          </a:spcBef>
+          <a:spcAft>
+            <a:spcPts val="0"/>
+          </a:spcAft>
+          <a:buClrTx/>
+          <a:buSzTx/>
+          <a:buFontTx/>
+          <a:buNone/>
+          <a:tabLst/>
+          <a:defRPr kumimoji="0" sz="1800" b="0" i="0" u="none" strike="noStrike" cap="none" spc="0" normalizeH="0" baseline="0">
+            <a:ln>
+              <a:noFill/>
+            </a:ln>
+            <a:solidFill>
+              <a:srgbClr val="000000"/>
+            </a:solidFill>
+            <a:effectLst/>
+            <a:uFillTx/>
+          </a:defRPr>
+        </a:lvl1pPr>
+        <a:lvl2pPr marL="0" marR="0" indent="0" algn="l" defTabSz="914400" rtl="0" fontAlgn="auto" latinLnBrk="1" hangingPunct="0">
+          <a:lnSpc>
+            <a:spcPct val="100000"/>
+          </a:lnSpc>
+          <a:spcBef>
+            <a:spcPts val="0"/>
+          </a:spcBef>
+          <a:spcAft>
+            <a:spcPts val="0"/>
+          </a:spcAft>
+          <a:buClrTx/>
+          <a:buSzTx/>
+          <a:buFontTx/>
+          <a:buNone/>
+          <a:tabLst/>
+          <a:defRPr kumimoji="0" sz="1800" b="0" i="0" u="none" strike="noStrike" cap="none" spc="0" normalizeH="0" baseline="0">
+            <a:ln>
+              <a:noFill/>
+            </a:ln>
+            <a:solidFill>
+              <a:srgbClr val="000000"/>
+            </a:solidFill>
+            <a:effectLst/>
+            <a:uFillTx/>
+          </a:defRPr>
+        </a:lvl2pPr>
+        <a:lvl3pPr marL="0" marR="0" indent="0" algn="l" defTabSz="914400" rtl="0" fontAlgn="auto" latinLnBrk="1" hangingPunct="0">
+          <a:lnSpc>
+            <a:spcPct val="100000"/>
+          </a:lnSpc>
+          <a:spcBef>
+            <a:spcPts val="0"/>
+          </a:spcBef>
+          <a:spcAft>
+            <a:spcPts val="0"/>
+          </a:spcAft>
+          <a:buClrTx/>
+          <a:buSzTx/>
+          <a:buFontTx/>
+          <a:buNone/>
+          <a:tabLst/>
+          <a:defRPr kumimoji="0" sz="1800" b="0" i="0" u="none" strike="noStrike" cap="none" spc="0" normalizeH="0" baseline="0">
+            <a:ln>
+              <a:noFill/>
+            </a:ln>
+            <a:solidFill>
+              <a:srgbClr val="000000"/>
+            </a:solidFill>
+            <a:effectLst/>
+            <a:uFillTx/>
+          </a:defRPr>
+        </a:lvl3pPr>
+        <a:lvl4pPr marL="0" marR="0" indent="0" algn="l" defTabSz="914400" rtl="0" fontAlgn="auto" latinLnBrk="1" hangingPunct="0">
+          <a:lnSpc>
+            <a:spcPct val="100000"/>
+          </a:lnSpc>
+          <a:spcBef>
+            <a:spcPts val="0"/>
+          </a:spcBef>
+          <a:spcAft>
+            <a:spcPts val="0"/>
+          </a:spcAft>
+          <a:buClrTx/>
+          <a:buSzTx/>
+          <a:buFontTx/>
+          <a:buNone/>
+          <a:tabLst/>
+          <a:defRPr kumimoji="0" sz="1800" b="0" i="0" u="none" strike="noStrike" cap="none" spc="0" normalizeH="0" baseline="0">
+            <a:ln>
+              <a:noFill/>
+            </a:ln>
+            <a:solidFill>
+              <a:srgbClr val="000000"/>
+            </a:solidFill>
+            <a:effectLst/>
+            <a:uFillTx/>
+          </a:defRPr>
+        </a:lvl4pPr>
+        <a:lvl5pPr marL="0" marR="0" indent="0" algn="l" defTabSz="914400" rtl="0" fontAlgn="auto" latinLnBrk="1" hangingPunct="0">
+          <a:lnSpc>
+            <a:spcPct val="100000"/>
+          </a:lnSpc>
+          <a:spcBef>
+            <a:spcPts val="0"/>
+          </a:spcBef>
+          <a:spcAft>
+            <a:spcPts val="0"/>
+          </a:spcAft>
+          <a:buClrTx/>
+          <a:buSzTx/>
+          <a:buFontTx/>
+          <a:buNone/>
+          <a:tabLst/>
+          <a:defRPr kumimoji="0" sz="1800" b="0" i="0" u="none" strike="noStrike" cap="none" spc="0" normalizeH="0" baseline="0">
+            <a:ln>
+              <a:noFill/>
+            </a:ln>
+            <a:solidFill>
+              <a:srgbClr val="000000"/>
+            </a:solidFill>
+            <a:effectLst/>
+            <a:uFillTx/>
+          </a:defRPr>
+        </a:lvl5pPr>
+        <a:lvl6pPr marL="0" marR="0" indent="0" algn="l" defTabSz="914400" rtl="0" fontAlgn="auto" latinLnBrk="1" hangingPunct="0">
+          <a:lnSpc>
+            <a:spcPct val="100000"/>
+          </a:lnSpc>
+          <a:spcBef>
+            <a:spcPts val="0"/>
+          </a:spcBef>
+          <a:spcAft>
+            <a:spcPts val="0"/>
+          </a:spcAft>
+          <a:buClrTx/>
+          <a:buSzTx/>
+          <a:buFontTx/>
+          <a:buNone/>
+          <a:tabLst/>
+          <a:defRPr kumimoji="0" sz="1800" b="0" i="0" u="none" strike="noStrike" cap="none" spc="0" normalizeH="0" baseline="0">
+            <a:ln>
+              <a:noFill/>
+            </a:ln>
+            <a:solidFill>
+              <a:srgbClr val="000000"/>
+            </a:solidFill>
+            <a:effectLst/>
+            <a:uFillTx/>
+          </a:defRPr>
+        </a:lvl6pPr>
+        <a:lvl7pPr marL="0" marR="0" indent="0" algn="l" defTabSz="914400" rtl="0" fontAlgn="auto" latinLnBrk="1" hangingPunct="0">
+          <a:lnSpc>
+            <a:spcPct val="100000"/>
+          </a:lnSpc>
+          <a:spcBef>
+            <a:spcPts val="0"/>
+          </a:spcBef>
+          <a:spcAft>
+            <a:spcPts val="0"/>
+          </a:spcAft>
+          <a:buClrTx/>
+          <a:buSzTx/>
+          <a:buFontTx/>
+          <a:buNone/>
+          <a:tabLst/>
+          <a:defRPr kumimoji="0" sz="1800" b="0" i="0" u="none" strike="noStrike" cap="none" spc="0" normalizeH="0" baseline="0">
+            <a:ln>
+              <a:noFill/>
+            </a:ln>
+            <a:solidFill>
+              <a:srgbClr val="000000"/>
+            </a:solidFill>
+            <a:effectLst/>
+            <a:uFillTx/>
+          </a:defRPr>
+        </a:lvl7pPr>
+        <a:lvl8pPr marL="0" marR="0" indent="0" algn="l" defTabSz="914400" rtl="0" fontAlgn="auto" latinLnBrk="1" hangingPunct="0">
+          <a:lnSpc>
+            <a:spcPct val="100000"/>
+          </a:lnSpc>
+          <a:spcBef>
+            <a:spcPts val="0"/>
+          </a:spcBef>
+          <a:spcAft>
+            <a:spcPts val="0"/>
+          </a:spcAft>
+          <a:buClrTx/>
+          <a:buSzTx/>
+          <a:buFontTx/>
+          <a:buNone/>
+          <a:tabLst/>
+          <a:defRPr kumimoji="0" sz="1800" b="0" i="0" u="none" strike="noStrike" cap="none" spc="0" normalizeH="0" baseline="0">
+            <a:ln>
+              <a:noFill/>
+            </a:ln>
+            <a:solidFill>
+              <a:srgbClr val="000000"/>
+            </a:solidFill>
+            <a:effectLst/>
+            <a:uFillTx/>
+          </a:defRPr>
+        </a:lvl8pPr>
+        <a:lvl9pPr marL="0" marR="0" indent="0" algn="l" defTabSz="914400" rtl="0" fontAlgn="auto" latinLnBrk="1" hangingPunct="0">
+          <a:lnSpc>
+            <a:spcPct val="100000"/>
+          </a:lnSpc>
+          <a:spcBef>
+            <a:spcPts val="0"/>
+          </a:spcBef>
+          <a:spcAft>
+            <a:spcPts val="0"/>
+          </a:spcAft>
+          <a:buClrTx/>
+          <a:buSzTx/>
+          <a:buFontTx/>
+          <a:buNone/>
+          <a:tabLst/>
+          <a:defRPr kumimoji="0" sz="1800" b="0" i="0" u="none" strike="noStrike" cap="none" spc="0" normalizeH="0" baseline="0">
+            <a:ln>
+              <a:noFill/>
+            </a:ln>
+            <a:solidFill>
+              <a:srgbClr val="000000"/>
+            </a:solidFill>
+            <a:effectLst/>
+            <a:uFillTx/>
+          </a:defRPr>
+        </a:lvl9pPr>
+      </a:lstStyle>
+      <a:style>
+        <a:lnRef idx="0">
+          <a:scrgbClr r="0" g="0" b="0"/>
+        </a:lnRef>
+        <a:fillRef idx="0">
+          <a:scrgbClr r="0" g="0" b="0"/>
+        </a:fillRef>
+        <a:effectRef idx="0">
+          <a:scrgbClr r="0" g="0" b="0"/>
+        </a:effectRef>
+        <a:fontRef idx="none"/>
+      </a:style>
+    </a:lnDef>
+    <a:txDef>
+      <a:spPr>
+        <a:noFill/>
+        <a:ln w="12700" cap="flat">
+          <a:noFill/>
+          <a:miter lim="400000"/>
+        </a:ln>
+        <a:effectLst/>
+        <a:sp3d/>
+      </a:spPr>
+      <a:bodyPr rot="0" spcFirstLastPara="1" vertOverflow="overflow" horzOverflow="overflow" vert="horz" wrap="square" lIns="45718" tIns="45718" rIns="45718" bIns="45718" numCol="1" spcCol="38100" rtlCol="0" anchor="t">
+        <a:spAutoFit/>
+      </a:bodyPr>
+      <a:lstStyle>
+        <a:defPPr marL="0" marR="0" indent="0" algn="l" defTabSz="914400" rtl="0" fontAlgn="auto" latinLnBrk="0" hangingPunct="0">
+          <a:lnSpc>
+            <a:spcPct val="100000"/>
+          </a:lnSpc>
+          <a:spcBef>
+            <a:spcPts val="0"/>
+          </a:spcBef>
+          <a:spcAft>
+            <a:spcPts val="0"/>
+          </a:spcAft>
+          <a:buClrTx/>
+          <a:buSzTx/>
+          <a:buFontTx/>
+          <a:buNone/>
+          <a:tabLst/>
+          <a:defRPr kumimoji="0" sz="1800" b="0" i="0" u="none" strike="noStrike" cap="none" spc="0" normalizeH="0" baseline="0">
+            <a:ln>
+              <a:noFill/>
+            </a:ln>
+            <a:solidFill>
+              <a:srgbClr val="000000"/>
+            </a:solidFill>
+            <a:effectLst/>
+            <a:uFillTx/>
+            <a:latin typeface="+mj-lt"/>
+            <a:ea typeface="+mj-ea"/>
+            <a:cs typeface="+mj-cs"/>
+            <a:sym typeface="Helvetica"/>
+          </a:defRPr>
+        </a:defPPr>
+        <a:lvl1pPr marL="0" marR="0" indent="0" algn="l" defTabSz="914400" rtl="0" fontAlgn="auto" latinLnBrk="1" hangingPunct="0">
+          <a:lnSpc>
+            <a:spcPct val="100000"/>
+          </a:lnSpc>
+          <a:spcBef>
+            <a:spcPts val="0"/>
+          </a:spcBef>
+          <a:spcAft>
+            <a:spcPts val="0"/>
+          </a:spcAft>
+          <a:buClrTx/>
+          <a:buSzTx/>
+          <a:buFontTx/>
+          <a:buNone/>
+          <a:tabLst/>
+          <a:defRPr kumimoji="0" sz="1800" b="0" i="0" u="none" strike="noStrike" cap="none" spc="0" normalizeH="0" baseline="0">
+            <a:ln>
+              <a:noFill/>
+            </a:ln>
+            <a:solidFill>
+              <a:srgbClr val="000000"/>
+            </a:solidFill>
+            <a:effectLst/>
+            <a:uFillTx/>
+          </a:defRPr>
+        </a:lvl1pPr>
+        <a:lvl2pPr marL="0" marR="0" indent="0" algn="l" defTabSz="914400" rtl="0" fontAlgn="auto" latinLnBrk="1" hangingPunct="0">
+          <a:lnSpc>
+            <a:spcPct val="100000"/>
+          </a:lnSpc>
+          <a:spcBef>
+            <a:spcPts val="0"/>
+          </a:spcBef>
+          <a:spcAft>
+            <a:spcPts val="0"/>
+          </a:spcAft>
+          <a:buClrTx/>
+          <a:buSzTx/>
+          <a:buFontTx/>
+          <a:buNone/>
+          <a:tabLst/>
+          <a:defRPr kumimoji="0" sz="1800" b="0" i="0" u="none" strike="noStrike" cap="none" spc="0" normalizeH="0" baseline="0">
+            <a:ln>
+              <a:noFill/>
+            </a:ln>
+            <a:solidFill>
+              <a:srgbClr val="000000"/>
+            </a:solidFill>
+            <a:effectLst/>
+            <a:uFillTx/>
+          </a:defRPr>
+        </a:lvl2pPr>
+        <a:lvl3pPr marL="0" marR="0" indent="0" algn="l" defTabSz="914400" rtl="0" fontAlgn="auto" latinLnBrk="1" hangingPunct="0">
+          <a:lnSpc>
+            <a:spcPct val="100000"/>
+          </a:lnSpc>
+          <a:spcBef>
+            <a:spcPts val="0"/>
+          </a:spcBef>
+          <a:spcAft>
+            <a:spcPts val="0"/>
+          </a:spcAft>
+          <a:buClrTx/>
+          <a:buSzTx/>
+          <a:buFontTx/>
+          <a:buNone/>
+          <a:tabLst/>
+          <a:defRPr kumimoji="0" sz="1800" b="0" i="0" u="none" strike="noStrike" cap="none" spc="0" normalizeH="0" baseline="0">
+            <a:ln>
+              <a:noFill/>
+            </a:ln>
+            <a:solidFill>
+              <a:srgbClr val="000000"/>
+            </a:solidFill>
+            <a:effectLst/>
+            <a:uFillTx/>
+          </a:defRPr>
+        </a:lvl3pPr>
+        <a:lvl4pPr marL="0" marR="0" indent="0" algn="l" defTabSz="914400" rtl="0" fontAlgn="auto" latinLnBrk="1" hangingPunct="0">
+          <a:lnSpc>
+            <a:spcPct val="100000"/>
+          </a:lnSpc>
+          <a:spcBef>
+            <a:spcPts val="0"/>
+          </a:spcBef>
+          <a:spcAft>
+            <a:spcPts val="0"/>
+          </a:spcAft>
+          <a:buClrTx/>
+          <a:buSzTx/>
+          <a:buFontTx/>
+          <a:buNone/>
+          <a:tabLst/>
+          <a:defRPr kumimoji="0" sz="1800" b="0" i="0" u="none" strike="noStrike" cap="none" spc="0" normalizeH="0" baseline="0">
+            <a:ln>
+              <a:noFill/>
+            </a:ln>
+            <a:solidFill>
+              <a:srgbClr val="000000"/>
+            </a:solidFill>
+            <a:effectLst/>
+            <a:uFillTx/>
+          </a:defRPr>
+        </a:lvl4pPr>
+        <a:lvl5pPr marL="0" marR="0" indent="0" algn="l" defTabSz="914400" rtl="0" fontAlgn="auto" latinLnBrk="1" hangingPunct="0">
+          <a:lnSpc>
+            <a:spcPct val="100000"/>
+          </a:lnSpc>
+          <a:spcBef>
+            <a:spcPts val="0"/>
+          </a:spcBef>
+          <a:spcAft>
+            <a:spcPts val="0"/>
+          </a:spcAft>
+          <a:buClrTx/>
+          <a:buSzTx/>
+          <a:buFontTx/>
+          <a:buNone/>
+          <a:tabLst/>
+          <a:defRPr kumimoji="0" sz="1800" b="0" i="0" u="none" strike="noStrike" cap="none" spc="0" normalizeH="0" baseline="0">
+            <a:ln>
+              <a:noFill/>
+            </a:ln>
+            <a:solidFill>
+              <a:srgbClr val="000000"/>
+            </a:solidFill>
+            <a:effectLst/>
+            <a:uFillTx/>
+          </a:defRPr>
+        </a:lvl5pPr>
+        <a:lvl6pPr marL="0" marR="0" indent="0" algn="l" defTabSz="914400" rtl="0" fontAlgn="auto" latinLnBrk="1" hangingPunct="0">
+          <a:lnSpc>
+            <a:spcPct val="100000"/>
+          </a:lnSpc>
+          <a:spcBef>
+            <a:spcPts val="0"/>
+          </a:spcBef>
+          <a:spcAft>
+            <a:spcPts val="0"/>
+          </a:spcAft>
+          <a:buClrTx/>
+          <a:buSzTx/>
+          <a:buFontTx/>
+          <a:buNone/>
+          <a:tabLst/>
+          <a:defRPr kumimoji="0" sz="1800" b="0" i="0" u="none" strike="noStrike" cap="none" spc="0" normalizeH="0" baseline="0">
+            <a:ln>
+              <a:noFill/>
+            </a:ln>
+            <a:solidFill>
+              <a:srgbClr val="000000"/>
+            </a:solidFill>
+            <a:effectLst/>
+            <a:uFillTx/>
+          </a:defRPr>
+        </a:lvl6pPr>
+        <a:lvl7pPr marL="0" marR="0" indent="0" algn="l" defTabSz="914400" rtl="0" fontAlgn="auto" latinLnBrk="1" hangingPunct="0">
+          <a:lnSpc>
+            <a:spcPct val="100000"/>
+          </a:lnSpc>
+          <a:spcBef>
+            <a:spcPts val="0"/>
+          </a:spcBef>
+          <a:spcAft>
+            <a:spcPts val="0"/>
+          </a:spcAft>
+          <a:buClrTx/>
+          <a:buSzTx/>
+          <a:buFontTx/>
+          <a:buNone/>
+          <a:tabLst/>
+          <a:defRPr kumimoji="0" sz="1800" b="0" i="0" u="none" strike="noStrike" cap="none" spc="0" normalizeH="0" baseline="0">
+            <a:ln>
+              <a:noFill/>
+            </a:ln>
+            <a:solidFill>
+              <a:srgbClr val="000000"/>
+            </a:solidFill>
+            <a:effectLst/>
+            <a:uFillTx/>
+          </a:defRPr>
+        </a:lvl7pPr>
+        <a:lvl8pPr marL="0" marR="0" indent="0" algn="l" defTabSz="914400" rtl="0" fontAlgn="auto" latinLnBrk="1" hangingPunct="0">
+          <a:lnSpc>
+            <a:spcPct val="100000"/>
+          </a:lnSpc>
+          <a:spcBef>
+            <a:spcPts val="0"/>
+          </a:spcBef>
+          <a:spcAft>
+            <a:spcPts val="0"/>
+          </a:spcAft>
+          <a:buClrTx/>
+          <a:buSzTx/>
+          <a:buFontTx/>
+          <a:buNone/>
+          <a:tabLst/>
+          <a:defRPr kumimoji="0" sz="1800" b="0" i="0" u="none" strike="noStrike" cap="none" spc="0" normalizeH="0" baseline="0">
+            <a:ln>
+              <a:noFill/>
+            </a:ln>
+            <a:solidFill>
+              <a:srgbClr val="000000"/>
+            </a:solidFill>
+            <a:effectLst/>
+            <a:uFillTx/>
+          </a:defRPr>
+        </a:lvl8pPr>
+        <a:lvl9pPr marL="0" marR="0" indent="0" algn="l" defTabSz="914400" rtl="0" fontAlgn="auto" latinLnBrk="1" hangingPunct="0">
+          <a:lnSpc>
+            <a:spcPct val="100000"/>
+          </a:lnSpc>
+          <a:spcBef>
+            <a:spcPts val="0"/>
+          </a:spcBef>
+          <a:spcAft>
+            <a:spcPts val="0"/>
+          </a:spcAft>
+          <a:buClrTx/>
+          <a:buSzTx/>
+          <a:buFontTx/>
+          <a:buNone/>
+          <a:tabLst/>
+          <a:defRPr kumimoji="0" sz="1800" b="0" i="0" u="none" strike="noStrike" cap="none" spc="0" normalizeH="0" baseline="0">
+            <a:ln>
+              <a:noFill/>
+            </a:ln>
+            <a:solidFill>
+              <a:srgbClr val="000000"/>
+            </a:solidFill>
+            <a:effectLst/>
+            <a:uFillTx/>
+          </a:defRPr>
+        </a:lvl9pPr>
+      </a:lstStyle>
+      <a:style>
+        <a:lnRef idx="0">
+          <a:scrgbClr r="0" g="0" b="0"/>
+        </a:lnRef>
+        <a:fillRef idx="0">
+          <a:scrgbClr r="0" g="0" b="0"/>
+        </a:fillRef>
+        <a:effectRef idx="0">
+          <a:scrgbClr r="0" g="0" b="0"/>
+        </a:effectRef>
+        <a:fontRef idx="none"/>
+      </a:style>
+    </a:txDef>
+  </a:objectDefaults>
+  <a:extraClrSchemeLst/>
+</a:theme>
 </file>